--- a/doc/Generics/Generics Quiz.pptx
+++ b/doc/Generics/Generics Quiz.pptx
@@ -5,7 +5,7 @@
     <p:sldMasterId id="2147483648" r:id="rId1"/>
   </p:sldMasterIdLst>
   <p:notesMasterIdLst>
-    <p:notesMasterId r:id="rId47"/>
+    <p:notesMasterId r:id="rId48"/>
   </p:notesMasterIdLst>
   <p:sldIdLst>
     <p:sldId id="304" r:id="rId2"/>
@@ -23,36 +23,37 @@
     <p:sldId id="616" r:id="rId14"/>
     <p:sldId id="615" r:id="rId15"/>
     <p:sldId id="619" r:id="rId16"/>
-    <p:sldId id="618" r:id="rId17"/>
-    <p:sldId id="599" r:id="rId18"/>
-    <p:sldId id="581" r:id="rId19"/>
-    <p:sldId id="580" r:id="rId20"/>
-    <p:sldId id="621" r:id="rId21"/>
-    <p:sldId id="582" r:id="rId22"/>
-    <p:sldId id="622" r:id="rId23"/>
-    <p:sldId id="583" r:id="rId24"/>
-    <p:sldId id="623" r:id="rId25"/>
-    <p:sldId id="584" r:id="rId26"/>
-    <p:sldId id="585" r:id="rId27"/>
-    <p:sldId id="586" r:id="rId28"/>
-    <p:sldId id="587" r:id="rId29"/>
-    <p:sldId id="588" r:id="rId30"/>
-    <p:sldId id="624" r:id="rId31"/>
-    <p:sldId id="589" r:id="rId32"/>
-    <p:sldId id="590" r:id="rId33"/>
-    <p:sldId id="591" r:id="rId34"/>
-    <p:sldId id="625" r:id="rId35"/>
-    <p:sldId id="592" r:id="rId36"/>
-    <p:sldId id="593" r:id="rId37"/>
-    <p:sldId id="626" r:id="rId38"/>
-    <p:sldId id="594" r:id="rId39"/>
-    <p:sldId id="627" r:id="rId40"/>
-    <p:sldId id="595" r:id="rId41"/>
-    <p:sldId id="628" r:id="rId42"/>
-    <p:sldId id="596" r:id="rId43"/>
-    <p:sldId id="629" r:id="rId44"/>
-    <p:sldId id="597" r:id="rId45"/>
-    <p:sldId id="598" r:id="rId46"/>
+    <p:sldId id="630" r:id="rId17"/>
+    <p:sldId id="618" r:id="rId18"/>
+    <p:sldId id="599" r:id="rId19"/>
+    <p:sldId id="581" r:id="rId20"/>
+    <p:sldId id="580" r:id="rId21"/>
+    <p:sldId id="621" r:id="rId22"/>
+    <p:sldId id="582" r:id="rId23"/>
+    <p:sldId id="622" r:id="rId24"/>
+    <p:sldId id="583" r:id="rId25"/>
+    <p:sldId id="623" r:id="rId26"/>
+    <p:sldId id="584" r:id="rId27"/>
+    <p:sldId id="585" r:id="rId28"/>
+    <p:sldId id="586" r:id="rId29"/>
+    <p:sldId id="587" r:id="rId30"/>
+    <p:sldId id="588" r:id="rId31"/>
+    <p:sldId id="624" r:id="rId32"/>
+    <p:sldId id="589" r:id="rId33"/>
+    <p:sldId id="590" r:id="rId34"/>
+    <p:sldId id="591" r:id="rId35"/>
+    <p:sldId id="625" r:id="rId36"/>
+    <p:sldId id="592" r:id="rId37"/>
+    <p:sldId id="593" r:id="rId38"/>
+    <p:sldId id="626" r:id="rId39"/>
+    <p:sldId id="594" r:id="rId40"/>
+    <p:sldId id="627" r:id="rId41"/>
+    <p:sldId id="595" r:id="rId42"/>
+    <p:sldId id="628" r:id="rId43"/>
+    <p:sldId id="596" r:id="rId44"/>
+    <p:sldId id="629" r:id="rId45"/>
+    <p:sldId id="597" r:id="rId46"/>
+    <p:sldId id="598" r:id="rId47"/>
   </p:sldIdLst>
   <p:sldSz cx="9144000" cy="6858000" type="screen4x3"/>
   <p:notesSz cx="6858000" cy="9144000"/>
@@ -267,7 +268,7 @@
             <a:fld id="{3DA62BD3-B73D-42EF-B487-1BE7D9D82002}" type="datetimeFigureOut">
               <a:rPr lang="en-US" smtClean="0"/>
               <a:pPr/>
-              <a:t>7/10/17</a:t>
+              <a:t>6/13/2018</a:t>
             </a:fld>
             <a:endParaRPr lang="en-US"/>
           </a:p>
@@ -333,38 +334,37 @@
           <a:p>
             <a:pPr lvl="0"/>
             <a:r>
-              <a:rPr lang="en-US" smtClean="0"/>
+              <a:rPr lang="en-US"/>
               <a:t>Click to edit Master text styles</a:t>
             </a:r>
           </a:p>
           <a:p>
             <a:pPr lvl="1"/>
             <a:r>
-              <a:rPr lang="en-US" smtClean="0"/>
+              <a:rPr lang="en-US"/>
               <a:t>Second level</a:t>
             </a:r>
           </a:p>
           <a:p>
             <a:pPr lvl="2"/>
             <a:r>
-              <a:rPr lang="en-US" smtClean="0"/>
+              <a:rPr lang="en-US"/>
               <a:t>Third level</a:t>
             </a:r>
           </a:p>
           <a:p>
             <a:pPr lvl="3"/>
             <a:r>
-              <a:rPr lang="en-US" smtClean="0"/>
+              <a:rPr lang="en-US"/>
               <a:t>Fourth level</a:t>
             </a:r>
           </a:p>
           <a:p>
             <a:pPr lvl="4"/>
             <a:r>
-              <a:rPr lang="en-US" smtClean="0"/>
+              <a:rPr lang="en-US"/>
               <a:t>Fifth level</a:t>
             </a:r>
-            <a:endParaRPr lang="en-US"/>
           </a:p>
         </p:txBody>
       </p:sp>
@@ -582,7 +582,7 @@
           <a:bodyPr/>
           <a:lstStyle/>
           <a:p>
-            <a:endParaRPr lang="en-US" baseline="0" dirty="0" smtClean="0"/>
+            <a:endParaRPr lang="en-US" baseline="0" dirty="0"/>
           </a:p>
           <a:p>
             <a:endParaRPr lang="en-US" dirty="0"/>
@@ -664,10 +664,9 @@
           <a:lstStyle/>
           <a:p>
             <a:r>
-              <a:rPr lang="en-US" smtClean="0"/>
+              <a:rPr lang="en-US"/>
               <a:t>Click to edit Master title style</a:t>
             </a:r>
-            <a:endParaRPr lang="en-US"/>
           </a:p>
         </p:txBody>
       </p:sp>
@@ -783,10 +782,9 @@
           </a:lstStyle>
           <a:p>
             <a:r>
-              <a:rPr lang="en-US" smtClean="0"/>
+              <a:rPr lang="en-US"/>
               <a:t>Click to edit Master subtitle style</a:t>
             </a:r>
-            <a:endParaRPr lang="en-US"/>
           </a:p>
         </p:txBody>
       </p:sp>
@@ -807,7 +805,7 @@
           <a:p>
             <a:fld id="{3668D8DD-1050-4978-AF55-757C3A0DF960}" type="datetime1">
               <a:rPr lang="en-US" smtClean="0"/>
-              <a:t>7/10/17</a:t>
+              <a:t>6/13/2018</a:t>
             </a:fld>
             <a:endParaRPr lang="en-US"/>
           </a:p>
@@ -829,7 +827,7 @@
           <a:lstStyle/>
           <a:p>
             <a:r>
-              <a:rPr lang="en-CA" smtClean="0"/>
+              <a:rPr lang="en-CA"/>
               <a:t>The New Java Platform - Better Eight than Never</a:t>
             </a:r>
             <a:endParaRPr lang="en-US"/>
@@ -901,10 +899,9 @@
           <a:lstStyle/>
           <a:p>
             <a:r>
-              <a:rPr lang="en-US" smtClean="0"/>
+              <a:rPr lang="en-US"/>
               <a:t>Click to edit Master title style</a:t>
             </a:r>
-            <a:endParaRPr lang="en-US"/>
           </a:p>
         </p:txBody>
       </p:sp>
@@ -925,38 +922,37 @@
           <a:p>
             <a:pPr lvl="0"/>
             <a:r>
-              <a:rPr lang="en-US" smtClean="0"/>
+              <a:rPr lang="en-US"/>
               <a:t>Click to edit Master text styles</a:t>
             </a:r>
           </a:p>
           <a:p>
             <a:pPr lvl="1"/>
             <a:r>
-              <a:rPr lang="en-US" smtClean="0"/>
+              <a:rPr lang="en-US"/>
               <a:t>Second level</a:t>
             </a:r>
           </a:p>
           <a:p>
             <a:pPr lvl="2"/>
             <a:r>
-              <a:rPr lang="en-US" smtClean="0"/>
+              <a:rPr lang="en-US"/>
               <a:t>Third level</a:t>
             </a:r>
           </a:p>
           <a:p>
             <a:pPr lvl="3"/>
             <a:r>
-              <a:rPr lang="en-US" smtClean="0"/>
+              <a:rPr lang="en-US"/>
               <a:t>Fourth level</a:t>
             </a:r>
           </a:p>
           <a:p>
             <a:pPr lvl="4"/>
             <a:r>
-              <a:rPr lang="en-US" smtClean="0"/>
+              <a:rPr lang="en-US"/>
               <a:t>Fifth level</a:t>
             </a:r>
-            <a:endParaRPr lang="en-US"/>
           </a:p>
         </p:txBody>
       </p:sp>
@@ -977,7 +973,7 @@
           <a:p>
             <a:fld id="{9A58B9C2-1F92-402E-BA12-244FD88AAB3D}" type="datetime1">
               <a:rPr lang="en-US" smtClean="0"/>
-              <a:t>7/10/17</a:t>
+              <a:t>6/13/2018</a:t>
             </a:fld>
             <a:endParaRPr lang="en-US"/>
           </a:p>
@@ -999,7 +995,7 @@
           <a:lstStyle/>
           <a:p>
             <a:r>
-              <a:rPr lang="en-CA" smtClean="0"/>
+              <a:rPr lang="en-CA"/>
               <a:t>The New Java Platform - Better Eight than Never</a:t>
             </a:r>
             <a:endParaRPr lang="en-US"/>
@@ -1076,10 +1072,9 @@
           <a:lstStyle/>
           <a:p>
             <a:r>
-              <a:rPr lang="en-US" smtClean="0"/>
+              <a:rPr lang="en-US"/>
               <a:t>Click to edit Master title style</a:t>
             </a:r>
-            <a:endParaRPr lang="en-US"/>
           </a:p>
         </p:txBody>
       </p:sp>
@@ -1105,38 +1100,37 @@
           <a:p>
             <a:pPr lvl="0"/>
             <a:r>
-              <a:rPr lang="en-US" smtClean="0"/>
+              <a:rPr lang="en-US"/>
               <a:t>Click to edit Master text styles</a:t>
             </a:r>
           </a:p>
           <a:p>
             <a:pPr lvl="1"/>
             <a:r>
-              <a:rPr lang="en-US" smtClean="0"/>
+              <a:rPr lang="en-US"/>
               <a:t>Second level</a:t>
             </a:r>
           </a:p>
           <a:p>
             <a:pPr lvl="2"/>
             <a:r>
-              <a:rPr lang="en-US" smtClean="0"/>
+              <a:rPr lang="en-US"/>
               <a:t>Third level</a:t>
             </a:r>
           </a:p>
           <a:p>
             <a:pPr lvl="3"/>
             <a:r>
-              <a:rPr lang="en-US" smtClean="0"/>
+              <a:rPr lang="en-US"/>
               <a:t>Fourth level</a:t>
             </a:r>
           </a:p>
           <a:p>
             <a:pPr lvl="4"/>
             <a:r>
-              <a:rPr lang="en-US" smtClean="0"/>
+              <a:rPr lang="en-US"/>
               <a:t>Fifth level</a:t>
             </a:r>
-            <a:endParaRPr lang="en-US"/>
           </a:p>
         </p:txBody>
       </p:sp>
@@ -1157,7 +1151,7 @@
           <a:p>
             <a:fld id="{4C6E0D9F-72E5-425E-A0FC-5CA2FD2531B8}" type="datetime1">
               <a:rPr lang="en-US" smtClean="0"/>
-              <a:t>7/10/17</a:t>
+              <a:t>6/13/2018</a:t>
             </a:fld>
             <a:endParaRPr lang="en-US"/>
           </a:p>
@@ -1179,7 +1173,7 @@
           <a:lstStyle/>
           <a:p>
             <a:r>
-              <a:rPr lang="en-CA" smtClean="0"/>
+              <a:rPr lang="en-CA"/>
               <a:t>The New Java Platform - Better Eight than Never</a:t>
             </a:r>
             <a:endParaRPr lang="en-US"/>
@@ -1251,10 +1245,9 @@
           <a:lstStyle/>
           <a:p>
             <a:r>
-              <a:rPr lang="en-US" smtClean="0"/>
+              <a:rPr lang="en-US"/>
               <a:t>Click to edit Master title style</a:t>
             </a:r>
-            <a:endParaRPr lang="en-US"/>
           </a:p>
         </p:txBody>
       </p:sp>
@@ -1275,38 +1268,37 @@
           <a:p>
             <a:pPr lvl="0"/>
             <a:r>
-              <a:rPr lang="en-US" smtClean="0"/>
+              <a:rPr lang="en-US"/>
               <a:t>Click to edit Master text styles</a:t>
             </a:r>
           </a:p>
           <a:p>
             <a:pPr lvl="1"/>
             <a:r>
-              <a:rPr lang="en-US" smtClean="0"/>
+              <a:rPr lang="en-US"/>
               <a:t>Second level</a:t>
             </a:r>
           </a:p>
           <a:p>
             <a:pPr lvl="2"/>
             <a:r>
-              <a:rPr lang="en-US" smtClean="0"/>
+              <a:rPr lang="en-US"/>
               <a:t>Third level</a:t>
             </a:r>
           </a:p>
           <a:p>
             <a:pPr lvl="3"/>
             <a:r>
-              <a:rPr lang="en-US" smtClean="0"/>
+              <a:rPr lang="en-US"/>
               <a:t>Fourth level</a:t>
             </a:r>
           </a:p>
           <a:p>
             <a:pPr lvl="4"/>
             <a:r>
-              <a:rPr lang="en-US" smtClean="0"/>
+              <a:rPr lang="en-US"/>
               <a:t>Fifth level</a:t>
             </a:r>
-            <a:endParaRPr lang="en-US"/>
           </a:p>
         </p:txBody>
       </p:sp>
@@ -1327,7 +1319,7 @@
           <a:p>
             <a:fld id="{9D46A45E-90A9-40EA-AE85-697EFC122EA2}" type="datetime1">
               <a:rPr lang="en-US" smtClean="0"/>
-              <a:t>7/10/17</a:t>
+              <a:t>6/13/2018</a:t>
             </a:fld>
             <a:endParaRPr lang="en-US"/>
           </a:p>
@@ -1349,7 +1341,7 @@
           <a:lstStyle/>
           <a:p>
             <a:r>
-              <a:rPr lang="en-CA" smtClean="0"/>
+              <a:rPr lang="en-CA"/>
               <a:t>The New Java Platform - Better Eight than Never</a:t>
             </a:r>
             <a:endParaRPr lang="en-US"/>
@@ -1430,10 +1422,9 @@
           </a:lstStyle>
           <a:p>
             <a:r>
-              <a:rPr lang="en-US" smtClean="0"/>
+              <a:rPr lang="en-US"/>
               <a:t>Click to edit Master title style</a:t>
             </a:r>
-            <a:endParaRPr lang="en-US"/>
           </a:p>
         </p:txBody>
       </p:sp>
@@ -1550,7 +1541,7 @@
           <a:p>
             <a:pPr lvl="0"/>
             <a:r>
-              <a:rPr lang="en-US" smtClean="0"/>
+              <a:rPr lang="en-US"/>
               <a:t>Click to edit Master text styles</a:t>
             </a:r>
           </a:p>
@@ -1573,7 +1564,7 @@
           <a:p>
             <a:fld id="{FEFFBDF8-9CF9-4468-BC46-D3CA3E4099A4}" type="datetime1">
               <a:rPr lang="en-US" smtClean="0"/>
-              <a:t>7/10/17</a:t>
+              <a:t>6/13/2018</a:t>
             </a:fld>
             <a:endParaRPr lang="en-US"/>
           </a:p>
@@ -1595,7 +1586,7 @@
           <a:lstStyle/>
           <a:p>
             <a:r>
-              <a:rPr lang="en-CA" smtClean="0"/>
+              <a:rPr lang="en-CA"/>
               <a:t>The New Java Platform - Better Eight than Never</a:t>
             </a:r>
             <a:endParaRPr lang="en-US"/>
@@ -1667,10 +1658,9 @@
           <a:lstStyle/>
           <a:p>
             <a:r>
-              <a:rPr lang="en-US" smtClean="0"/>
+              <a:rPr lang="en-US"/>
               <a:t>Click to edit Master title style</a:t>
             </a:r>
-            <a:endParaRPr lang="en-US"/>
           </a:p>
         </p:txBody>
       </p:sp>
@@ -1724,38 +1714,37 @@
           <a:p>
             <a:pPr lvl="0"/>
             <a:r>
-              <a:rPr lang="en-US" smtClean="0"/>
+              <a:rPr lang="en-US"/>
               <a:t>Click to edit Master text styles</a:t>
             </a:r>
           </a:p>
           <a:p>
             <a:pPr lvl="1"/>
             <a:r>
-              <a:rPr lang="en-US" smtClean="0"/>
+              <a:rPr lang="en-US"/>
               <a:t>Second level</a:t>
             </a:r>
           </a:p>
           <a:p>
             <a:pPr lvl="2"/>
             <a:r>
-              <a:rPr lang="en-US" smtClean="0"/>
+              <a:rPr lang="en-US"/>
               <a:t>Third level</a:t>
             </a:r>
           </a:p>
           <a:p>
             <a:pPr lvl="3"/>
             <a:r>
-              <a:rPr lang="en-US" smtClean="0"/>
+              <a:rPr lang="en-US"/>
               <a:t>Fourth level</a:t>
             </a:r>
           </a:p>
           <a:p>
             <a:pPr lvl="4"/>
             <a:r>
-              <a:rPr lang="en-US" smtClean="0"/>
+              <a:rPr lang="en-US"/>
               <a:t>Fifth level</a:t>
             </a:r>
-            <a:endParaRPr lang="en-US"/>
           </a:p>
         </p:txBody>
       </p:sp>
@@ -1809,38 +1798,37 @@
           <a:p>
             <a:pPr lvl="0"/>
             <a:r>
-              <a:rPr lang="en-US" smtClean="0"/>
+              <a:rPr lang="en-US"/>
               <a:t>Click to edit Master text styles</a:t>
             </a:r>
           </a:p>
           <a:p>
             <a:pPr lvl="1"/>
             <a:r>
-              <a:rPr lang="en-US" smtClean="0"/>
+              <a:rPr lang="en-US"/>
               <a:t>Second level</a:t>
             </a:r>
           </a:p>
           <a:p>
             <a:pPr lvl="2"/>
             <a:r>
-              <a:rPr lang="en-US" smtClean="0"/>
+              <a:rPr lang="en-US"/>
               <a:t>Third level</a:t>
             </a:r>
           </a:p>
           <a:p>
             <a:pPr lvl="3"/>
             <a:r>
-              <a:rPr lang="en-US" smtClean="0"/>
+              <a:rPr lang="en-US"/>
               <a:t>Fourth level</a:t>
             </a:r>
           </a:p>
           <a:p>
             <a:pPr lvl="4"/>
             <a:r>
-              <a:rPr lang="en-US" smtClean="0"/>
+              <a:rPr lang="en-US"/>
               <a:t>Fifth level</a:t>
             </a:r>
-            <a:endParaRPr lang="en-US"/>
           </a:p>
         </p:txBody>
       </p:sp>
@@ -1861,7 +1849,7 @@
           <a:p>
             <a:fld id="{0FE64EA1-1DEF-4022-A885-EF0F5FB7E502}" type="datetime1">
               <a:rPr lang="en-US" smtClean="0"/>
-              <a:t>7/10/17</a:t>
+              <a:t>6/13/2018</a:t>
             </a:fld>
             <a:endParaRPr lang="en-US"/>
           </a:p>
@@ -1883,7 +1871,7 @@
           <a:lstStyle/>
           <a:p>
             <a:r>
-              <a:rPr lang="en-CA" smtClean="0"/>
+              <a:rPr lang="en-CA"/>
               <a:t>The New Java Platform - Better Eight than Never</a:t>
             </a:r>
             <a:endParaRPr lang="en-US"/>
@@ -1959,10 +1947,9 @@
           </a:lstStyle>
           <a:p>
             <a:r>
-              <a:rPr lang="en-US" smtClean="0"/>
+              <a:rPr lang="en-US"/>
               <a:t>Click to edit Master title style</a:t>
             </a:r>
-            <a:endParaRPr lang="en-US"/>
           </a:p>
         </p:txBody>
       </p:sp>
@@ -2025,7 +2012,7 @@
           <a:p>
             <a:pPr lvl="0"/>
             <a:r>
-              <a:rPr lang="en-US" smtClean="0"/>
+              <a:rPr lang="en-US"/>
               <a:t>Click to edit Master text styles</a:t>
             </a:r>
           </a:p>
@@ -2081,38 +2068,37 @@
           <a:p>
             <a:pPr lvl="0"/>
             <a:r>
-              <a:rPr lang="en-US" smtClean="0"/>
+              <a:rPr lang="en-US"/>
               <a:t>Click to edit Master text styles</a:t>
             </a:r>
           </a:p>
           <a:p>
             <a:pPr lvl="1"/>
             <a:r>
-              <a:rPr lang="en-US" smtClean="0"/>
+              <a:rPr lang="en-US"/>
               <a:t>Second level</a:t>
             </a:r>
           </a:p>
           <a:p>
             <a:pPr lvl="2"/>
             <a:r>
-              <a:rPr lang="en-US" smtClean="0"/>
+              <a:rPr lang="en-US"/>
               <a:t>Third level</a:t>
             </a:r>
           </a:p>
           <a:p>
             <a:pPr lvl="3"/>
             <a:r>
-              <a:rPr lang="en-US" smtClean="0"/>
+              <a:rPr lang="en-US"/>
               <a:t>Fourth level</a:t>
             </a:r>
           </a:p>
           <a:p>
             <a:pPr lvl="4"/>
             <a:r>
-              <a:rPr lang="en-US" smtClean="0"/>
+              <a:rPr lang="en-US"/>
               <a:t>Fifth level</a:t>
             </a:r>
-            <a:endParaRPr lang="en-US"/>
           </a:p>
         </p:txBody>
       </p:sp>
@@ -2175,7 +2161,7 @@
           <a:p>
             <a:pPr lvl="0"/>
             <a:r>
-              <a:rPr lang="en-US" smtClean="0"/>
+              <a:rPr lang="en-US"/>
               <a:t>Click to edit Master text styles</a:t>
             </a:r>
           </a:p>
@@ -2231,38 +2217,37 @@
           <a:p>
             <a:pPr lvl="0"/>
             <a:r>
-              <a:rPr lang="en-US" smtClean="0"/>
+              <a:rPr lang="en-US"/>
               <a:t>Click to edit Master text styles</a:t>
             </a:r>
           </a:p>
           <a:p>
             <a:pPr lvl="1"/>
             <a:r>
-              <a:rPr lang="en-US" smtClean="0"/>
+              <a:rPr lang="en-US"/>
               <a:t>Second level</a:t>
             </a:r>
           </a:p>
           <a:p>
             <a:pPr lvl="2"/>
             <a:r>
-              <a:rPr lang="en-US" smtClean="0"/>
+              <a:rPr lang="en-US"/>
               <a:t>Third level</a:t>
             </a:r>
           </a:p>
           <a:p>
             <a:pPr lvl="3"/>
             <a:r>
-              <a:rPr lang="en-US" smtClean="0"/>
+              <a:rPr lang="en-US"/>
               <a:t>Fourth level</a:t>
             </a:r>
           </a:p>
           <a:p>
             <a:pPr lvl="4"/>
             <a:r>
-              <a:rPr lang="en-US" smtClean="0"/>
+              <a:rPr lang="en-US"/>
               <a:t>Fifth level</a:t>
             </a:r>
-            <a:endParaRPr lang="en-US"/>
           </a:p>
         </p:txBody>
       </p:sp>
@@ -2283,7 +2268,7 @@
           <a:p>
             <a:fld id="{0A9663A7-807B-41CD-81C1-6C340F726016}" type="datetime1">
               <a:rPr lang="en-US" smtClean="0"/>
-              <a:t>7/10/17</a:t>
+              <a:t>6/13/2018</a:t>
             </a:fld>
             <a:endParaRPr lang="en-US"/>
           </a:p>
@@ -2305,7 +2290,7 @@
           <a:lstStyle/>
           <a:p>
             <a:r>
-              <a:rPr lang="en-CA" smtClean="0"/>
+              <a:rPr lang="en-CA"/>
               <a:t>The New Java Platform - Better Eight than Never</a:t>
             </a:r>
             <a:endParaRPr lang="en-US"/>
@@ -2377,10 +2362,9 @@
           <a:lstStyle/>
           <a:p>
             <a:r>
-              <a:rPr lang="en-US" smtClean="0"/>
+              <a:rPr lang="en-US"/>
               <a:t>Click to edit Master title style</a:t>
             </a:r>
-            <a:endParaRPr lang="en-US"/>
           </a:p>
         </p:txBody>
       </p:sp>
@@ -2401,7 +2385,7 @@
           <a:p>
             <a:fld id="{876755E6-C08F-4D27-A3A5-E5F934A4D8C7}" type="datetime1">
               <a:rPr lang="en-US" smtClean="0"/>
-              <a:t>7/10/17</a:t>
+              <a:t>6/13/2018</a:t>
             </a:fld>
             <a:endParaRPr lang="en-US"/>
           </a:p>
@@ -2423,7 +2407,7 @@
           <a:lstStyle/>
           <a:p>
             <a:r>
-              <a:rPr lang="en-CA" smtClean="0"/>
+              <a:rPr lang="en-CA"/>
               <a:t>The New Java Platform - Better Eight than Never</a:t>
             </a:r>
             <a:endParaRPr lang="en-US"/>
@@ -2496,7 +2480,7 @@
           <a:p>
             <a:fld id="{F0DFDEB7-7732-4EB6-A020-FB0674945E99}" type="datetime1">
               <a:rPr lang="en-US" smtClean="0"/>
-              <a:t>7/10/17</a:t>
+              <a:t>6/13/2018</a:t>
             </a:fld>
             <a:endParaRPr lang="en-US"/>
           </a:p>
@@ -2518,7 +2502,7 @@
           <a:lstStyle/>
           <a:p>
             <a:r>
-              <a:rPr lang="en-CA" smtClean="0"/>
+              <a:rPr lang="en-CA"/>
               <a:t>The New Java Platform - Better Eight than Never</a:t>
             </a:r>
             <a:endParaRPr lang="en-US"/>
@@ -2599,10 +2583,9 @@
           </a:lstStyle>
           <a:p>
             <a:r>
-              <a:rPr lang="en-US" smtClean="0"/>
+              <a:rPr lang="en-US"/>
               <a:t>Click to edit Master title style</a:t>
             </a:r>
-            <a:endParaRPr lang="en-US"/>
           </a:p>
         </p:txBody>
       </p:sp>
@@ -2656,38 +2639,37 @@
           <a:p>
             <a:pPr lvl="0"/>
             <a:r>
-              <a:rPr lang="en-US" smtClean="0"/>
+              <a:rPr lang="en-US"/>
               <a:t>Click to edit Master text styles</a:t>
             </a:r>
           </a:p>
           <a:p>
             <a:pPr lvl="1"/>
             <a:r>
-              <a:rPr lang="en-US" smtClean="0"/>
+              <a:rPr lang="en-US"/>
               <a:t>Second level</a:t>
             </a:r>
           </a:p>
           <a:p>
             <a:pPr lvl="2"/>
             <a:r>
-              <a:rPr lang="en-US" smtClean="0"/>
+              <a:rPr lang="en-US"/>
               <a:t>Third level</a:t>
             </a:r>
           </a:p>
           <a:p>
             <a:pPr lvl="3"/>
             <a:r>
-              <a:rPr lang="en-US" smtClean="0"/>
+              <a:rPr lang="en-US"/>
               <a:t>Fourth level</a:t>
             </a:r>
           </a:p>
           <a:p>
             <a:pPr lvl="4"/>
             <a:r>
-              <a:rPr lang="en-US" smtClean="0"/>
+              <a:rPr lang="en-US"/>
               <a:t>Fifth level</a:t>
             </a:r>
-            <a:endParaRPr lang="en-US"/>
           </a:p>
         </p:txBody>
       </p:sp>
@@ -2750,7 +2732,7 @@
           <a:p>
             <a:pPr lvl="0"/>
             <a:r>
-              <a:rPr lang="en-US" smtClean="0"/>
+              <a:rPr lang="en-US"/>
               <a:t>Click to edit Master text styles</a:t>
             </a:r>
           </a:p>
@@ -2773,7 +2755,7 @@
           <a:p>
             <a:fld id="{296A1FCF-A99F-4691-A088-6956E7DBFD9A}" type="datetime1">
               <a:rPr lang="en-US" smtClean="0"/>
-              <a:t>7/10/17</a:t>
+              <a:t>6/13/2018</a:t>
             </a:fld>
             <a:endParaRPr lang="en-US"/>
           </a:p>
@@ -2795,7 +2777,7 @@
           <a:lstStyle/>
           <a:p>
             <a:r>
-              <a:rPr lang="en-CA" smtClean="0"/>
+              <a:rPr lang="en-CA"/>
               <a:t>The New Java Platform - Better Eight than Never</a:t>
             </a:r>
             <a:endParaRPr lang="en-US"/>
@@ -2876,10 +2858,9 @@
           </a:lstStyle>
           <a:p>
             <a:r>
-              <a:rPr lang="en-US" smtClean="0"/>
+              <a:rPr lang="en-US"/>
               <a:t>Click to edit Master title style</a:t>
             </a:r>
-            <a:endParaRPr lang="en-US"/>
           </a:p>
         </p:txBody>
       </p:sp>
@@ -3003,7 +2984,7 @@
           <a:p>
             <a:pPr lvl="0"/>
             <a:r>
-              <a:rPr lang="en-US" smtClean="0"/>
+              <a:rPr lang="en-US"/>
               <a:t>Click to edit Master text styles</a:t>
             </a:r>
           </a:p>
@@ -3026,7 +3007,7 @@
           <a:p>
             <a:fld id="{719F6FA6-C149-4A92-BF43-B98364069072}" type="datetime1">
               <a:rPr lang="en-US" smtClean="0"/>
-              <a:t>7/10/17</a:t>
+              <a:t>6/13/2018</a:t>
             </a:fld>
             <a:endParaRPr lang="en-US"/>
           </a:p>
@@ -3048,7 +3029,7 @@
           <a:lstStyle/>
           <a:p>
             <a:r>
-              <a:rPr lang="en-CA" smtClean="0"/>
+              <a:rPr lang="en-CA"/>
               <a:t>The New Java Platform - Better Eight than Never</a:t>
             </a:r>
             <a:endParaRPr lang="en-US"/>
@@ -3144,10 +3125,9 @@
           <a:lstStyle/>
           <a:p>
             <a:r>
-              <a:rPr lang="en-US" smtClean="0"/>
+              <a:rPr lang="en-US"/>
               <a:t>Click to edit Master title style</a:t>
             </a:r>
-            <a:endParaRPr lang="en-US"/>
           </a:p>
         </p:txBody>
       </p:sp>
@@ -3178,38 +3158,37 @@
           <a:p>
             <a:pPr lvl="0"/>
             <a:r>
-              <a:rPr lang="en-US" smtClean="0"/>
+              <a:rPr lang="en-US"/>
               <a:t>Click to edit Master text styles</a:t>
             </a:r>
           </a:p>
           <a:p>
             <a:pPr lvl="1"/>
             <a:r>
-              <a:rPr lang="en-US" smtClean="0"/>
+              <a:rPr lang="en-US"/>
               <a:t>Second level</a:t>
             </a:r>
           </a:p>
           <a:p>
             <a:pPr lvl="2"/>
             <a:r>
-              <a:rPr lang="en-US" smtClean="0"/>
+              <a:rPr lang="en-US"/>
               <a:t>Third level</a:t>
             </a:r>
           </a:p>
           <a:p>
             <a:pPr lvl="3"/>
             <a:r>
-              <a:rPr lang="en-US" smtClean="0"/>
+              <a:rPr lang="en-US"/>
               <a:t>Fourth level</a:t>
             </a:r>
           </a:p>
           <a:p>
             <a:pPr lvl="4"/>
             <a:r>
-              <a:rPr lang="en-US" smtClean="0"/>
+              <a:rPr lang="en-US"/>
               <a:t>Fifth level</a:t>
             </a:r>
-            <a:endParaRPr lang="en-US"/>
           </a:p>
         </p:txBody>
       </p:sp>
@@ -3248,7 +3227,7 @@
           <a:p>
             <a:fld id="{5DC64BFE-6553-41A9-B151-BBE332EAFD6E}" type="datetime1">
               <a:rPr lang="en-US" smtClean="0"/>
-              <a:t>7/10/17</a:t>
+              <a:t>6/13/2018</a:t>
             </a:fld>
             <a:endParaRPr lang="en-US"/>
           </a:p>
@@ -3288,7 +3267,7 @@
           </a:lstStyle>
           <a:p>
             <a:r>
-              <a:rPr lang="en-CA" smtClean="0"/>
+              <a:rPr lang="en-CA"/>
               <a:t>The New Java Platform - Better Eight than Never</a:t>
             </a:r>
             <a:endParaRPr lang="en-US"/>
@@ -3661,10 +3640,9 @@
           <a:lstStyle/>
           <a:p>
             <a:r>
-              <a:rPr lang="en-US" sz="5400" dirty="0" smtClean="0"/>
+              <a:rPr lang="en-US" sz="5400" dirty="0"/>
               <a:t>The generics quiz</a:t>
             </a:r>
-            <a:endParaRPr lang="en-US" sz="5400" dirty="0"/>
           </a:p>
         </p:txBody>
       </p:sp>
@@ -3692,7 +3670,7 @@
           <a:p>
             <a:pPr lvl="0" algn="ctr"/>
             <a:r>
-              <a:rPr lang="en-CA" sz="3200" dirty="0" smtClean="0">
+              <a:rPr lang="en-CA" sz="3200" dirty="0">
                 <a:solidFill>
                   <a:schemeClr val="tx1">
                     <a:lumMod val="65000"/>
@@ -3706,7 +3684,7 @@
           <a:p>
             <a:pPr lvl="0" algn="ctr"/>
             <a:r>
-              <a:rPr lang="en-CA" sz="3200" dirty="0" smtClean="0">
+              <a:rPr lang="en-CA" sz="3200" dirty="0">
                 <a:solidFill>
                   <a:schemeClr val="tx2"/>
                 </a:solidFill>
@@ -3714,7 +3692,7 @@
               <a:t> </a:t>
             </a:r>
             <a:r>
-              <a:rPr lang="en-CA" sz="7200" dirty="0" smtClean="0">
+              <a:rPr lang="en-CA" sz="7200" dirty="0">
                 <a:solidFill>
                   <a:schemeClr val="tx2"/>
                 </a:solidFill>
@@ -3722,14 +3700,14 @@
               <a:t>legal</a:t>
             </a:r>
             <a:r>
-              <a:rPr lang="en-CA" sz="3200" dirty="0" smtClean="0">
+              <a:rPr lang="en-CA" sz="3200" dirty="0">
                 <a:solidFill>
                   <a:schemeClr val="tx2"/>
                 </a:solidFill>
               </a:rPr>
               <a:t> </a:t>
             </a:r>
-            <a:endParaRPr lang="en-CA" sz="2800" dirty="0" smtClean="0">
+            <a:endParaRPr lang="en-CA" sz="2800" dirty="0">
               <a:solidFill>
                 <a:schemeClr val="tx1">
                   <a:lumMod val="65000"/>
@@ -3741,7 +3719,7 @@
           <a:p>
             <a:pPr lvl="0" algn="ctr"/>
             <a:r>
-              <a:rPr lang="en-CA" sz="7200" dirty="0" smtClean="0">
+              <a:rPr lang="en-CA" sz="7200" dirty="0">
                 <a:solidFill>
                   <a:srgbClr val="FF0000"/>
                 </a:solidFill>
@@ -3944,10 +3922,9 @@
           <a:lstStyle/>
           <a:p>
             <a:r>
-              <a:rPr lang="en-US" dirty="0" smtClean="0"/>
+              <a:rPr lang="en-US" dirty="0"/>
               <a:t>or</a:t>
             </a:r>
-            <a:endParaRPr lang="en-US" dirty="0"/>
           </a:p>
         </p:txBody>
       </p:sp>
@@ -3961,14 +3938,6 @@
   <p:clrMapOvr>
     <a:masterClrMapping/>
   </p:clrMapOvr>
-  <mc:AlternateContent xmlns:mc="http://schemas.openxmlformats.org/markup-compatibility/2006" xmlns:p14="http://schemas.microsoft.com/office/powerpoint/2010/main">
-    <mc:Choice Requires="p14">
-      <p:transition p14:dur="0"/>
-    </mc:Choice>
-    <mc:Fallback xmlns="">
-      <p:transition xmlns:p14="http://schemas.microsoft.com/office/powerpoint/2010/main"/>
-    </mc:Fallback>
-  </mc:AlternateContent>
   <p:timing>
     <p:tnLst>
       <p:par>
@@ -4292,7 +4261,7 @@
           <a:p>
             <a:pPr algn="l"/>
             <a:r>
-              <a:rPr lang="en-CA" dirty="0" smtClean="0"/>
+              <a:rPr lang="en-CA" dirty="0"/>
               <a:t>The Generics Quiz</a:t>
             </a:r>
             <a:endParaRPr lang="en-US" dirty="0"/>
@@ -4323,10 +4292,9 @@
           <a:p>
             <a:pPr lvl="0" algn="ctr"/>
             <a:r>
-              <a:rPr lang="en-CA" sz="4800" dirty="0" smtClean="0"/>
+              <a:rPr lang="en-CA" sz="4800" dirty="0"/>
               <a:t>Review</a:t>
             </a:r>
-            <a:endParaRPr lang="en-CA" sz="4800" dirty="0"/>
           </a:p>
         </p:txBody>
       </p:sp>
@@ -4354,27 +4322,27 @@
           <a:p>
             <a:pPr algn="ctr"/>
             <a:r>
-              <a:rPr lang="en-CA" sz="3200" dirty="0" smtClean="0"/>
+              <a:rPr lang="en-CA" sz="3200" dirty="0"/>
               <a:t>How to make parameterized types covariant</a:t>
             </a:r>
           </a:p>
           <a:p>
             <a:pPr algn="ctr"/>
             <a:r>
-              <a:rPr lang="en-CA" sz="3200" dirty="0" smtClean="0"/>
+              <a:rPr lang="en-CA" sz="3200" dirty="0"/>
               <a:t>(Lower bounded)</a:t>
             </a:r>
           </a:p>
           <a:p>
             <a:pPr lvl="1"/>
-            <a:endParaRPr lang="en-CA" sz="2400" dirty="0" smtClean="0">
+            <a:endParaRPr lang="en-CA" sz="2400" dirty="0">
               <a:cs typeface="Courier"/>
             </a:endParaRPr>
           </a:p>
           <a:p>
             <a:pPr lvl="1"/>
             <a:r>
-              <a:rPr lang="en-CA" sz="2400" dirty="0" err="1" smtClean="0">
+              <a:rPr lang="en-CA" sz="2400" dirty="0" err="1">
                 <a:latin typeface="Courier"/>
                 <a:cs typeface="Courier"/>
               </a:rPr>
@@ -4395,20 +4363,10 @@
                 <a:latin typeface="Courier"/>
                 <a:cs typeface="Courier"/>
               </a:rPr>
-              <a:t>? s</a:t>
-            </a:r>
-            <a:r>
-              <a:rPr lang="en-CA" sz="2400" dirty="0" smtClean="0">
-                <a:solidFill>
-                  <a:srgbClr val="FF0000"/>
-                </a:solidFill>
-                <a:latin typeface="Courier"/>
-                <a:cs typeface="Courier"/>
-              </a:rPr>
-              <a:t>uper </a:t>
-            </a:r>
-            <a:r>
-              <a:rPr lang="en-CA" sz="2400" dirty="0" err="1" smtClean="0">
+              <a:t>? super </a:t>
+            </a:r>
+            <a:r>
+              <a:rPr lang="en-CA" sz="2400" dirty="0" err="1">
                 <a:solidFill>
                   <a:srgbClr val="FF0000"/>
                 </a:solidFill>
@@ -4422,24 +4380,17 @@
                 <a:latin typeface="Courier"/>
                 <a:cs typeface="Courier"/>
               </a:rPr>
-              <a:t>&gt; </a:t>
-            </a:r>
-            <a:r>
-              <a:rPr lang="en-CA" sz="2400" dirty="0" smtClean="0">
-                <a:latin typeface="Courier"/>
-                <a:cs typeface="Courier"/>
-              </a:rPr>
-              <a:t>	</a:t>
-            </a:r>
-            <a:r>
-              <a:rPr lang="en-CA" sz="2400" dirty="0" err="1" smtClean="0">
+              <a:t>&gt; 	</a:t>
+            </a:r>
+            <a:r>
+              <a:rPr lang="en-CA" sz="2400" dirty="0" err="1">
                 <a:latin typeface="Courier"/>
                 <a:cs typeface="Courier"/>
               </a:rPr>
               <a:t>genericOfSuperChild</a:t>
             </a:r>
             <a:r>
-              <a:rPr lang="en-CA" sz="2400" dirty="0" smtClean="0">
+              <a:rPr lang="en-CA" sz="2400" dirty="0">
                 <a:latin typeface="Courier"/>
                 <a:cs typeface="Courier"/>
               </a:rPr>
@@ -4453,14 +4404,7 @@
                 <a:latin typeface="Courier"/>
                 <a:cs typeface="Courier"/>
               </a:rPr>
-              <a:t>		</a:t>
-            </a:r>
-            <a:r>
-              <a:rPr lang="en-CA" sz="2400" dirty="0" smtClean="0">
-                <a:latin typeface="Courier"/>
-                <a:cs typeface="Courier"/>
-              </a:rPr>
-              <a:t>new </a:t>
+              <a:t>		new </a:t>
             </a:r>
             <a:r>
               <a:rPr lang="en-CA" sz="2400" dirty="0" err="1">
@@ -4493,7 +4437,7 @@
           </a:p>
           <a:p>
             <a:pPr lvl="1"/>
-            <a:endParaRPr lang="en-CA" sz="2400" dirty="0" smtClean="0">
+            <a:endParaRPr lang="en-CA" sz="2400" dirty="0">
               <a:latin typeface="Courier"/>
               <a:cs typeface="Courier"/>
             </a:endParaRPr>
@@ -4510,21 +4454,6 @@
   <p:clrMapOvr>
     <a:masterClrMapping/>
   </p:clrMapOvr>
-  <mc:AlternateContent xmlns:mc="http://schemas.openxmlformats.org/markup-compatibility/2006" xmlns:p14="http://schemas.microsoft.com/office/powerpoint/2010/main">
-    <mc:Choice Requires="p14">
-      <p:transition p14:dur="0"/>
-    </mc:Choice>
-    <mc:Fallback xmlns="">
-      <p:transition xmlns:p14="http://schemas.microsoft.com/office/powerpoint/2010/main"/>
-    </mc:Fallback>
-  </mc:AlternateContent>
-  <p:timing>
-    <p:tnLst>
-      <p:par>
-        <p:cTn id="1" dur="indefinite" restart="never" nodeType="tmRoot"/>
-      </p:par>
-    </p:tnLst>
-  </p:timing>
 </p:sld>
 </file>
 
@@ -4688,7 +4617,7 @@
           <a:p>
             <a:pPr algn="l"/>
             <a:r>
-              <a:rPr lang="en-CA" dirty="0" smtClean="0"/>
+              <a:rPr lang="en-CA" dirty="0"/>
               <a:t>The Generics Quiz</a:t>
             </a:r>
             <a:endParaRPr lang="en-US" dirty="0"/>
@@ -4719,10 +4648,9 @@
           <a:p>
             <a:pPr lvl="0" algn="ctr"/>
             <a:r>
-              <a:rPr lang="en-CA" sz="4800" dirty="0" smtClean="0"/>
+              <a:rPr lang="en-CA" sz="4800" dirty="0"/>
               <a:t>Review</a:t>
             </a:r>
-            <a:endParaRPr lang="en-CA" sz="4800" dirty="0"/>
           </a:p>
         </p:txBody>
       </p:sp>
@@ -4750,25 +4678,25 @@
           <a:p>
             <a:pPr algn="ctr"/>
             <a:r>
-              <a:rPr lang="en-CA" sz="3200" dirty="0" smtClean="0"/>
+              <a:rPr lang="en-CA" sz="3200" dirty="0"/>
               <a:t>How to make parameterized types covariant</a:t>
             </a:r>
           </a:p>
           <a:p>
             <a:pPr algn="ctr"/>
             <a:r>
-              <a:rPr lang="en-CA" sz="3200" dirty="0" smtClean="0"/>
+              <a:rPr lang="en-CA" sz="3200" dirty="0"/>
               <a:t>(Unknown type)</a:t>
             </a:r>
           </a:p>
           <a:p>
             <a:pPr algn="ctr"/>
-            <a:endParaRPr lang="en-CA" sz="2400" dirty="0" smtClean="0"/>
+            <a:endParaRPr lang="en-CA" sz="2400" dirty="0"/>
           </a:p>
           <a:p>
             <a:pPr lvl="1"/>
             <a:r>
-              <a:rPr lang="en-US" sz="2400" dirty="0" err="1" smtClean="0">
+              <a:rPr lang="en-US" sz="2400" dirty="0" err="1">
                 <a:latin typeface="Courier"/>
                 <a:cs typeface="Courier"/>
               </a:rPr>
@@ -4810,14 +4738,7 @@
                 <a:latin typeface="Courier"/>
                 <a:cs typeface="Courier"/>
               </a:rPr>
-              <a:t> </a:t>
-            </a:r>
-            <a:r>
-              <a:rPr lang="en-US" sz="2400" dirty="0" smtClean="0">
-                <a:latin typeface="Courier"/>
-                <a:cs typeface="Courier"/>
-              </a:rPr>
-              <a:t>=</a:t>
+              <a:t> =</a:t>
             </a:r>
           </a:p>
           <a:p>
@@ -4830,7 +4751,7 @@
               <a:t>	</a:t>
             </a:r>
             <a:r>
-              <a:rPr lang="en-CA" sz="2400" dirty="0" smtClean="0">
+              <a:rPr lang="en-CA" sz="2400" dirty="0">
                 <a:latin typeface="Courier"/>
                 <a:cs typeface="Courier"/>
               </a:rPr>
@@ -4877,21 +4798,6 @@
   <p:clrMapOvr>
     <a:masterClrMapping/>
   </p:clrMapOvr>
-  <mc:AlternateContent xmlns:mc="http://schemas.openxmlformats.org/markup-compatibility/2006" xmlns:p14="http://schemas.microsoft.com/office/powerpoint/2010/main">
-    <mc:Choice Requires="p14">
-      <p:transition p14:dur="0"/>
-    </mc:Choice>
-    <mc:Fallback xmlns="">
-      <p:transition xmlns:p14="http://schemas.microsoft.com/office/powerpoint/2010/main"/>
-    </mc:Fallback>
-  </mc:AlternateContent>
-  <p:timing>
-    <p:tnLst>
-      <p:par>
-        <p:cTn id="1" dur="indefinite" restart="never" nodeType="tmRoot"/>
-      </p:par>
-    </p:tnLst>
-  </p:timing>
 </p:sld>
 </file>
 
@@ -5055,7 +4961,7 @@
           <a:p>
             <a:pPr algn="l"/>
             <a:r>
-              <a:rPr lang="en-CA" dirty="0" smtClean="0"/>
+              <a:rPr lang="en-CA" dirty="0"/>
               <a:t>The Generics Quiz</a:t>
             </a:r>
             <a:endParaRPr lang="en-US" dirty="0"/>
@@ -5086,10 +4992,9 @@
           <a:p>
             <a:pPr lvl="0" algn="ctr"/>
             <a:r>
-              <a:rPr lang="en-CA" sz="4800" dirty="0" smtClean="0"/>
+              <a:rPr lang="en-CA" sz="4800" dirty="0"/>
               <a:t>Review</a:t>
             </a:r>
-            <a:endParaRPr lang="en-CA" sz="4800" dirty="0"/>
           </a:p>
         </p:txBody>
       </p:sp>
@@ -5117,14 +5022,14 @@
           <a:p>
             <a:pPr algn="ctr"/>
             <a:r>
-              <a:rPr lang="en-CA" sz="3200" dirty="0" smtClean="0"/>
+              <a:rPr lang="en-CA" sz="3200" dirty="0"/>
               <a:t>But there are limits to what we can do</a:t>
             </a:r>
           </a:p>
           <a:p>
             <a:pPr algn="ctr"/>
             <a:r>
-              <a:rPr lang="en-CA" sz="3200" dirty="0" smtClean="0"/>
+              <a:rPr lang="en-CA" sz="3200" dirty="0"/>
               <a:t> </a:t>
             </a:r>
           </a:p>
@@ -5134,7 +5039,7 @@
           <a:p>
             <a:pPr lvl="1"/>
             <a:r>
-              <a:rPr lang="en-CA" sz="2400" dirty="0" err="1" smtClean="0">
+              <a:rPr lang="en-CA" sz="2400" dirty="0" err="1">
                 <a:latin typeface="Courier"/>
                 <a:cs typeface="Courier"/>
               </a:rPr>
@@ -5159,40 +5064,22 @@
                 <a:latin typeface="Courier"/>
                 <a:cs typeface="Courier"/>
               </a:rPr>
-              <a:t>&gt; </a:t>
-            </a:r>
-            <a:r>
-              <a:rPr lang="en-CA" sz="2400" dirty="0" smtClean="0">
-                <a:latin typeface="Courier"/>
-                <a:cs typeface="Courier"/>
-              </a:rPr>
-              <a:t>	</a:t>
-            </a:r>
-            <a:r>
-              <a:rPr lang="en-CA" sz="2400" dirty="0" err="1" smtClean="0">
+              <a:t>&gt; 	</a:t>
+            </a:r>
+            <a:r>
+              <a:rPr lang="en-CA" sz="2400" dirty="0" err="1">
                 <a:latin typeface="Courier"/>
                 <a:cs typeface="Courier"/>
               </a:rPr>
               <a:t>genericOfExtendsChild</a:t>
             </a:r>
             <a:r>
-              <a:rPr lang="en-CA" sz="2400" dirty="0" smtClean="0">
-                <a:latin typeface="Courier"/>
-                <a:cs typeface="Courier"/>
-              </a:rPr>
-              <a:t> </a:t>
-            </a:r>
-            <a:r>
               <a:rPr lang="en-CA" sz="2400" dirty="0">
                 <a:latin typeface="Courier"/>
                 <a:cs typeface="Courier"/>
               </a:rPr>
-              <a:t>= </a:t>
-            </a:r>
-            <a:endParaRPr lang="en-CA" sz="2400" dirty="0" smtClean="0">
-              <a:latin typeface="Courier"/>
-              <a:cs typeface="Courier"/>
-            </a:endParaRPr>
+              <a:t> = </a:t>
+            </a:r>
           </a:p>
           <a:p>
             <a:pPr lvl="1"/>
@@ -5201,14 +5088,7 @@
                 <a:latin typeface="Courier"/>
                 <a:cs typeface="Courier"/>
               </a:rPr>
-              <a:t>	</a:t>
-            </a:r>
-            <a:r>
-              <a:rPr lang="en-CA" sz="2400" dirty="0" smtClean="0">
-                <a:latin typeface="Courier"/>
-                <a:cs typeface="Courier"/>
-              </a:rPr>
-              <a:t>	new </a:t>
+              <a:t>		new </a:t>
             </a:r>
             <a:r>
               <a:rPr lang="en-CA" sz="2400" dirty="0" err="1">
@@ -5236,27 +5116,20 @@
                 <a:latin typeface="Courier"/>
                 <a:cs typeface="Courier"/>
               </a:rPr>
-              <a:t>&gt;()</a:t>
-            </a:r>
-            <a:r>
-              <a:rPr lang="en-CA" sz="2400" dirty="0" smtClean="0">
-                <a:latin typeface="Courier"/>
-                <a:cs typeface="Courier"/>
-              </a:rPr>
-              <a:t>;</a:t>
+              <a:t>&gt;();</a:t>
             </a:r>
           </a:p>
           <a:p>
             <a:pPr lvl="1"/>
             <a:r>
-              <a:rPr lang="en-CA" sz="2400" dirty="0" err="1" smtClean="0">
+              <a:rPr lang="en-CA" sz="2400" dirty="0" err="1">
                 <a:latin typeface="Courier"/>
                 <a:cs typeface="Courier"/>
               </a:rPr>
               <a:t>genericOfExtendsChild.setT</a:t>
             </a:r>
             <a:r>
-              <a:rPr lang="en-CA" sz="2400" dirty="0" smtClean="0">
+              <a:rPr lang="en-CA" sz="2400" dirty="0">
                 <a:latin typeface="Courier"/>
                 <a:cs typeface="Courier"/>
               </a:rPr>
@@ -5289,21 +5162,6 @@
   <p:clrMapOvr>
     <a:masterClrMapping/>
   </p:clrMapOvr>
-  <mc:AlternateContent xmlns:mc="http://schemas.openxmlformats.org/markup-compatibility/2006" xmlns:p14="http://schemas.microsoft.com/office/powerpoint/2010/main">
-    <mc:Choice Requires="p14">
-      <p:transition p14:dur="0"/>
-    </mc:Choice>
-    <mc:Fallback xmlns="">
-      <p:transition xmlns:p14="http://schemas.microsoft.com/office/powerpoint/2010/main"/>
-    </mc:Fallback>
-  </mc:AlternateContent>
-  <p:timing>
-    <p:tnLst>
-      <p:par>
-        <p:cTn id="1" dur="indefinite" restart="never" nodeType="tmRoot"/>
-      </p:par>
-    </p:tnLst>
-  </p:timing>
 </p:sld>
 </file>
 
@@ -5467,7 +5325,7 @@
           <a:p>
             <a:pPr algn="l"/>
             <a:r>
-              <a:rPr lang="en-CA" dirty="0" smtClean="0"/>
+              <a:rPr lang="en-CA" dirty="0"/>
               <a:t>The Generics Quiz</a:t>
             </a:r>
             <a:endParaRPr lang="en-US" dirty="0"/>
@@ -5498,10 +5356,9 @@
           <a:p>
             <a:pPr lvl="0" algn="ctr"/>
             <a:r>
-              <a:rPr lang="en-CA" sz="4800" dirty="0" smtClean="0"/>
+              <a:rPr lang="en-CA" sz="4800" dirty="0"/>
               <a:t>Review</a:t>
             </a:r>
-            <a:endParaRPr lang="en-CA" sz="4800" dirty="0"/>
           </a:p>
         </p:txBody>
       </p:sp>
@@ -5529,13 +5386,13 @@
           <a:p>
             <a:pPr algn="ctr"/>
             <a:r>
-              <a:rPr lang="en-CA" sz="3200" dirty="0" smtClean="0"/>
+              <a:rPr lang="en-CA" sz="3200" dirty="0"/>
               <a:t>But there are limits to what we can do </a:t>
             </a:r>
           </a:p>
           <a:p>
             <a:pPr algn="ctr"/>
-            <a:endParaRPr lang="en-CA" sz="3200" dirty="0" smtClean="0"/>
+            <a:endParaRPr lang="en-CA" sz="3200" dirty="0"/>
           </a:p>
           <a:p>
             <a:endParaRPr lang="en-CA" sz="2400" dirty="0"/>
@@ -5543,7 +5400,7 @@
           <a:p>
             <a:pPr lvl="1"/>
             <a:r>
-              <a:rPr lang="en-CA" sz="2400" dirty="0" err="1" smtClean="0">
+              <a:rPr lang="en-CA" sz="2400" dirty="0" err="1">
                 <a:latin typeface="Courier"/>
                 <a:cs typeface="Courier"/>
               </a:rPr>
@@ -5568,40 +5425,22 @@
                 <a:latin typeface="Courier"/>
                 <a:cs typeface="Courier"/>
               </a:rPr>
-              <a:t>&gt; </a:t>
-            </a:r>
-            <a:r>
-              <a:rPr lang="en-CA" sz="2400" dirty="0" smtClean="0">
-                <a:latin typeface="Courier"/>
-                <a:cs typeface="Courier"/>
-              </a:rPr>
-              <a:t>	</a:t>
-            </a:r>
-            <a:r>
-              <a:rPr lang="en-CA" sz="2400" dirty="0" err="1" smtClean="0">
+              <a:t>&gt; 	</a:t>
+            </a:r>
+            <a:r>
+              <a:rPr lang="en-CA" sz="2400" dirty="0" err="1">
                 <a:latin typeface="Courier"/>
                 <a:cs typeface="Courier"/>
               </a:rPr>
               <a:t>genericOfExtendsChild</a:t>
             </a:r>
             <a:r>
-              <a:rPr lang="en-CA" sz="2400" dirty="0" smtClean="0">
-                <a:latin typeface="Courier"/>
-                <a:cs typeface="Courier"/>
-              </a:rPr>
-              <a:t> </a:t>
-            </a:r>
-            <a:r>
               <a:rPr lang="en-CA" sz="2400" dirty="0">
                 <a:latin typeface="Courier"/>
                 <a:cs typeface="Courier"/>
               </a:rPr>
-              <a:t>= </a:t>
-            </a:r>
-            <a:endParaRPr lang="en-CA" sz="2400" dirty="0" smtClean="0">
-              <a:latin typeface="Courier"/>
-              <a:cs typeface="Courier"/>
-            </a:endParaRPr>
+              <a:t> = </a:t>
+            </a:r>
           </a:p>
           <a:p>
             <a:pPr lvl="1"/>
@@ -5610,14 +5449,7 @@
                 <a:latin typeface="Courier"/>
                 <a:cs typeface="Courier"/>
               </a:rPr>
-              <a:t>	</a:t>
-            </a:r>
-            <a:r>
-              <a:rPr lang="en-CA" sz="2400" dirty="0" smtClean="0">
-                <a:latin typeface="Courier"/>
-                <a:cs typeface="Courier"/>
-              </a:rPr>
-              <a:t>	new </a:t>
+              <a:t>		new </a:t>
             </a:r>
             <a:r>
               <a:rPr lang="en-CA" sz="2400" dirty="0" err="1">
@@ -5645,20 +5477,13 @@
                 <a:latin typeface="Courier"/>
                 <a:cs typeface="Courier"/>
               </a:rPr>
-              <a:t>&gt;()</a:t>
-            </a:r>
-            <a:r>
-              <a:rPr lang="en-CA" sz="2400" dirty="0" smtClean="0">
-                <a:latin typeface="Courier"/>
-                <a:cs typeface="Courier"/>
-              </a:rPr>
-              <a:t>;</a:t>
+              <a:t>&gt;();</a:t>
             </a:r>
           </a:p>
           <a:p>
             <a:pPr lvl="1"/>
             <a:r>
-              <a:rPr lang="en-CA" sz="2400" strike="sngStrike" dirty="0" err="1" smtClean="0">
+              <a:rPr lang="en-CA" sz="2400" strike="sngStrike" dirty="0" err="1">
                 <a:solidFill>
                   <a:srgbClr val="FF0000"/>
                 </a:solidFill>
@@ -5668,7 +5493,7 @@
               <a:t>genericOfExtendsChild.setT</a:t>
             </a:r>
             <a:r>
-              <a:rPr lang="en-CA" sz="2400" strike="sngStrike" dirty="0" smtClean="0">
+              <a:rPr lang="en-CA" sz="2400" strike="sngStrike" dirty="0">
                 <a:solidFill>
                   <a:srgbClr val="FF0000"/>
                 </a:solidFill>
@@ -5710,21 +5535,6 @@
   <p:clrMapOvr>
     <a:masterClrMapping/>
   </p:clrMapOvr>
-  <mc:AlternateContent xmlns:mc="http://schemas.openxmlformats.org/markup-compatibility/2006" xmlns:p14="http://schemas.microsoft.com/office/powerpoint/2010/main">
-    <mc:Choice Requires="p14">
-      <p:transition p14:dur="0"/>
-    </mc:Choice>
-    <mc:Fallback xmlns="">
-      <p:transition xmlns:p14="http://schemas.microsoft.com/office/powerpoint/2010/main"/>
-    </mc:Fallback>
-  </mc:AlternateContent>
-  <p:timing>
-    <p:tnLst>
-      <p:par>
-        <p:cTn id="1" dur="indefinite" restart="never" nodeType="tmRoot"/>
-      </p:par>
-    </p:tnLst>
-  </p:timing>
 </p:sld>
 </file>
 
@@ -5888,7 +5698,7 @@
           <a:p>
             <a:pPr algn="l"/>
             <a:r>
-              <a:rPr lang="en-CA" dirty="0" smtClean="0"/>
+              <a:rPr lang="en-CA" dirty="0"/>
               <a:t>The Generics Quiz</a:t>
             </a:r>
             <a:endParaRPr lang="en-US" dirty="0"/>
@@ -5919,10 +5729,9 @@
           <a:p>
             <a:pPr lvl="0" algn="ctr"/>
             <a:r>
-              <a:rPr lang="en-CA" sz="4800" dirty="0" smtClean="0"/>
+              <a:rPr lang="en-CA" sz="4800" dirty="0"/>
               <a:t>Review</a:t>
             </a:r>
-            <a:endParaRPr lang="en-CA" sz="4800" dirty="0"/>
           </a:p>
         </p:txBody>
       </p:sp>
@@ -5950,13 +5759,13 @@
           <a:p>
             <a:pPr algn="ctr"/>
             <a:r>
-              <a:rPr lang="en-CA" sz="3200" dirty="0" smtClean="0"/>
+              <a:rPr lang="en-CA" sz="3200" dirty="0"/>
               <a:t>And different rules for lower bounded types</a:t>
             </a:r>
           </a:p>
           <a:p>
             <a:pPr algn="ctr"/>
-            <a:endParaRPr lang="en-CA" sz="3200" dirty="0" smtClean="0"/>
+            <a:endParaRPr lang="en-CA" sz="3200" dirty="0"/>
           </a:p>
           <a:p>
             <a:endParaRPr lang="en-CA" sz="2400" dirty="0"/>
@@ -5989,40 +5798,22 @@
                 <a:latin typeface="Courier"/>
                 <a:cs typeface="Courier"/>
               </a:rPr>
-              <a:t>&gt; </a:t>
-            </a:r>
-            <a:r>
-              <a:rPr lang="en-CA" sz="2400" dirty="0" smtClean="0">
-                <a:latin typeface="Courier"/>
-                <a:cs typeface="Courier"/>
-              </a:rPr>
-              <a:t>	</a:t>
-            </a:r>
-            <a:r>
-              <a:rPr lang="en-CA" sz="2400" dirty="0" err="1" smtClean="0">
+              <a:t>&gt; 	</a:t>
+            </a:r>
+            <a:r>
+              <a:rPr lang="en-CA" sz="2400" dirty="0" err="1">
                 <a:latin typeface="Courier"/>
                 <a:cs typeface="Courier"/>
               </a:rPr>
               <a:t>genericOfSuperChild</a:t>
             </a:r>
             <a:r>
-              <a:rPr lang="en-CA" sz="2400" dirty="0" smtClean="0">
-                <a:latin typeface="Courier"/>
-                <a:cs typeface="Courier"/>
-              </a:rPr>
-              <a:t> </a:t>
-            </a:r>
-            <a:r>
               <a:rPr lang="en-CA" sz="2400" dirty="0">
                 <a:latin typeface="Courier"/>
                 <a:cs typeface="Courier"/>
               </a:rPr>
-              <a:t>= </a:t>
-            </a:r>
-            <a:endParaRPr lang="en-CA" sz="2400" dirty="0" smtClean="0">
-              <a:latin typeface="Courier"/>
-              <a:cs typeface="Courier"/>
-            </a:endParaRPr>
+              <a:t> = </a:t>
+            </a:r>
           </a:p>
           <a:p>
             <a:pPr lvl="1"/>
@@ -6031,14 +5822,7 @@
                 <a:latin typeface="Courier"/>
                 <a:cs typeface="Courier"/>
               </a:rPr>
-              <a:t>	</a:t>
-            </a:r>
-            <a:r>
-              <a:rPr lang="en-CA" sz="2400" dirty="0" smtClean="0">
-                <a:latin typeface="Courier"/>
-                <a:cs typeface="Courier"/>
-              </a:rPr>
-              <a:t>	new </a:t>
+              <a:t>		new </a:t>
             </a:r>
             <a:r>
               <a:rPr lang="en-CA" sz="2400" dirty="0" err="1">
@@ -6066,20 +5850,13 @@
                 <a:latin typeface="Courier"/>
                 <a:cs typeface="Courier"/>
               </a:rPr>
-              <a:t>&gt;()</a:t>
-            </a:r>
-            <a:r>
-              <a:rPr lang="en-CA" sz="2400" dirty="0" smtClean="0">
-                <a:latin typeface="Courier"/>
-                <a:cs typeface="Courier"/>
-              </a:rPr>
-              <a:t>;</a:t>
+              <a:t>&gt;();</a:t>
             </a:r>
           </a:p>
           <a:p>
             <a:pPr lvl="1"/>
             <a:r>
-              <a:rPr lang="en-CA" sz="2400" dirty="0" err="1" smtClean="0">
+              <a:rPr lang="en-CA" sz="2400" dirty="0" err="1">
                 <a:latin typeface="Courier"/>
                 <a:cs typeface="Courier"/>
               </a:rPr>
@@ -6106,22 +5883,18 @@
               </a:rPr>
               <a:t>()); </a:t>
             </a:r>
-            <a:endParaRPr lang="en-CA" sz="2400" dirty="0" smtClean="0">
-              <a:latin typeface="Courier"/>
-              <a:cs typeface="Courier"/>
-            </a:endParaRPr>
           </a:p>
           <a:p>
             <a:pPr lvl="1"/>
             <a:r>
-              <a:rPr lang="en-CA" sz="2400" dirty="0" err="1" smtClean="0">
+              <a:rPr lang="en-CA" sz="2400" dirty="0" err="1">
                 <a:latin typeface="Courier"/>
                 <a:cs typeface="Courier"/>
               </a:rPr>
               <a:t>genericOfSuperChild.setT</a:t>
             </a:r>
             <a:r>
-              <a:rPr lang="en-CA" sz="2400" dirty="0" smtClean="0">
+              <a:rPr lang="en-CA" sz="2400" dirty="0">
                 <a:latin typeface="Courier"/>
                 <a:cs typeface="Courier"/>
               </a:rPr>
@@ -6139,19 +5912,8 @@
                 <a:latin typeface="Courier"/>
                 <a:cs typeface="Courier"/>
               </a:rPr>
-              <a:t>()</a:t>
-            </a:r>
-            <a:r>
-              <a:rPr lang="en-CA" sz="2400" dirty="0" smtClean="0">
-                <a:latin typeface="Courier"/>
-                <a:cs typeface="Courier"/>
-              </a:rPr>
-              <a:t>);</a:t>
-            </a:r>
-            <a:endParaRPr lang="en-CA" sz="2400" dirty="0">
-              <a:latin typeface="Courier"/>
-              <a:cs typeface="Courier"/>
-            </a:endParaRPr>
+              <a:t>());</a:t>
+            </a:r>
           </a:p>
         </p:txBody>
       </p:sp>
@@ -6165,21 +5927,6 @@
   <p:clrMapOvr>
     <a:masterClrMapping/>
   </p:clrMapOvr>
-  <mc:AlternateContent xmlns:mc="http://schemas.openxmlformats.org/markup-compatibility/2006" xmlns:p14="http://schemas.microsoft.com/office/powerpoint/2010/main">
-    <mc:Choice Requires="p14">
-      <p:transition p14:dur="0"/>
-    </mc:Choice>
-    <mc:Fallback xmlns="">
-      <p:transition xmlns:p14="http://schemas.microsoft.com/office/powerpoint/2010/main"/>
-    </mc:Fallback>
-  </mc:AlternateContent>
-  <p:timing>
-    <p:tnLst>
-      <p:par>
-        <p:cTn id="1" dur="indefinite" restart="never" nodeType="tmRoot"/>
-      </p:par>
-    </p:tnLst>
-  </p:timing>
 </p:sld>
 </file>
 
@@ -6343,7 +6090,7 @@
           <a:p>
             <a:pPr algn="l"/>
             <a:r>
-              <a:rPr lang="en-CA" dirty="0" smtClean="0"/>
+              <a:rPr lang="en-CA" dirty="0"/>
               <a:t>The Generics Quiz</a:t>
             </a:r>
             <a:endParaRPr lang="en-US" dirty="0"/>
@@ -6374,10 +6121,9 @@
           <a:p>
             <a:pPr lvl="0" algn="ctr"/>
             <a:r>
-              <a:rPr lang="en-CA" sz="4800" dirty="0" smtClean="0"/>
+              <a:rPr lang="en-CA" sz="4800" dirty="0"/>
               <a:t>Review</a:t>
             </a:r>
-            <a:endParaRPr lang="en-CA" sz="4800" dirty="0"/>
           </a:p>
         </p:txBody>
       </p:sp>
@@ -6405,13 +6151,13 @@
           <a:p>
             <a:pPr algn="ctr"/>
             <a:r>
-              <a:rPr lang="en-CA" sz="3200" dirty="0" smtClean="0"/>
+              <a:rPr lang="en-CA" sz="3200" dirty="0"/>
               <a:t>And different rules for lower bounded types</a:t>
             </a:r>
           </a:p>
           <a:p>
             <a:pPr algn="ctr"/>
-            <a:endParaRPr lang="en-CA" sz="3200" dirty="0" smtClean="0"/>
+            <a:endParaRPr lang="en-CA" sz="3200" dirty="0"/>
           </a:p>
           <a:p>
             <a:endParaRPr lang="en-CA" sz="2400" dirty="0"/>
@@ -6444,40 +6190,22 @@
                 <a:latin typeface="Courier"/>
                 <a:cs typeface="Courier"/>
               </a:rPr>
-              <a:t>&gt; </a:t>
-            </a:r>
-            <a:r>
-              <a:rPr lang="en-CA" sz="2400" dirty="0" smtClean="0">
-                <a:latin typeface="Courier"/>
-                <a:cs typeface="Courier"/>
-              </a:rPr>
-              <a:t>	</a:t>
-            </a:r>
-            <a:r>
-              <a:rPr lang="en-CA" sz="2400" dirty="0" err="1" smtClean="0">
+              <a:t>&gt; 	</a:t>
+            </a:r>
+            <a:r>
+              <a:rPr lang="en-CA" sz="2400" dirty="0" err="1">
                 <a:latin typeface="Courier"/>
                 <a:cs typeface="Courier"/>
               </a:rPr>
               <a:t>genericOfSuperChild</a:t>
             </a:r>
             <a:r>
-              <a:rPr lang="en-CA" sz="2400" dirty="0" smtClean="0">
-                <a:latin typeface="Courier"/>
-                <a:cs typeface="Courier"/>
-              </a:rPr>
-              <a:t> </a:t>
-            </a:r>
-            <a:r>
               <a:rPr lang="en-CA" sz="2400" dirty="0">
                 <a:latin typeface="Courier"/>
                 <a:cs typeface="Courier"/>
               </a:rPr>
-              <a:t>= </a:t>
-            </a:r>
-            <a:endParaRPr lang="en-CA" sz="2400" dirty="0" smtClean="0">
-              <a:latin typeface="Courier"/>
-              <a:cs typeface="Courier"/>
-            </a:endParaRPr>
+              <a:t> = </a:t>
+            </a:r>
           </a:p>
           <a:p>
             <a:pPr lvl="1"/>
@@ -6486,14 +6214,7 @@
                 <a:latin typeface="Courier"/>
                 <a:cs typeface="Courier"/>
               </a:rPr>
-              <a:t>	</a:t>
-            </a:r>
-            <a:r>
-              <a:rPr lang="en-CA" sz="2400" dirty="0" smtClean="0">
-                <a:latin typeface="Courier"/>
-                <a:cs typeface="Courier"/>
-              </a:rPr>
-              <a:t>	new </a:t>
+              <a:t>		new </a:t>
             </a:r>
             <a:r>
               <a:rPr lang="en-CA" sz="2400" dirty="0" err="1">
@@ -6521,20 +6242,13 @@
                 <a:latin typeface="Courier"/>
                 <a:cs typeface="Courier"/>
               </a:rPr>
-              <a:t>&gt;()</a:t>
-            </a:r>
-            <a:r>
-              <a:rPr lang="en-CA" sz="2400" dirty="0" smtClean="0">
-                <a:latin typeface="Courier"/>
-                <a:cs typeface="Courier"/>
-              </a:rPr>
-              <a:t>;</a:t>
+              <a:t>&gt;();</a:t>
             </a:r>
           </a:p>
           <a:p>
             <a:pPr lvl="1"/>
             <a:r>
-              <a:rPr lang="en-CA" sz="2400" dirty="0" err="1" smtClean="0">
+              <a:rPr lang="en-CA" sz="2400" dirty="0" err="1">
                 <a:latin typeface="Courier"/>
                 <a:cs typeface="Courier"/>
               </a:rPr>
@@ -6561,15 +6275,11 @@
               </a:rPr>
               <a:t>()); </a:t>
             </a:r>
-            <a:endParaRPr lang="en-CA" sz="2400" dirty="0" smtClean="0">
-              <a:latin typeface="Courier"/>
-              <a:cs typeface="Courier"/>
-            </a:endParaRPr>
           </a:p>
           <a:p>
             <a:pPr lvl="1"/>
             <a:r>
-              <a:rPr lang="en-CA" sz="2400" strike="sngStrike" dirty="0" err="1" smtClean="0">
+              <a:rPr lang="en-CA" sz="2400" strike="sngStrike" dirty="0" err="1">
                 <a:solidFill>
                   <a:srgbClr val="FF0000"/>
                 </a:solidFill>
@@ -6579,7 +6289,7 @@
               <a:t>genericOfSuperChild.setT</a:t>
             </a:r>
             <a:r>
-              <a:rPr lang="en-CA" sz="2400" strike="sngStrike" dirty="0" smtClean="0">
+              <a:rPr lang="en-CA" sz="2400" strike="sngStrike" dirty="0">
                 <a:solidFill>
                   <a:srgbClr val="FF0000"/>
                 </a:solidFill>
@@ -6606,25 +6316,8 @@
                 <a:latin typeface="Courier"/>
                 <a:cs typeface="Courier"/>
               </a:rPr>
-              <a:t>()</a:t>
-            </a:r>
-            <a:r>
-              <a:rPr lang="en-CA" sz="2400" strike="sngStrike" dirty="0" smtClean="0">
-                <a:solidFill>
-                  <a:srgbClr val="FF0000"/>
-                </a:solidFill>
-                <a:latin typeface="Courier"/>
-                <a:cs typeface="Courier"/>
-              </a:rPr>
-              <a:t>);</a:t>
-            </a:r>
-            <a:endParaRPr lang="en-CA" sz="2400" strike="sngStrike" dirty="0">
-              <a:solidFill>
-                <a:srgbClr val="FF0000"/>
-              </a:solidFill>
-              <a:latin typeface="Courier"/>
-              <a:cs typeface="Courier"/>
-            </a:endParaRPr>
+              <a:t>());</a:t>
+            </a:r>
           </a:p>
         </p:txBody>
       </p:sp>
@@ -6638,21 +6331,6 @@
   <p:clrMapOvr>
     <a:masterClrMapping/>
   </p:clrMapOvr>
-  <mc:AlternateContent xmlns:mc="http://schemas.openxmlformats.org/markup-compatibility/2006" xmlns:p14="http://schemas.microsoft.com/office/powerpoint/2010/main">
-    <mc:Choice Requires="p14">
-      <p:transition p14:dur="0"/>
-    </mc:Choice>
-    <mc:Fallback xmlns="">
-      <p:transition xmlns:p14="http://schemas.microsoft.com/office/powerpoint/2010/main"/>
-    </mc:Fallback>
-  </mc:AlternateContent>
-  <p:timing>
-    <p:tnLst>
-      <p:par>
-        <p:cTn id="1" dur="indefinite" restart="never" nodeType="tmRoot"/>
-      </p:par>
-    </p:tnLst>
-  </p:timing>
 </p:sld>
 </file>
 
@@ -6816,7 +6494,7 @@
           <a:p>
             <a:pPr algn="l"/>
             <a:r>
-              <a:rPr lang="en-CA" dirty="0" smtClean="0"/>
+              <a:rPr lang="en-CA" dirty="0"/>
               <a:t>The Generics Quiz</a:t>
             </a:r>
             <a:endParaRPr lang="en-US" dirty="0"/>
@@ -6825,14 +6503,14 @@
       </p:sp>
       <p:sp>
         <p:nvSpPr>
-          <p:cNvPr id="6" name="TextBox 5"/>
+          <p:cNvPr id="12" name="TextBox 11"/>
           <p:cNvSpPr txBox="1"/>
           <p:nvPr/>
         </p:nvSpPr>
         <p:spPr>
           <a:xfrm>
-            <a:off x="381000" y="2743200"/>
-            <a:ext cx="8601075" cy="1200329"/>
+            <a:off x="0" y="1447800"/>
+            <a:ext cx="9144000" cy="830997"/>
           </a:xfrm>
           <a:prstGeom prst="rect">
             <a:avLst/>
@@ -6845,41 +6523,323 @@
           </a:bodyPr>
           <a:lstStyle/>
           <a:p>
-            <a:pPr algn="ctr"/>
-            <a:endParaRPr lang="en-US" sz="3600" i="1" dirty="0"/>
-          </a:p>
-          <a:p>
-            <a:pPr algn="ctr"/>
-            <a:r>
-              <a:rPr lang="en-US" sz="3600" i="1" dirty="0" smtClean="0"/>
-              <a:t>Got all that?</a:t>
-            </a:r>
-            <a:endParaRPr lang="en-US" sz="3600" i="1" dirty="0"/>
+            <a:pPr lvl="0" algn="ctr"/>
+            <a:r>
+              <a:rPr lang="en-CA" sz="4800" dirty="0"/>
+              <a:t>Summary of rules</a:t>
+            </a:r>
+          </a:p>
+        </p:txBody>
+      </p:sp>
+      <p:sp>
+        <p:nvSpPr>
+          <p:cNvPr id="6" name="TextBox 5"/>
+          <p:cNvSpPr txBox="1"/>
+          <p:nvPr/>
+        </p:nvSpPr>
+        <p:spPr>
+          <a:xfrm>
+            <a:off x="228600" y="2333685"/>
+            <a:ext cx="8686800" cy="4524315"/>
+          </a:xfrm>
+          <a:prstGeom prst="rect">
+            <a:avLst/>
+          </a:prstGeom>
+          <a:noFill/>
+        </p:spPr>
+        <p:txBody>
+          <a:bodyPr wrap="square" rtlCol="0">
+            <a:spAutoFit/>
+          </a:bodyPr>
+          <a:lstStyle/>
+          <a:p>
+            <a:pPr marL="514350" indent="-514350">
+              <a:buFont typeface="+mj-lt"/>
+              <a:buAutoNum type="arabicPeriod"/>
+            </a:pPr>
+            <a:r>
+              <a:rPr lang="en-CA" sz="2400" dirty="0"/>
+              <a:t>Source and target generic class instances must have same parameterized type for assignment.</a:t>
+            </a:r>
+          </a:p>
+          <a:p>
+            <a:pPr marL="514350" indent="-514350">
+              <a:buFont typeface="+mj-lt"/>
+              <a:buAutoNum type="arabicPeriod"/>
+            </a:pPr>
+            <a:r>
+              <a:rPr lang="en-CA" sz="2400" dirty="0"/>
+              <a:t>Wildcard and bounded types offer greater flexibility for assignment but limit the methods that can be invoked.</a:t>
+            </a:r>
+          </a:p>
+          <a:p>
+            <a:pPr marL="514350" indent="-514350">
+              <a:buFont typeface="+mj-lt"/>
+              <a:buAutoNum type="arabicPeriod"/>
+            </a:pPr>
+            <a:r>
+              <a:rPr lang="en-CA" sz="2400" dirty="0"/>
+              <a:t>Lower bounded types (e.g. super) can still invoke methods with parameterized types as parameters provided they are of the same type as the lower bounded parameterized type.</a:t>
+            </a:r>
+          </a:p>
+          <a:p>
+            <a:pPr marL="514350" indent="-514350">
+              <a:buFont typeface="+mj-lt"/>
+              <a:buAutoNum type="arabicPeriod"/>
+            </a:pPr>
+            <a:r>
+              <a:rPr lang="en-CA" sz="2400" dirty="0"/>
+              <a:t>The parameterized types of arrays of generic types are not checked for assignment compatibility at compilation time – but runtime surprises ensue.</a:t>
+            </a:r>
+          </a:p>
+          <a:p>
+            <a:endParaRPr lang="en-CA" sz="2400" dirty="0"/>
+          </a:p>
+          <a:p>
+            <a:pPr lvl="1"/>
+            <a:endParaRPr lang="en-CA" sz="2400" strike="sngStrike" dirty="0">
+              <a:solidFill>
+                <a:srgbClr val="FF0000"/>
+              </a:solidFill>
+              <a:latin typeface="Courier"/>
+              <a:cs typeface="Courier"/>
+            </a:endParaRPr>
           </a:p>
         </p:txBody>
       </p:sp>
     </p:spTree>
     <p:extLst>
       <p:ext uri="{BB962C8B-B14F-4D97-AF65-F5344CB8AC3E}">
-        <p14:creationId xmlns:p14="http://schemas.microsoft.com/office/powerpoint/2010/main" val="2446555911"/>
+        <p14:creationId xmlns:p14="http://schemas.microsoft.com/office/powerpoint/2010/main" val="498893615"/>
       </p:ext>
     </p:extLst>
   </p:cSld>
   <p:clrMapOvr>
     <a:masterClrMapping/>
   </p:clrMapOvr>
-  <mc:AlternateContent xmlns:mc="http://schemas.openxmlformats.org/markup-compatibility/2006" xmlns:p14="http://schemas.microsoft.com/office/powerpoint/2010/main">
-    <mc:Choice Requires="p14">
-      <p:transition p14:dur="0"/>
-    </mc:Choice>
-    <mc:Fallback xmlns="">
-      <p:transition xmlns:p14="http://schemas.microsoft.com/office/powerpoint/2010/main"/>
-    </mc:Fallback>
-  </mc:AlternateContent>
   <p:timing>
     <p:tnLst>
       <p:par>
-        <p:cTn id="1" dur="indefinite" restart="never" nodeType="tmRoot"/>
+        <p:cTn id="1" dur="indefinite" restart="never" nodeType="tmRoot">
+          <p:childTnLst>
+            <p:seq concurrent="1" nextAc="seek">
+              <p:cTn id="2" dur="indefinite" nodeType="mainSeq">
+                <p:childTnLst>
+                  <p:par>
+                    <p:cTn id="3" fill="hold">
+                      <p:stCondLst>
+                        <p:cond delay="indefinite"/>
+                      </p:stCondLst>
+                      <p:childTnLst>
+                        <p:par>
+                          <p:cTn id="4" fill="hold">
+                            <p:stCondLst>
+                              <p:cond delay="0"/>
+                            </p:stCondLst>
+                            <p:childTnLst>
+                              <p:par>
+                                <p:cTn id="5" presetID="1" presetClass="entr" presetSubtype="0" fill="hold" nodeType="clickEffect">
+                                  <p:stCondLst>
+                                    <p:cond delay="0"/>
+                                  </p:stCondLst>
+                                  <p:childTnLst>
+                                    <p:set>
+                                      <p:cBhvr>
+                                        <p:cTn id="6" dur="1" fill="hold">
+                                          <p:stCondLst>
+                                            <p:cond delay="0"/>
+                                          </p:stCondLst>
+                                        </p:cTn>
+                                        <p:tgtEl>
+                                          <p:spTgt spid="6">
+                                            <p:txEl>
+                                              <p:pRg st="0" end="0"/>
+                                            </p:txEl>
+                                          </p:spTgt>
+                                        </p:tgtEl>
+                                        <p:attrNameLst>
+                                          <p:attrName>style.visibility</p:attrName>
+                                        </p:attrNameLst>
+                                      </p:cBhvr>
+                                      <p:to>
+                                        <p:strVal val="visible"/>
+                                      </p:to>
+                                    </p:set>
+                                  </p:childTnLst>
+                                </p:cTn>
+                              </p:par>
+                            </p:childTnLst>
+                          </p:cTn>
+                        </p:par>
+                      </p:childTnLst>
+                    </p:cTn>
+                  </p:par>
+                  <p:par>
+                    <p:cTn id="7" fill="hold">
+                      <p:stCondLst>
+                        <p:cond delay="indefinite"/>
+                      </p:stCondLst>
+                      <p:childTnLst>
+                        <p:par>
+                          <p:cTn id="8" fill="hold">
+                            <p:stCondLst>
+                              <p:cond delay="0"/>
+                            </p:stCondLst>
+                            <p:childTnLst>
+                              <p:par>
+                                <p:cTn id="9" presetID="1" presetClass="entr" presetSubtype="0" fill="hold" nodeType="clickEffect">
+                                  <p:stCondLst>
+                                    <p:cond delay="0"/>
+                                  </p:stCondLst>
+                                  <p:childTnLst>
+                                    <p:set>
+                                      <p:cBhvr>
+                                        <p:cTn id="10" dur="1" fill="hold">
+                                          <p:stCondLst>
+                                            <p:cond delay="0"/>
+                                          </p:stCondLst>
+                                        </p:cTn>
+                                        <p:tgtEl>
+                                          <p:spTgt spid="6">
+                                            <p:txEl>
+                                              <p:pRg st="1" end="1"/>
+                                            </p:txEl>
+                                          </p:spTgt>
+                                        </p:tgtEl>
+                                        <p:attrNameLst>
+                                          <p:attrName>style.visibility</p:attrName>
+                                        </p:attrNameLst>
+                                      </p:cBhvr>
+                                      <p:to>
+                                        <p:strVal val="visible"/>
+                                      </p:to>
+                                    </p:set>
+                                  </p:childTnLst>
+                                </p:cTn>
+                              </p:par>
+                            </p:childTnLst>
+                          </p:cTn>
+                        </p:par>
+                      </p:childTnLst>
+                    </p:cTn>
+                  </p:par>
+                  <p:par>
+                    <p:cTn id="11" fill="hold">
+                      <p:stCondLst>
+                        <p:cond delay="indefinite"/>
+                      </p:stCondLst>
+                      <p:childTnLst>
+                        <p:par>
+                          <p:cTn id="12" fill="hold">
+                            <p:stCondLst>
+                              <p:cond delay="0"/>
+                            </p:stCondLst>
+                            <p:childTnLst>
+                              <p:par>
+                                <p:cTn id="13" presetID="1" presetClass="entr" presetSubtype="0" fill="hold" nodeType="clickEffect">
+                                  <p:stCondLst>
+                                    <p:cond delay="0"/>
+                                  </p:stCondLst>
+                                  <p:childTnLst>
+                                    <p:set>
+                                      <p:cBhvr>
+                                        <p:cTn id="14" dur="1" fill="hold">
+                                          <p:stCondLst>
+                                            <p:cond delay="0"/>
+                                          </p:stCondLst>
+                                        </p:cTn>
+                                        <p:tgtEl>
+                                          <p:spTgt spid="6">
+                                            <p:txEl>
+                                              <p:pRg st="2" end="2"/>
+                                            </p:txEl>
+                                          </p:spTgt>
+                                        </p:tgtEl>
+                                        <p:attrNameLst>
+                                          <p:attrName>style.visibility</p:attrName>
+                                        </p:attrNameLst>
+                                      </p:cBhvr>
+                                      <p:to>
+                                        <p:strVal val="visible"/>
+                                      </p:to>
+                                    </p:set>
+                                  </p:childTnLst>
+                                </p:cTn>
+                              </p:par>
+                            </p:childTnLst>
+                          </p:cTn>
+                        </p:par>
+                      </p:childTnLst>
+                    </p:cTn>
+                  </p:par>
+                  <p:par>
+                    <p:cTn id="15" fill="hold">
+                      <p:stCondLst>
+                        <p:cond delay="indefinite"/>
+                      </p:stCondLst>
+                      <p:childTnLst>
+                        <p:par>
+                          <p:cTn id="16" fill="hold">
+                            <p:stCondLst>
+                              <p:cond delay="0"/>
+                            </p:stCondLst>
+                            <p:childTnLst>
+                              <p:par>
+                                <p:cTn id="17" presetID="1" presetClass="entr" presetSubtype="0" fill="hold" nodeType="clickEffect">
+                                  <p:stCondLst>
+                                    <p:cond delay="0"/>
+                                  </p:stCondLst>
+                                  <p:childTnLst>
+                                    <p:set>
+                                      <p:cBhvr>
+                                        <p:cTn id="18" dur="1" fill="hold">
+                                          <p:stCondLst>
+                                            <p:cond delay="0"/>
+                                          </p:stCondLst>
+                                        </p:cTn>
+                                        <p:tgtEl>
+                                          <p:spTgt spid="6">
+                                            <p:txEl>
+                                              <p:pRg st="3" end="3"/>
+                                            </p:txEl>
+                                          </p:spTgt>
+                                        </p:tgtEl>
+                                        <p:attrNameLst>
+                                          <p:attrName>style.visibility</p:attrName>
+                                        </p:attrNameLst>
+                                      </p:cBhvr>
+                                      <p:to>
+                                        <p:strVal val="visible"/>
+                                      </p:to>
+                                    </p:set>
+                                  </p:childTnLst>
+                                </p:cTn>
+                              </p:par>
+                            </p:childTnLst>
+                          </p:cTn>
+                        </p:par>
+                      </p:childTnLst>
+                    </p:cTn>
+                  </p:par>
+                </p:childTnLst>
+              </p:cTn>
+              <p:prevCondLst>
+                <p:cond evt="onPrev" delay="0">
+                  <p:tgtEl>
+                    <p:sldTgt/>
+                  </p:tgtEl>
+                </p:cond>
+              </p:prevCondLst>
+              <p:nextCondLst>
+                <p:cond evt="onNext" delay="0">
+                  <p:tgtEl>
+                    <p:sldTgt/>
+                  </p:tgtEl>
+                </p:cond>
+              </p:nextCondLst>
+            </p:seq>
+          </p:childTnLst>
+        </p:cTn>
       </p:par>
     </p:tnLst>
   </p:timing>
@@ -7046,7 +7006,221 @@
           <a:p>
             <a:pPr algn="l"/>
             <a:r>
-              <a:rPr lang="en-CA" dirty="0" smtClean="0"/>
+              <a:rPr lang="en-CA" dirty="0"/>
+              <a:t>The Generics Quiz</a:t>
+            </a:r>
+            <a:endParaRPr lang="en-US" dirty="0"/>
+          </a:p>
+        </p:txBody>
+      </p:sp>
+      <p:sp>
+        <p:nvSpPr>
+          <p:cNvPr id="6" name="TextBox 5"/>
+          <p:cNvSpPr txBox="1"/>
+          <p:nvPr/>
+        </p:nvSpPr>
+        <p:spPr>
+          <a:xfrm>
+            <a:off x="381000" y="2743200"/>
+            <a:ext cx="8601075" cy="1200329"/>
+          </a:xfrm>
+          <a:prstGeom prst="rect">
+            <a:avLst/>
+          </a:prstGeom>
+          <a:noFill/>
+        </p:spPr>
+        <p:txBody>
+          <a:bodyPr wrap="square" rtlCol="0">
+            <a:spAutoFit/>
+          </a:bodyPr>
+          <a:lstStyle/>
+          <a:p>
+            <a:pPr algn="ctr"/>
+            <a:endParaRPr lang="en-US" sz="3600" i="1" dirty="0"/>
+          </a:p>
+          <a:p>
+            <a:pPr algn="ctr"/>
+            <a:r>
+              <a:rPr lang="en-US" sz="3600" i="1" dirty="0"/>
+              <a:t>Got all that?</a:t>
+            </a:r>
+          </a:p>
+        </p:txBody>
+      </p:sp>
+    </p:spTree>
+    <p:extLst>
+      <p:ext uri="{BB962C8B-B14F-4D97-AF65-F5344CB8AC3E}">
+        <p14:creationId xmlns:p14="http://schemas.microsoft.com/office/powerpoint/2010/main" val="2446555911"/>
+      </p:ext>
+    </p:extLst>
+  </p:cSld>
+  <p:clrMapOvr>
+    <a:masterClrMapping/>
+  </p:clrMapOvr>
+</p:sld>
+</file>
+
+<file path=ppt/slides/slide18.xml><?xml version="1.0" encoding="utf-8"?>
+<p:sld xmlns:a="http://schemas.openxmlformats.org/drawingml/2006/main" xmlns:r="http://schemas.openxmlformats.org/officeDocument/2006/relationships" xmlns:p="http://schemas.openxmlformats.org/presentationml/2006/main">
+  <p:cSld>
+    <p:spTree>
+      <p:nvGrpSpPr>
+        <p:cNvPr id="1" name=""/>
+        <p:cNvGrpSpPr/>
+        <p:nvPr/>
+      </p:nvGrpSpPr>
+      <p:grpSpPr>
+        <a:xfrm>
+          <a:off x="0" y="0"/>
+          <a:ext cx="0" cy="0"/>
+          <a:chOff x="0" y="0"/>
+          <a:chExt cx="0" cy="0"/>
+        </a:xfrm>
+      </p:grpSpPr>
+      <p:sp>
+        <p:nvSpPr>
+          <p:cNvPr id="3" name="Slide Number Placeholder 2"/>
+          <p:cNvSpPr>
+            <a:spLocks noGrp="1"/>
+          </p:cNvSpPr>
+          <p:nvPr>
+            <p:ph type="sldNum" sz="quarter" idx="12"/>
+          </p:nvPr>
+        </p:nvSpPr>
+        <p:spPr/>
+        <p:txBody>
+          <a:bodyPr/>
+          <a:lstStyle/>
+          <a:p>
+            <a:fld id="{9DAB3369-7666-44EB-AEA9-5FA9440DB40A}" type="slidenum">
+              <a:rPr lang="en-US" smtClean="0"/>
+              <a:pPr/>
+              <a:t>18</a:t>
+            </a:fld>
+            <a:endParaRPr lang="en-US"/>
+          </a:p>
+        </p:txBody>
+      </p:sp>
+      <p:sp>
+        <p:nvSpPr>
+          <p:cNvPr id="5" name="Footer Placeholder 1"/>
+          <p:cNvSpPr txBox="1">
+            <a:spLocks/>
+          </p:cNvSpPr>
+          <p:nvPr/>
+        </p:nvSpPr>
+        <p:spPr>
+          <a:xfrm>
+            <a:off x="0" y="6336000"/>
+            <a:ext cx="9144000" cy="365125"/>
+          </a:xfrm>
+          <a:prstGeom prst="rect">
+            <a:avLst/>
+          </a:prstGeom>
+        </p:spPr>
+        <p:txBody>
+          <a:bodyPr vert="horz" lIns="91440" tIns="45720" rIns="91440" bIns="45720" rtlCol="0" anchor="ctr"/>
+          <a:lstStyle>
+            <a:defPPr>
+              <a:defRPr lang="en-US"/>
+            </a:defPPr>
+            <a:lvl1pPr marL="0" algn="ctr" defTabSz="914400" rtl="0" eaLnBrk="1" latinLnBrk="0" hangingPunct="1">
+              <a:defRPr sz="1200" kern="1200">
+                <a:solidFill>
+                  <a:schemeClr val="tx1">
+                    <a:tint val="75000"/>
+                  </a:schemeClr>
+                </a:solidFill>
+                <a:latin typeface="+mn-lt"/>
+                <a:ea typeface="+mn-ea"/>
+                <a:cs typeface="+mn-cs"/>
+              </a:defRPr>
+            </a:lvl1pPr>
+            <a:lvl2pPr marL="457200" algn="l" defTabSz="914400" rtl="0" eaLnBrk="1" latinLnBrk="0" hangingPunct="1">
+              <a:defRPr sz="1800" kern="1200">
+                <a:solidFill>
+                  <a:schemeClr val="tx1"/>
+                </a:solidFill>
+                <a:latin typeface="+mn-lt"/>
+                <a:ea typeface="+mn-ea"/>
+                <a:cs typeface="+mn-cs"/>
+              </a:defRPr>
+            </a:lvl2pPr>
+            <a:lvl3pPr marL="914400" algn="l" defTabSz="914400" rtl="0" eaLnBrk="1" latinLnBrk="0" hangingPunct="1">
+              <a:defRPr sz="1800" kern="1200">
+                <a:solidFill>
+                  <a:schemeClr val="tx1"/>
+                </a:solidFill>
+                <a:latin typeface="+mn-lt"/>
+                <a:ea typeface="+mn-ea"/>
+                <a:cs typeface="+mn-cs"/>
+              </a:defRPr>
+            </a:lvl3pPr>
+            <a:lvl4pPr marL="1371600" algn="l" defTabSz="914400" rtl="0" eaLnBrk="1" latinLnBrk="0" hangingPunct="1">
+              <a:defRPr sz="1800" kern="1200">
+                <a:solidFill>
+                  <a:schemeClr val="tx1"/>
+                </a:solidFill>
+                <a:latin typeface="+mn-lt"/>
+                <a:ea typeface="+mn-ea"/>
+                <a:cs typeface="+mn-cs"/>
+              </a:defRPr>
+            </a:lvl4pPr>
+            <a:lvl5pPr marL="1828800" algn="l" defTabSz="914400" rtl="0" eaLnBrk="1" latinLnBrk="0" hangingPunct="1">
+              <a:defRPr sz="1800" kern="1200">
+                <a:solidFill>
+                  <a:schemeClr val="tx1"/>
+                </a:solidFill>
+                <a:latin typeface="+mn-lt"/>
+                <a:ea typeface="+mn-ea"/>
+                <a:cs typeface="+mn-cs"/>
+              </a:defRPr>
+            </a:lvl5pPr>
+            <a:lvl6pPr marL="2286000" algn="l" defTabSz="914400" rtl="0" eaLnBrk="1" latinLnBrk="0" hangingPunct="1">
+              <a:defRPr sz="1800" kern="1200">
+                <a:solidFill>
+                  <a:schemeClr val="tx1"/>
+                </a:solidFill>
+                <a:latin typeface="+mn-lt"/>
+                <a:ea typeface="+mn-ea"/>
+                <a:cs typeface="+mn-cs"/>
+              </a:defRPr>
+            </a:lvl6pPr>
+            <a:lvl7pPr marL="2743200" algn="l" defTabSz="914400" rtl="0" eaLnBrk="1" latinLnBrk="0" hangingPunct="1">
+              <a:defRPr sz="1800" kern="1200">
+                <a:solidFill>
+                  <a:schemeClr val="tx1"/>
+                </a:solidFill>
+                <a:latin typeface="+mn-lt"/>
+                <a:ea typeface="+mn-ea"/>
+                <a:cs typeface="+mn-cs"/>
+              </a:defRPr>
+            </a:lvl7pPr>
+            <a:lvl8pPr marL="3200400" algn="l" defTabSz="914400" rtl="0" eaLnBrk="1" latinLnBrk="0" hangingPunct="1">
+              <a:defRPr sz="1800" kern="1200">
+                <a:solidFill>
+                  <a:schemeClr val="tx1"/>
+                </a:solidFill>
+                <a:latin typeface="+mn-lt"/>
+                <a:ea typeface="+mn-ea"/>
+                <a:cs typeface="+mn-cs"/>
+              </a:defRPr>
+            </a:lvl8pPr>
+            <a:lvl9pPr marL="3657600" algn="l" defTabSz="914400" rtl="0" eaLnBrk="1" latinLnBrk="0" hangingPunct="1">
+              <a:defRPr sz="1800" kern="1200">
+                <a:solidFill>
+                  <a:schemeClr val="tx1"/>
+                </a:solidFill>
+                <a:latin typeface="+mn-lt"/>
+                <a:ea typeface="+mn-ea"/>
+                <a:cs typeface="+mn-cs"/>
+              </a:defRPr>
+            </a:lvl9pPr>
+          </a:lstStyle>
+          <a:p>
+            <a:pPr algn="l"/>
+            <a:r>
+              <a:rPr lang="en-CA" dirty="0"/>
               <a:t>The Generics Quiz</a:t>
             </a:r>
             <a:endParaRPr lang="en-US" dirty="0"/>
@@ -7077,10 +7251,9 @@
           <a:p>
             <a:pPr lvl="0" algn="ctr"/>
             <a:r>
-              <a:rPr lang="en-CA" sz="4800" dirty="0" smtClean="0"/>
+              <a:rPr lang="en-CA" sz="4800" dirty="0"/>
               <a:t>Question 1</a:t>
             </a:r>
-            <a:endParaRPr lang="en-CA" sz="4800" dirty="0"/>
           </a:p>
         </p:txBody>
       </p:sp>
@@ -7277,7 +7450,7 @@
 </p:sld>
 </file>
 
-<file path=ppt/slides/slide18.xml><?xml version="1.0" encoding="utf-8"?>
+<file path=ppt/slides/slide19.xml><?xml version="1.0" encoding="utf-8"?>
 <p:sld xmlns:a="http://schemas.openxmlformats.org/drawingml/2006/main" xmlns:r="http://schemas.openxmlformats.org/officeDocument/2006/relationships" xmlns:p="http://schemas.openxmlformats.org/presentationml/2006/main">
   <p:cSld>
     <p:spTree>
@@ -7312,7 +7485,7 @@
             <a:fld id="{9DAB3369-7666-44EB-AEA9-5FA9440DB40A}" type="slidenum">
               <a:rPr lang="en-US" smtClean="0"/>
               <a:pPr/>
-              <a:t>18</a:t>
+              <a:t>19</a:t>
             </a:fld>
             <a:endParaRPr lang="en-US"/>
           </a:p>
@@ -7468,10 +7641,9 @@
           <a:p>
             <a:pPr lvl="0" algn="ctr"/>
             <a:r>
-              <a:rPr lang="en-CA" sz="4800" dirty="0" smtClean="0"/>
+              <a:rPr lang="en-CA" sz="4800" dirty="0"/>
               <a:t>Question 2</a:t>
             </a:r>
-            <a:endParaRPr lang="en-CA" sz="4800" dirty="0"/>
           </a:p>
         </p:txBody>
       </p:sp>
@@ -7668,7 +7840,7 @@
 </p:sld>
 </file>
 
-<file path=ppt/slides/slide19.xml><?xml version="1.0" encoding="utf-8"?>
+<file path=ppt/slides/slide2.xml><?xml version="1.0" encoding="utf-8"?>
 <p:sld xmlns:a="http://schemas.openxmlformats.org/drawingml/2006/main" xmlns:r="http://schemas.openxmlformats.org/officeDocument/2006/relationships" xmlns:p="http://schemas.openxmlformats.org/presentationml/2006/main">
   <p:cSld>
     <p:spTree>
@@ -7687,6 +7859,269 @@
       </p:grpSpPr>
       <p:sp>
         <p:nvSpPr>
+          <p:cNvPr id="3" name="Slide Number Placeholder 2"/>
+          <p:cNvSpPr>
+            <a:spLocks noGrp="1"/>
+          </p:cNvSpPr>
+          <p:nvPr>
+            <p:ph type="sldNum" sz="quarter" idx="12"/>
+          </p:nvPr>
+        </p:nvSpPr>
+        <p:spPr/>
+        <p:txBody>
+          <a:bodyPr/>
+          <a:lstStyle/>
+          <a:p>
+            <a:fld id="{9DAB3369-7666-44EB-AEA9-5FA9440DB40A}" type="slidenum">
+              <a:rPr lang="en-US" smtClean="0"/>
+              <a:pPr/>
+              <a:t>2</a:t>
+            </a:fld>
+            <a:endParaRPr lang="en-US"/>
+          </a:p>
+        </p:txBody>
+      </p:sp>
+      <p:sp>
+        <p:nvSpPr>
+          <p:cNvPr id="5" name="Footer Placeholder 1"/>
+          <p:cNvSpPr txBox="1">
+            <a:spLocks/>
+          </p:cNvSpPr>
+          <p:nvPr/>
+        </p:nvSpPr>
+        <p:spPr>
+          <a:xfrm>
+            <a:off x="0" y="6336000"/>
+            <a:ext cx="9144000" cy="365125"/>
+          </a:xfrm>
+          <a:prstGeom prst="rect">
+            <a:avLst/>
+          </a:prstGeom>
+        </p:spPr>
+        <p:txBody>
+          <a:bodyPr vert="horz" lIns="91440" tIns="45720" rIns="91440" bIns="45720" rtlCol="0" anchor="ctr"/>
+          <a:lstStyle>
+            <a:defPPr>
+              <a:defRPr lang="en-US"/>
+            </a:defPPr>
+            <a:lvl1pPr marL="0" algn="ctr" defTabSz="914400" rtl="0" eaLnBrk="1" latinLnBrk="0" hangingPunct="1">
+              <a:defRPr sz="1200" kern="1200">
+                <a:solidFill>
+                  <a:schemeClr val="tx1">
+                    <a:tint val="75000"/>
+                  </a:schemeClr>
+                </a:solidFill>
+                <a:latin typeface="+mn-lt"/>
+                <a:ea typeface="+mn-ea"/>
+                <a:cs typeface="+mn-cs"/>
+              </a:defRPr>
+            </a:lvl1pPr>
+            <a:lvl2pPr marL="457200" algn="l" defTabSz="914400" rtl="0" eaLnBrk="1" latinLnBrk="0" hangingPunct="1">
+              <a:defRPr sz="1800" kern="1200">
+                <a:solidFill>
+                  <a:schemeClr val="tx1"/>
+                </a:solidFill>
+                <a:latin typeface="+mn-lt"/>
+                <a:ea typeface="+mn-ea"/>
+                <a:cs typeface="+mn-cs"/>
+              </a:defRPr>
+            </a:lvl2pPr>
+            <a:lvl3pPr marL="914400" algn="l" defTabSz="914400" rtl="0" eaLnBrk="1" latinLnBrk="0" hangingPunct="1">
+              <a:defRPr sz="1800" kern="1200">
+                <a:solidFill>
+                  <a:schemeClr val="tx1"/>
+                </a:solidFill>
+                <a:latin typeface="+mn-lt"/>
+                <a:ea typeface="+mn-ea"/>
+                <a:cs typeface="+mn-cs"/>
+              </a:defRPr>
+            </a:lvl3pPr>
+            <a:lvl4pPr marL="1371600" algn="l" defTabSz="914400" rtl="0" eaLnBrk="1" latinLnBrk="0" hangingPunct="1">
+              <a:defRPr sz="1800" kern="1200">
+                <a:solidFill>
+                  <a:schemeClr val="tx1"/>
+                </a:solidFill>
+                <a:latin typeface="+mn-lt"/>
+                <a:ea typeface="+mn-ea"/>
+                <a:cs typeface="+mn-cs"/>
+              </a:defRPr>
+            </a:lvl4pPr>
+            <a:lvl5pPr marL="1828800" algn="l" defTabSz="914400" rtl="0" eaLnBrk="1" latinLnBrk="0" hangingPunct="1">
+              <a:defRPr sz="1800" kern="1200">
+                <a:solidFill>
+                  <a:schemeClr val="tx1"/>
+                </a:solidFill>
+                <a:latin typeface="+mn-lt"/>
+                <a:ea typeface="+mn-ea"/>
+                <a:cs typeface="+mn-cs"/>
+              </a:defRPr>
+            </a:lvl5pPr>
+            <a:lvl6pPr marL="2286000" algn="l" defTabSz="914400" rtl="0" eaLnBrk="1" latinLnBrk="0" hangingPunct="1">
+              <a:defRPr sz="1800" kern="1200">
+                <a:solidFill>
+                  <a:schemeClr val="tx1"/>
+                </a:solidFill>
+                <a:latin typeface="+mn-lt"/>
+                <a:ea typeface="+mn-ea"/>
+                <a:cs typeface="+mn-cs"/>
+              </a:defRPr>
+            </a:lvl6pPr>
+            <a:lvl7pPr marL="2743200" algn="l" defTabSz="914400" rtl="0" eaLnBrk="1" latinLnBrk="0" hangingPunct="1">
+              <a:defRPr sz="1800" kern="1200">
+                <a:solidFill>
+                  <a:schemeClr val="tx1"/>
+                </a:solidFill>
+                <a:latin typeface="+mn-lt"/>
+                <a:ea typeface="+mn-ea"/>
+                <a:cs typeface="+mn-cs"/>
+              </a:defRPr>
+            </a:lvl7pPr>
+            <a:lvl8pPr marL="3200400" algn="l" defTabSz="914400" rtl="0" eaLnBrk="1" latinLnBrk="0" hangingPunct="1">
+              <a:defRPr sz="1800" kern="1200">
+                <a:solidFill>
+                  <a:schemeClr val="tx1"/>
+                </a:solidFill>
+                <a:latin typeface="+mn-lt"/>
+                <a:ea typeface="+mn-ea"/>
+                <a:cs typeface="+mn-cs"/>
+              </a:defRPr>
+            </a:lvl8pPr>
+            <a:lvl9pPr marL="3657600" algn="l" defTabSz="914400" rtl="0" eaLnBrk="1" latinLnBrk="0" hangingPunct="1">
+              <a:defRPr sz="1800" kern="1200">
+                <a:solidFill>
+                  <a:schemeClr val="tx1"/>
+                </a:solidFill>
+                <a:latin typeface="+mn-lt"/>
+                <a:ea typeface="+mn-ea"/>
+                <a:cs typeface="+mn-cs"/>
+              </a:defRPr>
+            </a:lvl9pPr>
+          </a:lstStyle>
+          <a:p>
+            <a:pPr algn="l"/>
+            <a:r>
+              <a:rPr lang="en-CA" dirty="0"/>
+              <a:t>The Generics Quiz</a:t>
+            </a:r>
+            <a:endParaRPr lang="en-US" dirty="0"/>
+          </a:p>
+        </p:txBody>
+      </p:sp>
+      <p:sp>
+        <p:nvSpPr>
+          <p:cNvPr id="12" name="TextBox 11"/>
+          <p:cNvSpPr txBox="1"/>
+          <p:nvPr/>
+        </p:nvSpPr>
+        <p:spPr>
+          <a:xfrm>
+            <a:off x="0" y="1447800"/>
+            <a:ext cx="9144000" cy="830997"/>
+          </a:xfrm>
+          <a:prstGeom prst="rect">
+            <a:avLst/>
+          </a:prstGeom>
+          <a:noFill/>
+        </p:spPr>
+        <p:txBody>
+          <a:bodyPr wrap="square" rtlCol="0">
+            <a:spAutoFit/>
+          </a:bodyPr>
+          <a:lstStyle/>
+          <a:p>
+            <a:pPr lvl="0" algn="ctr"/>
+            <a:r>
+              <a:rPr lang="en-CA" sz="4800" dirty="0"/>
+              <a:t>Review</a:t>
+            </a:r>
+          </a:p>
+        </p:txBody>
+      </p:sp>
+      <p:sp>
+        <p:nvSpPr>
+          <p:cNvPr id="6" name="TextBox 5"/>
+          <p:cNvSpPr txBox="1"/>
+          <p:nvPr/>
+        </p:nvSpPr>
+        <p:spPr>
+          <a:xfrm>
+            <a:off x="381000" y="2743200"/>
+            <a:ext cx="8601075" cy="2554545"/>
+          </a:xfrm>
+          <a:prstGeom prst="rect">
+            <a:avLst/>
+          </a:prstGeom>
+          <a:noFill/>
+        </p:spPr>
+        <p:txBody>
+          <a:bodyPr wrap="square" rtlCol="0">
+            <a:spAutoFit/>
+          </a:bodyPr>
+          <a:lstStyle/>
+          <a:p>
+            <a:pPr algn="ctr"/>
+            <a:r>
+              <a:rPr lang="en-US" sz="3200" dirty="0"/>
+              <a:t>The value proposition of generics is to eliminate type surprises at runtime.</a:t>
+            </a:r>
+          </a:p>
+          <a:p>
+            <a:pPr algn="ctr"/>
+            <a:endParaRPr lang="en-US" sz="3200" dirty="0"/>
+          </a:p>
+          <a:p>
+            <a:pPr lvl="1" algn="ctr"/>
+            <a:r>
+              <a:rPr lang="en-US" sz="3200" i="1" dirty="0"/>
+              <a:t>You can prove at compilation that your program will not encounter class cast exceptions.</a:t>
+            </a:r>
+          </a:p>
+        </p:txBody>
+      </p:sp>
+    </p:spTree>
+    <p:extLst>
+      <p:ext uri="{BB962C8B-B14F-4D97-AF65-F5344CB8AC3E}">
+        <p14:creationId xmlns:p14="http://schemas.microsoft.com/office/powerpoint/2010/main" val="3523086485"/>
+      </p:ext>
+    </p:extLst>
+  </p:cSld>
+  <p:clrMapOvr>
+    <a:masterClrMapping/>
+  </p:clrMapOvr>
+  <mc:AlternateContent xmlns:mc="http://schemas.openxmlformats.org/markup-compatibility/2006" xmlns:p14="http://schemas.microsoft.com/office/powerpoint/2010/main">
+    <mc:Choice Requires="p14">
+      <p:transition spd="slow" p14:dur="1400">
+        <p14:doors dir="vert"/>
+      </p:transition>
+    </mc:Choice>
+    <mc:Fallback xmlns="">
+      <p:transition xmlns:p14="http://schemas.microsoft.com/office/powerpoint/2010/main" spd="slow">
+        <p:fade/>
+      </p:transition>
+    </mc:Fallback>
+  </mc:AlternateContent>
+</p:sld>
+</file>
+
+<file path=ppt/slides/slide20.xml><?xml version="1.0" encoding="utf-8"?>
+<p:sld xmlns:a="http://schemas.openxmlformats.org/drawingml/2006/main" xmlns:r="http://schemas.openxmlformats.org/officeDocument/2006/relationships" xmlns:p="http://schemas.openxmlformats.org/presentationml/2006/main">
+  <p:cSld>
+    <p:spTree>
+      <p:nvGrpSpPr>
+        <p:cNvPr id="1" name=""/>
+        <p:cNvGrpSpPr/>
+        <p:nvPr/>
+      </p:nvGrpSpPr>
+      <p:grpSpPr>
+        <a:xfrm>
+          <a:off x="0" y="0"/>
+          <a:ext cx="0" cy="0"/>
+          <a:chOff x="0" y="0"/>
+          <a:chExt cx="0" cy="0"/>
+        </a:xfrm>
+      </p:grpSpPr>
+      <p:sp>
+        <p:nvSpPr>
           <p:cNvPr id="6" name="TextBox 5"/>
           <p:cNvSpPr txBox="1"/>
           <p:nvPr/>
@@ -7746,7 +8181,7 @@
             <a:fld id="{9DAB3369-7666-44EB-AEA9-5FA9440DB40A}" type="slidenum">
               <a:rPr lang="en-US" smtClean="0"/>
               <a:pPr/>
-              <a:t>19</a:t>
+              <a:t>20</a:t>
             </a:fld>
             <a:endParaRPr lang="en-US"/>
           </a:p>
@@ -7902,10 +8337,9 @@
           <a:p>
             <a:pPr lvl="0" algn="ctr"/>
             <a:r>
-              <a:rPr lang="en-CA" sz="4800" dirty="0" smtClean="0"/>
+              <a:rPr lang="en-CA" sz="4800" dirty="0"/>
               <a:t>Question 3</a:t>
             </a:r>
-            <a:endParaRPr lang="en-CA" sz="4800" dirty="0"/>
           </a:p>
         </p:txBody>
       </p:sp>
@@ -7931,305 +8365,10 @@
       </p:transition>
     </mc:Fallback>
   </mc:AlternateContent>
-  <p:timing>
-    <p:tnLst>
-      <p:par>
-        <p:cTn id="1" dur="indefinite" restart="never" nodeType="tmRoot"/>
-      </p:par>
-    </p:tnLst>
-  </p:timing>
 </p:sld>
 </file>
 
-<file path=ppt/slides/slide2.xml><?xml version="1.0" encoding="utf-8"?>
-<p:sld xmlns:a="http://schemas.openxmlformats.org/drawingml/2006/main" xmlns:r="http://schemas.openxmlformats.org/officeDocument/2006/relationships" xmlns:p="http://schemas.openxmlformats.org/presentationml/2006/main">
-  <p:cSld>
-    <p:spTree>
-      <p:nvGrpSpPr>
-        <p:cNvPr id="1" name=""/>
-        <p:cNvGrpSpPr/>
-        <p:nvPr/>
-      </p:nvGrpSpPr>
-      <p:grpSpPr>
-        <a:xfrm>
-          <a:off x="0" y="0"/>
-          <a:ext cx="0" cy="0"/>
-          <a:chOff x="0" y="0"/>
-          <a:chExt cx="0" cy="0"/>
-        </a:xfrm>
-      </p:grpSpPr>
-      <p:sp>
-        <p:nvSpPr>
-          <p:cNvPr id="3" name="Slide Number Placeholder 2"/>
-          <p:cNvSpPr>
-            <a:spLocks noGrp="1"/>
-          </p:cNvSpPr>
-          <p:nvPr>
-            <p:ph type="sldNum" sz="quarter" idx="12"/>
-          </p:nvPr>
-        </p:nvSpPr>
-        <p:spPr/>
-        <p:txBody>
-          <a:bodyPr/>
-          <a:lstStyle/>
-          <a:p>
-            <a:fld id="{9DAB3369-7666-44EB-AEA9-5FA9440DB40A}" type="slidenum">
-              <a:rPr lang="en-US" smtClean="0"/>
-              <a:pPr/>
-              <a:t>2</a:t>
-            </a:fld>
-            <a:endParaRPr lang="en-US"/>
-          </a:p>
-        </p:txBody>
-      </p:sp>
-      <p:sp>
-        <p:nvSpPr>
-          <p:cNvPr id="5" name="Footer Placeholder 1"/>
-          <p:cNvSpPr txBox="1">
-            <a:spLocks/>
-          </p:cNvSpPr>
-          <p:nvPr/>
-        </p:nvSpPr>
-        <p:spPr>
-          <a:xfrm>
-            <a:off x="0" y="6336000"/>
-            <a:ext cx="9144000" cy="365125"/>
-          </a:xfrm>
-          <a:prstGeom prst="rect">
-            <a:avLst/>
-          </a:prstGeom>
-        </p:spPr>
-        <p:txBody>
-          <a:bodyPr vert="horz" lIns="91440" tIns="45720" rIns="91440" bIns="45720" rtlCol="0" anchor="ctr"/>
-          <a:lstStyle>
-            <a:defPPr>
-              <a:defRPr lang="en-US"/>
-            </a:defPPr>
-            <a:lvl1pPr marL="0" algn="ctr" defTabSz="914400" rtl="0" eaLnBrk="1" latinLnBrk="0" hangingPunct="1">
-              <a:defRPr sz="1200" kern="1200">
-                <a:solidFill>
-                  <a:schemeClr val="tx1">
-                    <a:tint val="75000"/>
-                  </a:schemeClr>
-                </a:solidFill>
-                <a:latin typeface="+mn-lt"/>
-                <a:ea typeface="+mn-ea"/>
-                <a:cs typeface="+mn-cs"/>
-              </a:defRPr>
-            </a:lvl1pPr>
-            <a:lvl2pPr marL="457200" algn="l" defTabSz="914400" rtl="0" eaLnBrk="1" latinLnBrk="0" hangingPunct="1">
-              <a:defRPr sz="1800" kern="1200">
-                <a:solidFill>
-                  <a:schemeClr val="tx1"/>
-                </a:solidFill>
-                <a:latin typeface="+mn-lt"/>
-                <a:ea typeface="+mn-ea"/>
-                <a:cs typeface="+mn-cs"/>
-              </a:defRPr>
-            </a:lvl2pPr>
-            <a:lvl3pPr marL="914400" algn="l" defTabSz="914400" rtl="0" eaLnBrk="1" latinLnBrk="0" hangingPunct="1">
-              <a:defRPr sz="1800" kern="1200">
-                <a:solidFill>
-                  <a:schemeClr val="tx1"/>
-                </a:solidFill>
-                <a:latin typeface="+mn-lt"/>
-                <a:ea typeface="+mn-ea"/>
-                <a:cs typeface="+mn-cs"/>
-              </a:defRPr>
-            </a:lvl3pPr>
-            <a:lvl4pPr marL="1371600" algn="l" defTabSz="914400" rtl="0" eaLnBrk="1" latinLnBrk="0" hangingPunct="1">
-              <a:defRPr sz="1800" kern="1200">
-                <a:solidFill>
-                  <a:schemeClr val="tx1"/>
-                </a:solidFill>
-                <a:latin typeface="+mn-lt"/>
-                <a:ea typeface="+mn-ea"/>
-                <a:cs typeface="+mn-cs"/>
-              </a:defRPr>
-            </a:lvl4pPr>
-            <a:lvl5pPr marL="1828800" algn="l" defTabSz="914400" rtl="0" eaLnBrk="1" latinLnBrk="0" hangingPunct="1">
-              <a:defRPr sz="1800" kern="1200">
-                <a:solidFill>
-                  <a:schemeClr val="tx1"/>
-                </a:solidFill>
-                <a:latin typeface="+mn-lt"/>
-                <a:ea typeface="+mn-ea"/>
-                <a:cs typeface="+mn-cs"/>
-              </a:defRPr>
-            </a:lvl5pPr>
-            <a:lvl6pPr marL="2286000" algn="l" defTabSz="914400" rtl="0" eaLnBrk="1" latinLnBrk="0" hangingPunct="1">
-              <a:defRPr sz="1800" kern="1200">
-                <a:solidFill>
-                  <a:schemeClr val="tx1"/>
-                </a:solidFill>
-                <a:latin typeface="+mn-lt"/>
-                <a:ea typeface="+mn-ea"/>
-                <a:cs typeface="+mn-cs"/>
-              </a:defRPr>
-            </a:lvl6pPr>
-            <a:lvl7pPr marL="2743200" algn="l" defTabSz="914400" rtl="0" eaLnBrk="1" latinLnBrk="0" hangingPunct="1">
-              <a:defRPr sz="1800" kern="1200">
-                <a:solidFill>
-                  <a:schemeClr val="tx1"/>
-                </a:solidFill>
-                <a:latin typeface="+mn-lt"/>
-                <a:ea typeface="+mn-ea"/>
-                <a:cs typeface="+mn-cs"/>
-              </a:defRPr>
-            </a:lvl7pPr>
-            <a:lvl8pPr marL="3200400" algn="l" defTabSz="914400" rtl="0" eaLnBrk="1" latinLnBrk="0" hangingPunct="1">
-              <a:defRPr sz="1800" kern="1200">
-                <a:solidFill>
-                  <a:schemeClr val="tx1"/>
-                </a:solidFill>
-                <a:latin typeface="+mn-lt"/>
-                <a:ea typeface="+mn-ea"/>
-                <a:cs typeface="+mn-cs"/>
-              </a:defRPr>
-            </a:lvl8pPr>
-            <a:lvl9pPr marL="3657600" algn="l" defTabSz="914400" rtl="0" eaLnBrk="1" latinLnBrk="0" hangingPunct="1">
-              <a:defRPr sz="1800" kern="1200">
-                <a:solidFill>
-                  <a:schemeClr val="tx1"/>
-                </a:solidFill>
-                <a:latin typeface="+mn-lt"/>
-                <a:ea typeface="+mn-ea"/>
-                <a:cs typeface="+mn-cs"/>
-              </a:defRPr>
-            </a:lvl9pPr>
-          </a:lstStyle>
-          <a:p>
-            <a:pPr algn="l"/>
-            <a:r>
-              <a:rPr lang="en-CA" dirty="0" smtClean="0"/>
-              <a:t>The Generics Quiz</a:t>
-            </a:r>
-            <a:endParaRPr lang="en-US" dirty="0"/>
-          </a:p>
-        </p:txBody>
-      </p:sp>
-      <p:sp>
-        <p:nvSpPr>
-          <p:cNvPr id="12" name="TextBox 11"/>
-          <p:cNvSpPr txBox="1"/>
-          <p:nvPr/>
-        </p:nvSpPr>
-        <p:spPr>
-          <a:xfrm>
-            <a:off x="0" y="1447800"/>
-            <a:ext cx="9144000" cy="830997"/>
-          </a:xfrm>
-          <a:prstGeom prst="rect">
-            <a:avLst/>
-          </a:prstGeom>
-          <a:noFill/>
-        </p:spPr>
-        <p:txBody>
-          <a:bodyPr wrap="square" rtlCol="0">
-            <a:spAutoFit/>
-          </a:bodyPr>
-          <a:lstStyle/>
-          <a:p>
-            <a:pPr lvl="0" algn="ctr"/>
-            <a:r>
-              <a:rPr lang="en-CA" sz="4800" dirty="0" smtClean="0"/>
-              <a:t>Review</a:t>
-            </a:r>
-            <a:endParaRPr lang="en-CA" sz="4800" dirty="0"/>
-          </a:p>
-        </p:txBody>
-      </p:sp>
-      <p:sp>
-        <p:nvSpPr>
-          <p:cNvPr id="6" name="TextBox 5"/>
-          <p:cNvSpPr txBox="1"/>
-          <p:nvPr/>
-        </p:nvSpPr>
-        <p:spPr>
-          <a:xfrm>
-            <a:off x="381000" y="2743200"/>
-            <a:ext cx="8601075" cy="2554545"/>
-          </a:xfrm>
-          <a:prstGeom prst="rect">
-            <a:avLst/>
-          </a:prstGeom>
-          <a:noFill/>
-        </p:spPr>
-        <p:txBody>
-          <a:bodyPr wrap="square" rtlCol="0">
-            <a:spAutoFit/>
-          </a:bodyPr>
-          <a:lstStyle/>
-          <a:p>
-            <a:pPr algn="ctr"/>
-            <a:r>
-              <a:rPr lang="en-US" sz="3200" dirty="0" smtClean="0"/>
-              <a:t>The value proposition of generics </a:t>
-            </a:r>
-            <a:r>
-              <a:rPr lang="en-US" sz="3200" dirty="0"/>
-              <a:t>is to eliminate type surprises at </a:t>
-            </a:r>
-            <a:r>
-              <a:rPr lang="en-US" sz="3200" dirty="0" smtClean="0"/>
-              <a:t>runtime.</a:t>
-            </a:r>
-          </a:p>
-          <a:p>
-            <a:pPr algn="ctr"/>
-            <a:endParaRPr lang="en-US" sz="3200" dirty="0"/>
-          </a:p>
-          <a:p>
-            <a:pPr lvl="1" algn="ctr"/>
-            <a:r>
-              <a:rPr lang="en-US" sz="3200" i="1" dirty="0" smtClean="0"/>
-              <a:t>You </a:t>
-            </a:r>
-            <a:r>
-              <a:rPr lang="en-US" sz="3200" i="1" dirty="0"/>
-              <a:t>can prove at compilation that your program will not encounter class cast exceptions</a:t>
-            </a:r>
-            <a:r>
-              <a:rPr lang="en-US" sz="3200" i="1" dirty="0" smtClean="0"/>
-              <a:t>.</a:t>
-            </a:r>
-            <a:endParaRPr lang="en-US" sz="3200" i="1" dirty="0"/>
-          </a:p>
-        </p:txBody>
-      </p:sp>
-    </p:spTree>
-    <p:extLst>
-      <p:ext uri="{BB962C8B-B14F-4D97-AF65-F5344CB8AC3E}">
-        <p14:creationId xmlns:p14="http://schemas.microsoft.com/office/powerpoint/2010/main" val="3523086485"/>
-      </p:ext>
-    </p:extLst>
-  </p:cSld>
-  <p:clrMapOvr>
-    <a:masterClrMapping/>
-  </p:clrMapOvr>
-  <mc:AlternateContent xmlns:mc="http://schemas.openxmlformats.org/markup-compatibility/2006" xmlns:p14="http://schemas.microsoft.com/office/powerpoint/2010/main">
-    <mc:Choice Requires="p14">
-      <p:transition spd="slow" p14:dur="1400">
-        <p14:doors dir="vert"/>
-      </p:transition>
-    </mc:Choice>
-    <mc:Fallback xmlns="">
-      <p:transition xmlns:p14="http://schemas.microsoft.com/office/powerpoint/2010/main" spd="slow">
-        <p:fade/>
-      </p:transition>
-    </mc:Fallback>
-  </mc:AlternateContent>
-  <p:timing>
-    <p:tnLst>
-      <p:par>
-        <p:cTn id="1" dur="indefinite" restart="never" nodeType="tmRoot"/>
-      </p:par>
-    </p:tnLst>
-  </p:timing>
-</p:sld>
-</file>
-
-<file path=ppt/slides/slide20.xml><?xml version="1.0" encoding="utf-8"?>
+<file path=ppt/slides/slide21.xml><?xml version="1.0" encoding="utf-8"?>
 <p:sld xmlns:a="http://schemas.openxmlformats.org/drawingml/2006/main" xmlns:r="http://schemas.openxmlformats.org/officeDocument/2006/relationships" xmlns:p="http://schemas.openxmlformats.org/presentationml/2006/main">
   <p:cSld>
     <p:spTree>
@@ -8355,7 +8494,7 @@
             <a:fld id="{9DAB3369-7666-44EB-AEA9-5FA9440DB40A}" type="slidenum">
               <a:rPr lang="en-US" smtClean="0"/>
               <a:pPr/>
-              <a:t>20</a:t>
+              <a:t>21</a:t>
             </a:fld>
             <a:endParaRPr lang="en-US"/>
           </a:p>
@@ -8511,10 +8650,9 @@
           <a:p>
             <a:pPr lvl="0" algn="ctr"/>
             <a:r>
-              <a:rPr lang="en-CA" sz="4800" dirty="0" smtClean="0"/>
+              <a:rPr lang="en-CA" sz="4800" dirty="0"/>
               <a:t>Question 3</a:t>
             </a:r>
-            <a:endParaRPr lang="en-CA" sz="4800" dirty="0"/>
           </a:p>
         </p:txBody>
       </p:sp>
@@ -8528,14 +8666,6 @@
   <p:clrMapOvr>
     <a:masterClrMapping/>
   </p:clrMapOvr>
-  <mc:AlternateContent xmlns:mc="http://schemas.openxmlformats.org/markup-compatibility/2006" xmlns:p14="http://schemas.microsoft.com/office/powerpoint/2010/main">
-    <mc:Choice Requires="p14">
-      <p:transition p14:dur="0"/>
-    </mc:Choice>
-    <mc:Fallback xmlns="">
-      <p:transition xmlns:p14="http://schemas.microsoft.com/office/powerpoint/2010/main"/>
-    </mc:Fallback>
-  </mc:AlternateContent>
   <p:timing>
     <p:tnLst>
       <p:par>
@@ -8643,7 +8773,7 @@
 </p:sld>
 </file>
 
-<file path=ppt/slides/slide21.xml><?xml version="1.0" encoding="utf-8"?>
+<file path=ppt/slides/slide22.xml><?xml version="1.0" encoding="utf-8"?>
 <p:sld xmlns:a="http://schemas.openxmlformats.org/drawingml/2006/main" xmlns:r="http://schemas.openxmlformats.org/officeDocument/2006/relationships" xmlns:p="http://schemas.openxmlformats.org/presentationml/2006/main">
   <p:cSld>
     <p:spTree>
@@ -8722,7 +8852,7 @@
             <a:fld id="{9DAB3369-7666-44EB-AEA9-5FA9440DB40A}" type="slidenum">
               <a:rPr lang="en-US" smtClean="0"/>
               <a:pPr/>
-              <a:t>21</a:t>
+              <a:t>22</a:t>
             </a:fld>
             <a:endParaRPr lang="en-US"/>
           </a:p>
@@ -8878,10 +9008,9 @@
           <a:p>
             <a:pPr lvl="0" algn="ctr"/>
             <a:r>
-              <a:rPr lang="en-CA" sz="4800" dirty="0" smtClean="0"/>
+              <a:rPr lang="en-CA" sz="4800" dirty="0"/>
               <a:t>Question 4</a:t>
             </a:r>
-            <a:endParaRPr lang="en-CA" sz="4800" dirty="0"/>
           </a:p>
         </p:txBody>
       </p:sp>
@@ -8907,17 +9036,10 @@
       </p:transition>
     </mc:Fallback>
   </mc:AlternateContent>
-  <p:timing>
-    <p:tnLst>
-      <p:par>
-        <p:cTn id="1" dur="indefinite" restart="never" nodeType="tmRoot"/>
-      </p:par>
-    </p:tnLst>
-  </p:timing>
 </p:sld>
 </file>
 
-<file path=ppt/slides/slide22.xml><?xml version="1.0" encoding="utf-8"?>
+<file path=ppt/slides/slide23.xml><?xml version="1.0" encoding="utf-8"?>
 <p:sld xmlns:a="http://schemas.openxmlformats.org/drawingml/2006/main" xmlns:r="http://schemas.openxmlformats.org/officeDocument/2006/relationships" xmlns:p="http://schemas.openxmlformats.org/presentationml/2006/main">
   <p:cSld>
     <p:spTree>
@@ -9044,7 +9166,7 @@
             <a:fld id="{9DAB3369-7666-44EB-AEA9-5FA9440DB40A}" type="slidenum">
               <a:rPr lang="en-US" smtClean="0"/>
               <a:pPr/>
-              <a:t>22</a:t>
+              <a:t>23</a:t>
             </a:fld>
             <a:endParaRPr lang="en-US"/>
           </a:p>
@@ -9200,10 +9322,9 @@
           <a:p>
             <a:pPr lvl="0" algn="ctr"/>
             <a:r>
-              <a:rPr lang="en-CA" sz="4800" dirty="0" smtClean="0"/>
+              <a:rPr lang="en-CA" sz="4800" dirty="0"/>
               <a:t>Question 4</a:t>
             </a:r>
-            <a:endParaRPr lang="en-CA" sz="4800" dirty="0"/>
           </a:p>
         </p:txBody>
       </p:sp>
@@ -9217,14 +9338,6 @@
   <p:clrMapOvr>
     <a:masterClrMapping/>
   </p:clrMapOvr>
-  <mc:AlternateContent xmlns:mc="http://schemas.openxmlformats.org/markup-compatibility/2006" xmlns:p14="http://schemas.microsoft.com/office/powerpoint/2010/main">
-    <mc:Choice Requires="p14">
-      <p:transition p14:dur="0"/>
-    </mc:Choice>
-    <mc:Fallback xmlns="">
-      <p:transition xmlns:p14="http://schemas.microsoft.com/office/powerpoint/2010/main"/>
-    </mc:Fallback>
-  </mc:AlternateContent>
   <p:timing>
     <p:tnLst>
       <p:par>
@@ -9332,7 +9445,7 @@
 </p:sld>
 </file>
 
-<file path=ppt/slides/slide23.xml><?xml version="1.0" encoding="utf-8"?>
+<file path=ppt/slides/slide24.xml><?xml version="1.0" encoding="utf-8"?>
 <p:sld xmlns:a="http://schemas.openxmlformats.org/drawingml/2006/main" xmlns:r="http://schemas.openxmlformats.org/officeDocument/2006/relationships" xmlns:p="http://schemas.openxmlformats.org/presentationml/2006/main">
   <p:cSld>
     <p:spTree>
@@ -9411,7 +9524,7 @@
             <a:fld id="{9DAB3369-7666-44EB-AEA9-5FA9440DB40A}" type="slidenum">
               <a:rPr lang="en-US" smtClean="0"/>
               <a:pPr/>
-              <a:t>23</a:t>
+              <a:t>24</a:t>
             </a:fld>
             <a:endParaRPr lang="en-US"/>
           </a:p>
@@ -9567,10 +9680,9 @@
           <a:p>
             <a:pPr lvl="0" algn="ctr"/>
             <a:r>
-              <a:rPr lang="en-CA" sz="4800" dirty="0" smtClean="0"/>
+              <a:rPr lang="en-CA" sz="4800" dirty="0"/>
               <a:t>Question 5</a:t>
             </a:r>
-            <a:endParaRPr lang="en-CA" sz="4800" dirty="0"/>
           </a:p>
         </p:txBody>
       </p:sp>
@@ -9596,17 +9708,10 @@
       </p:transition>
     </mc:Fallback>
   </mc:AlternateContent>
-  <p:timing>
-    <p:tnLst>
-      <p:par>
-        <p:cTn id="1" dur="indefinite" restart="never" nodeType="tmRoot"/>
-      </p:par>
-    </p:tnLst>
-  </p:timing>
 </p:sld>
 </file>
 
-<file path=ppt/slides/slide24.xml><?xml version="1.0" encoding="utf-8"?>
+<file path=ppt/slides/slide25.xml><?xml version="1.0" encoding="utf-8"?>
 <p:sld xmlns:a="http://schemas.openxmlformats.org/drawingml/2006/main" xmlns:r="http://schemas.openxmlformats.org/officeDocument/2006/relationships" xmlns:p="http://schemas.openxmlformats.org/presentationml/2006/main">
   <p:cSld>
     <p:spTree>
@@ -9733,7 +9838,7 @@
             <a:fld id="{9DAB3369-7666-44EB-AEA9-5FA9440DB40A}" type="slidenum">
               <a:rPr lang="en-US" smtClean="0"/>
               <a:pPr/>
-              <a:t>24</a:t>
+              <a:t>25</a:t>
             </a:fld>
             <a:endParaRPr lang="en-US"/>
           </a:p>
@@ -9889,10 +9994,9 @@
           <a:p>
             <a:pPr lvl="0" algn="ctr"/>
             <a:r>
-              <a:rPr lang="en-CA" sz="4800" dirty="0" smtClean="0"/>
+              <a:rPr lang="en-CA" sz="4800" dirty="0"/>
               <a:t>Question 5</a:t>
             </a:r>
-            <a:endParaRPr lang="en-CA" sz="4800" dirty="0"/>
           </a:p>
         </p:txBody>
       </p:sp>
@@ -9906,14 +10010,6 @@
   <p:clrMapOvr>
     <a:masterClrMapping/>
   </p:clrMapOvr>
-  <mc:AlternateContent xmlns:mc="http://schemas.openxmlformats.org/markup-compatibility/2006" xmlns:p14="http://schemas.microsoft.com/office/powerpoint/2010/main">
-    <mc:Choice Requires="p14">
-      <p:transition p14:dur="0"/>
-    </mc:Choice>
-    <mc:Fallback xmlns="">
-      <p:transition xmlns:p14="http://schemas.microsoft.com/office/powerpoint/2010/main"/>
-    </mc:Fallback>
-  </mc:AlternateContent>
   <p:timing>
     <p:tnLst>
       <p:par>
@@ -10021,7 +10117,7 @@
 </p:sld>
 </file>
 
-<file path=ppt/slides/slide25.xml><?xml version="1.0" encoding="utf-8"?>
+<file path=ppt/slides/slide26.xml><?xml version="1.0" encoding="utf-8"?>
 <p:sld xmlns:a="http://schemas.openxmlformats.org/drawingml/2006/main" xmlns:r="http://schemas.openxmlformats.org/officeDocument/2006/relationships" xmlns:p="http://schemas.openxmlformats.org/presentationml/2006/main">
   <p:cSld>
     <p:spTree>
@@ -10056,7 +10152,7 @@
             <a:fld id="{9DAB3369-7666-44EB-AEA9-5FA9440DB40A}" type="slidenum">
               <a:rPr lang="en-US" smtClean="0"/>
               <a:pPr/>
-              <a:t>25</a:t>
+              <a:t>26</a:t>
             </a:fld>
             <a:endParaRPr lang="en-US"/>
           </a:p>
@@ -10212,10 +10308,9 @@
           <a:p>
             <a:pPr lvl="0" algn="ctr"/>
             <a:r>
-              <a:rPr lang="en-CA" sz="4800" dirty="0" smtClean="0"/>
+              <a:rPr lang="en-CA" sz="4800" dirty="0"/>
               <a:t>Question 6</a:t>
             </a:r>
-            <a:endParaRPr lang="en-CA" sz="4800" dirty="0"/>
           </a:p>
         </p:txBody>
       </p:sp>
@@ -10416,7 +10511,7 @@
 </p:sld>
 </file>
 
-<file path=ppt/slides/slide26.xml><?xml version="1.0" encoding="utf-8"?>
+<file path=ppt/slides/slide27.xml><?xml version="1.0" encoding="utf-8"?>
 <p:sld xmlns:a="http://schemas.openxmlformats.org/drawingml/2006/main" xmlns:r="http://schemas.openxmlformats.org/officeDocument/2006/relationships" xmlns:p="http://schemas.openxmlformats.org/presentationml/2006/main">
   <p:cSld>
     <p:spTree>
@@ -10451,7 +10546,7 @@
             <a:fld id="{9DAB3369-7666-44EB-AEA9-5FA9440DB40A}" type="slidenum">
               <a:rPr lang="en-US" smtClean="0"/>
               <a:pPr/>
-              <a:t>26</a:t>
+              <a:t>27</a:t>
             </a:fld>
             <a:endParaRPr lang="en-US"/>
           </a:p>
@@ -10607,10 +10702,9 @@
           <a:p>
             <a:pPr lvl="0" algn="ctr"/>
             <a:r>
-              <a:rPr lang="en-CA" sz="4800" dirty="0" smtClean="0"/>
+              <a:rPr lang="en-CA" sz="4800" dirty="0"/>
               <a:t>Question 7</a:t>
             </a:r>
-            <a:endParaRPr lang="en-CA" sz="4800" dirty="0"/>
           </a:p>
         </p:txBody>
       </p:sp>
@@ -10811,7 +10905,7 @@
 </p:sld>
 </file>
 
-<file path=ppt/slides/slide27.xml><?xml version="1.0" encoding="utf-8"?>
+<file path=ppt/slides/slide28.xml><?xml version="1.0" encoding="utf-8"?>
 <p:sld xmlns:a="http://schemas.openxmlformats.org/drawingml/2006/main" xmlns:r="http://schemas.openxmlformats.org/officeDocument/2006/relationships" xmlns:p="http://schemas.openxmlformats.org/presentationml/2006/main">
   <p:cSld>
     <p:spTree>
@@ -10846,7 +10940,7 @@
             <a:fld id="{9DAB3369-7666-44EB-AEA9-5FA9440DB40A}" type="slidenum">
               <a:rPr lang="en-US" smtClean="0"/>
               <a:pPr/>
-              <a:t>27</a:t>
+              <a:t>28</a:t>
             </a:fld>
             <a:endParaRPr lang="en-US"/>
           </a:p>
@@ -11002,10 +11096,9 @@
           <a:p>
             <a:pPr lvl="0" algn="ctr"/>
             <a:r>
-              <a:rPr lang="en-CA" sz="4800" dirty="0" smtClean="0"/>
+              <a:rPr lang="en-CA" sz="4800" dirty="0"/>
               <a:t>Question 8</a:t>
             </a:r>
-            <a:endParaRPr lang="en-CA" sz="4800" dirty="0"/>
           </a:p>
         </p:txBody>
       </p:sp>
@@ -11229,7 +11322,7 @@
 </p:sld>
 </file>
 
-<file path=ppt/slides/slide28.xml><?xml version="1.0" encoding="utf-8"?>
+<file path=ppt/slides/slide29.xml><?xml version="1.0" encoding="utf-8"?>
 <p:sld xmlns:a="http://schemas.openxmlformats.org/drawingml/2006/main" xmlns:r="http://schemas.openxmlformats.org/officeDocument/2006/relationships" xmlns:p="http://schemas.openxmlformats.org/presentationml/2006/main">
   <p:cSld>
     <p:spTree>
@@ -11264,7 +11357,7 @@
             <a:fld id="{9DAB3369-7666-44EB-AEA9-5FA9440DB40A}" type="slidenum">
               <a:rPr lang="en-US" smtClean="0"/>
               <a:pPr/>
-              <a:t>28</a:t>
+              <a:t>29</a:t>
             </a:fld>
             <a:endParaRPr lang="en-US"/>
           </a:p>
@@ -11420,10 +11513,9 @@
           <a:p>
             <a:pPr lvl="0" algn="ctr"/>
             <a:r>
-              <a:rPr lang="en-CA" sz="4800" dirty="0" smtClean="0"/>
+              <a:rPr lang="en-CA" sz="4800" dirty="0"/>
               <a:t>Question 9</a:t>
             </a:r>
-            <a:endParaRPr lang="en-CA" sz="4800" dirty="0"/>
           </a:p>
         </p:txBody>
       </p:sp>
@@ -11621,7 +11713,7 @@
 </p:sld>
 </file>
 
-<file path=ppt/slides/slide29.xml><?xml version="1.0" encoding="utf-8"?>
+<file path=ppt/slides/slide3.xml><?xml version="1.0" encoding="utf-8"?>
 <p:sld xmlns:a="http://schemas.openxmlformats.org/drawingml/2006/main" xmlns:r="http://schemas.openxmlformats.org/officeDocument/2006/relationships" xmlns:p="http://schemas.openxmlformats.org/presentationml/2006/main">
   <p:cSld>
     <p:spTree>
@@ -11640,6 +11732,257 @@
       </p:grpSpPr>
       <p:sp>
         <p:nvSpPr>
+          <p:cNvPr id="3" name="Slide Number Placeholder 2"/>
+          <p:cNvSpPr>
+            <a:spLocks noGrp="1"/>
+          </p:cNvSpPr>
+          <p:nvPr>
+            <p:ph type="sldNum" sz="quarter" idx="12"/>
+          </p:nvPr>
+        </p:nvSpPr>
+        <p:spPr/>
+        <p:txBody>
+          <a:bodyPr/>
+          <a:lstStyle/>
+          <a:p>
+            <a:fld id="{9DAB3369-7666-44EB-AEA9-5FA9440DB40A}" type="slidenum">
+              <a:rPr lang="en-US" smtClean="0"/>
+              <a:pPr/>
+              <a:t>3</a:t>
+            </a:fld>
+            <a:endParaRPr lang="en-US"/>
+          </a:p>
+        </p:txBody>
+      </p:sp>
+      <p:sp>
+        <p:nvSpPr>
+          <p:cNvPr id="5" name="Footer Placeholder 1"/>
+          <p:cNvSpPr txBox="1">
+            <a:spLocks/>
+          </p:cNvSpPr>
+          <p:nvPr/>
+        </p:nvSpPr>
+        <p:spPr>
+          <a:xfrm>
+            <a:off x="0" y="6336000"/>
+            <a:ext cx="9144000" cy="365125"/>
+          </a:xfrm>
+          <a:prstGeom prst="rect">
+            <a:avLst/>
+          </a:prstGeom>
+        </p:spPr>
+        <p:txBody>
+          <a:bodyPr vert="horz" lIns="91440" tIns="45720" rIns="91440" bIns="45720" rtlCol="0" anchor="ctr"/>
+          <a:lstStyle>
+            <a:defPPr>
+              <a:defRPr lang="en-US"/>
+            </a:defPPr>
+            <a:lvl1pPr marL="0" algn="ctr" defTabSz="914400" rtl="0" eaLnBrk="1" latinLnBrk="0" hangingPunct="1">
+              <a:defRPr sz="1200" kern="1200">
+                <a:solidFill>
+                  <a:schemeClr val="tx1">
+                    <a:tint val="75000"/>
+                  </a:schemeClr>
+                </a:solidFill>
+                <a:latin typeface="+mn-lt"/>
+                <a:ea typeface="+mn-ea"/>
+                <a:cs typeface="+mn-cs"/>
+              </a:defRPr>
+            </a:lvl1pPr>
+            <a:lvl2pPr marL="457200" algn="l" defTabSz="914400" rtl="0" eaLnBrk="1" latinLnBrk="0" hangingPunct="1">
+              <a:defRPr sz="1800" kern="1200">
+                <a:solidFill>
+                  <a:schemeClr val="tx1"/>
+                </a:solidFill>
+                <a:latin typeface="+mn-lt"/>
+                <a:ea typeface="+mn-ea"/>
+                <a:cs typeface="+mn-cs"/>
+              </a:defRPr>
+            </a:lvl2pPr>
+            <a:lvl3pPr marL="914400" algn="l" defTabSz="914400" rtl="0" eaLnBrk="1" latinLnBrk="0" hangingPunct="1">
+              <a:defRPr sz="1800" kern="1200">
+                <a:solidFill>
+                  <a:schemeClr val="tx1"/>
+                </a:solidFill>
+                <a:latin typeface="+mn-lt"/>
+                <a:ea typeface="+mn-ea"/>
+                <a:cs typeface="+mn-cs"/>
+              </a:defRPr>
+            </a:lvl3pPr>
+            <a:lvl4pPr marL="1371600" algn="l" defTabSz="914400" rtl="0" eaLnBrk="1" latinLnBrk="0" hangingPunct="1">
+              <a:defRPr sz="1800" kern="1200">
+                <a:solidFill>
+                  <a:schemeClr val="tx1"/>
+                </a:solidFill>
+                <a:latin typeface="+mn-lt"/>
+                <a:ea typeface="+mn-ea"/>
+                <a:cs typeface="+mn-cs"/>
+              </a:defRPr>
+            </a:lvl4pPr>
+            <a:lvl5pPr marL="1828800" algn="l" defTabSz="914400" rtl="0" eaLnBrk="1" latinLnBrk="0" hangingPunct="1">
+              <a:defRPr sz="1800" kern="1200">
+                <a:solidFill>
+                  <a:schemeClr val="tx1"/>
+                </a:solidFill>
+                <a:latin typeface="+mn-lt"/>
+                <a:ea typeface="+mn-ea"/>
+                <a:cs typeface="+mn-cs"/>
+              </a:defRPr>
+            </a:lvl5pPr>
+            <a:lvl6pPr marL="2286000" algn="l" defTabSz="914400" rtl="0" eaLnBrk="1" latinLnBrk="0" hangingPunct="1">
+              <a:defRPr sz="1800" kern="1200">
+                <a:solidFill>
+                  <a:schemeClr val="tx1"/>
+                </a:solidFill>
+                <a:latin typeface="+mn-lt"/>
+                <a:ea typeface="+mn-ea"/>
+                <a:cs typeface="+mn-cs"/>
+              </a:defRPr>
+            </a:lvl6pPr>
+            <a:lvl7pPr marL="2743200" algn="l" defTabSz="914400" rtl="0" eaLnBrk="1" latinLnBrk="0" hangingPunct="1">
+              <a:defRPr sz="1800" kern="1200">
+                <a:solidFill>
+                  <a:schemeClr val="tx1"/>
+                </a:solidFill>
+                <a:latin typeface="+mn-lt"/>
+                <a:ea typeface="+mn-ea"/>
+                <a:cs typeface="+mn-cs"/>
+              </a:defRPr>
+            </a:lvl7pPr>
+            <a:lvl8pPr marL="3200400" algn="l" defTabSz="914400" rtl="0" eaLnBrk="1" latinLnBrk="0" hangingPunct="1">
+              <a:defRPr sz="1800" kern="1200">
+                <a:solidFill>
+                  <a:schemeClr val="tx1"/>
+                </a:solidFill>
+                <a:latin typeface="+mn-lt"/>
+                <a:ea typeface="+mn-ea"/>
+                <a:cs typeface="+mn-cs"/>
+              </a:defRPr>
+            </a:lvl8pPr>
+            <a:lvl9pPr marL="3657600" algn="l" defTabSz="914400" rtl="0" eaLnBrk="1" latinLnBrk="0" hangingPunct="1">
+              <a:defRPr sz="1800" kern="1200">
+                <a:solidFill>
+                  <a:schemeClr val="tx1"/>
+                </a:solidFill>
+                <a:latin typeface="+mn-lt"/>
+                <a:ea typeface="+mn-ea"/>
+                <a:cs typeface="+mn-cs"/>
+              </a:defRPr>
+            </a:lvl9pPr>
+          </a:lstStyle>
+          <a:p>
+            <a:pPr algn="l"/>
+            <a:r>
+              <a:rPr lang="en-CA" dirty="0"/>
+              <a:t>The Generics Quiz</a:t>
+            </a:r>
+            <a:endParaRPr lang="en-US" dirty="0"/>
+          </a:p>
+        </p:txBody>
+      </p:sp>
+      <p:sp>
+        <p:nvSpPr>
+          <p:cNvPr id="12" name="TextBox 11"/>
+          <p:cNvSpPr txBox="1"/>
+          <p:nvPr/>
+        </p:nvSpPr>
+        <p:spPr>
+          <a:xfrm>
+            <a:off x="0" y="1447800"/>
+            <a:ext cx="9144000" cy="830997"/>
+          </a:xfrm>
+          <a:prstGeom prst="rect">
+            <a:avLst/>
+          </a:prstGeom>
+          <a:noFill/>
+        </p:spPr>
+        <p:txBody>
+          <a:bodyPr wrap="square" rtlCol="0">
+            <a:spAutoFit/>
+          </a:bodyPr>
+          <a:lstStyle/>
+          <a:p>
+            <a:pPr lvl="0" algn="ctr"/>
+            <a:r>
+              <a:rPr lang="en-CA" sz="4800" dirty="0"/>
+              <a:t>Review</a:t>
+            </a:r>
+          </a:p>
+        </p:txBody>
+      </p:sp>
+      <p:sp>
+        <p:nvSpPr>
+          <p:cNvPr id="6" name="TextBox 5"/>
+          <p:cNvSpPr txBox="1"/>
+          <p:nvPr/>
+        </p:nvSpPr>
+        <p:spPr>
+          <a:xfrm>
+            <a:off x="381000" y="2743200"/>
+            <a:ext cx="8601075" cy="1569660"/>
+          </a:xfrm>
+          <a:prstGeom prst="rect">
+            <a:avLst/>
+          </a:prstGeom>
+          <a:noFill/>
+        </p:spPr>
+        <p:txBody>
+          <a:bodyPr wrap="square" rtlCol="0">
+            <a:spAutoFit/>
+          </a:bodyPr>
+          <a:lstStyle/>
+          <a:p>
+            <a:pPr algn="ctr"/>
+            <a:r>
+              <a:rPr lang="en-US" sz="3200" dirty="0"/>
+              <a:t>While static typing is great, there is a price to pay:</a:t>
+            </a:r>
+          </a:p>
+          <a:p>
+            <a:pPr algn="ctr"/>
+            <a:endParaRPr lang="en-US" sz="3200" dirty="0"/>
+          </a:p>
+          <a:p>
+            <a:pPr algn="ctr"/>
+            <a:r>
+              <a:rPr lang="en-US" sz="3200" i="1" dirty="0"/>
+              <a:t>Generics are not intuitive.</a:t>
+            </a:r>
+          </a:p>
+        </p:txBody>
+      </p:sp>
+    </p:spTree>
+    <p:extLst>
+      <p:ext uri="{BB962C8B-B14F-4D97-AF65-F5344CB8AC3E}">
+        <p14:creationId xmlns:p14="http://schemas.microsoft.com/office/powerpoint/2010/main" val="3832506127"/>
+      </p:ext>
+    </p:extLst>
+  </p:cSld>
+  <p:clrMapOvr>
+    <a:masterClrMapping/>
+  </p:clrMapOvr>
+</p:sld>
+</file>
+
+<file path=ppt/slides/slide30.xml><?xml version="1.0" encoding="utf-8"?>
+<p:sld xmlns:a="http://schemas.openxmlformats.org/drawingml/2006/main" xmlns:r="http://schemas.openxmlformats.org/officeDocument/2006/relationships" xmlns:p="http://schemas.openxmlformats.org/presentationml/2006/main">
+  <p:cSld>
+    <p:spTree>
+      <p:nvGrpSpPr>
+        <p:cNvPr id="1" name=""/>
+        <p:cNvGrpSpPr/>
+        <p:nvPr/>
+      </p:nvGrpSpPr>
+      <p:grpSpPr>
+        <a:xfrm>
+          <a:off x="0" y="0"/>
+          <a:ext cx="0" cy="0"/>
+          <a:chOff x="0" y="0"/>
+          <a:chExt cx="0" cy="0"/>
+        </a:xfrm>
+      </p:grpSpPr>
+      <p:sp>
+        <p:nvSpPr>
           <p:cNvPr id="6" name="TextBox 5"/>
           <p:cNvSpPr txBox="1"/>
           <p:nvPr/>
@@ -11676,11 +12019,10 @@
               <a:rPr lang="en-US" sz="2800" dirty="0"/>
               <a:t> = null; </a:t>
             </a:r>
-            <a:endParaRPr lang="en-US" sz="2800" dirty="0" smtClean="0"/>
-          </a:p>
-          <a:p>
-            <a:r>
-              <a:rPr lang="en-US" sz="2800" dirty="0" err="1" smtClean="0"/>
+          </a:p>
+          <a:p>
+            <a:r>
+              <a:rPr lang="en-US" sz="2800" dirty="0" err="1"/>
               <a:t>ArrayList</a:t>
             </a:r>
             <a:r>
@@ -11727,7 +12069,7 @@
             <a:fld id="{9DAB3369-7666-44EB-AEA9-5FA9440DB40A}" type="slidenum">
               <a:rPr lang="en-US" smtClean="0"/>
               <a:pPr/>
-              <a:t>29</a:t>
+              <a:t>30</a:t>
             </a:fld>
             <a:endParaRPr lang="en-US"/>
           </a:p>
@@ -11883,10 +12225,9 @@
           <a:p>
             <a:pPr lvl="0" algn="ctr"/>
             <a:r>
-              <a:rPr lang="en-CA" sz="4800" dirty="0" smtClean="0"/>
+              <a:rPr lang="en-CA" sz="4800" dirty="0"/>
               <a:t>Question 10</a:t>
             </a:r>
-            <a:endParaRPr lang="en-CA" sz="4800" dirty="0"/>
           </a:p>
         </p:txBody>
       </p:sp>
@@ -11912,17 +12253,10 @@
       </p:transition>
     </mc:Fallback>
   </mc:AlternateContent>
-  <p:timing>
-    <p:tnLst>
-      <p:par>
-        <p:cTn id="1" dur="indefinite" restart="never" nodeType="tmRoot"/>
-      </p:par>
-    </p:tnLst>
-  </p:timing>
 </p:sld>
 </file>
 
-<file path=ppt/slides/slide3.xml><?xml version="1.0" encoding="utf-8"?>
+<file path=ppt/slides/slide31.xml><?xml version="1.0" encoding="utf-8"?>
 <p:sld xmlns:a="http://schemas.openxmlformats.org/drawingml/2006/main" xmlns:r="http://schemas.openxmlformats.org/officeDocument/2006/relationships" xmlns:p="http://schemas.openxmlformats.org/presentationml/2006/main">
   <p:cSld>
     <p:spTree>
@@ -11941,290 +12275,6 @@
       </p:grpSpPr>
       <p:sp>
         <p:nvSpPr>
-          <p:cNvPr id="3" name="Slide Number Placeholder 2"/>
-          <p:cNvSpPr>
-            <a:spLocks noGrp="1"/>
-          </p:cNvSpPr>
-          <p:nvPr>
-            <p:ph type="sldNum" sz="quarter" idx="12"/>
-          </p:nvPr>
-        </p:nvSpPr>
-        <p:spPr/>
-        <p:txBody>
-          <a:bodyPr/>
-          <a:lstStyle/>
-          <a:p>
-            <a:fld id="{9DAB3369-7666-44EB-AEA9-5FA9440DB40A}" type="slidenum">
-              <a:rPr lang="en-US" smtClean="0"/>
-              <a:pPr/>
-              <a:t>3</a:t>
-            </a:fld>
-            <a:endParaRPr lang="en-US"/>
-          </a:p>
-        </p:txBody>
-      </p:sp>
-      <p:sp>
-        <p:nvSpPr>
-          <p:cNvPr id="5" name="Footer Placeholder 1"/>
-          <p:cNvSpPr txBox="1">
-            <a:spLocks/>
-          </p:cNvSpPr>
-          <p:nvPr/>
-        </p:nvSpPr>
-        <p:spPr>
-          <a:xfrm>
-            <a:off x="0" y="6336000"/>
-            <a:ext cx="9144000" cy="365125"/>
-          </a:xfrm>
-          <a:prstGeom prst="rect">
-            <a:avLst/>
-          </a:prstGeom>
-        </p:spPr>
-        <p:txBody>
-          <a:bodyPr vert="horz" lIns="91440" tIns="45720" rIns="91440" bIns="45720" rtlCol="0" anchor="ctr"/>
-          <a:lstStyle>
-            <a:defPPr>
-              <a:defRPr lang="en-US"/>
-            </a:defPPr>
-            <a:lvl1pPr marL="0" algn="ctr" defTabSz="914400" rtl="0" eaLnBrk="1" latinLnBrk="0" hangingPunct="1">
-              <a:defRPr sz="1200" kern="1200">
-                <a:solidFill>
-                  <a:schemeClr val="tx1">
-                    <a:tint val="75000"/>
-                  </a:schemeClr>
-                </a:solidFill>
-                <a:latin typeface="+mn-lt"/>
-                <a:ea typeface="+mn-ea"/>
-                <a:cs typeface="+mn-cs"/>
-              </a:defRPr>
-            </a:lvl1pPr>
-            <a:lvl2pPr marL="457200" algn="l" defTabSz="914400" rtl="0" eaLnBrk="1" latinLnBrk="0" hangingPunct="1">
-              <a:defRPr sz="1800" kern="1200">
-                <a:solidFill>
-                  <a:schemeClr val="tx1"/>
-                </a:solidFill>
-                <a:latin typeface="+mn-lt"/>
-                <a:ea typeface="+mn-ea"/>
-                <a:cs typeface="+mn-cs"/>
-              </a:defRPr>
-            </a:lvl2pPr>
-            <a:lvl3pPr marL="914400" algn="l" defTabSz="914400" rtl="0" eaLnBrk="1" latinLnBrk="0" hangingPunct="1">
-              <a:defRPr sz="1800" kern="1200">
-                <a:solidFill>
-                  <a:schemeClr val="tx1"/>
-                </a:solidFill>
-                <a:latin typeface="+mn-lt"/>
-                <a:ea typeface="+mn-ea"/>
-                <a:cs typeface="+mn-cs"/>
-              </a:defRPr>
-            </a:lvl3pPr>
-            <a:lvl4pPr marL="1371600" algn="l" defTabSz="914400" rtl="0" eaLnBrk="1" latinLnBrk="0" hangingPunct="1">
-              <a:defRPr sz="1800" kern="1200">
-                <a:solidFill>
-                  <a:schemeClr val="tx1"/>
-                </a:solidFill>
-                <a:latin typeface="+mn-lt"/>
-                <a:ea typeface="+mn-ea"/>
-                <a:cs typeface="+mn-cs"/>
-              </a:defRPr>
-            </a:lvl4pPr>
-            <a:lvl5pPr marL="1828800" algn="l" defTabSz="914400" rtl="0" eaLnBrk="1" latinLnBrk="0" hangingPunct="1">
-              <a:defRPr sz="1800" kern="1200">
-                <a:solidFill>
-                  <a:schemeClr val="tx1"/>
-                </a:solidFill>
-                <a:latin typeface="+mn-lt"/>
-                <a:ea typeface="+mn-ea"/>
-                <a:cs typeface="+mn-cs"/>
-              </a:defRPr>
-            </a:lvl5pPr>
-            <a:lvl6pPr marL="2286000" algn="l" defTabSz="914400" rtl="0" eaLnBrk="1" latinLnBrk="0" hangingPunct="1">
-              <a:defRPr sz="1800" kern="1200">
-                <a:solidFill>
-                  <a:schemeClr val="tx1"/>
-                </a:solidFill>
-                <a:latin typeface="+mn-lt"/>
-                <a:ea typeface="+mn-ea"/>
-                <a:cs typeface="+mn-cs"/>
-              </a:defRPr>
-            </a:lvl6pPr>
-            <a:lvl7pPr marL="2743200" algn="l" defTabSz="914400" rtl="0" eaLnBrk="1" latinLnBrk="0" hangingPunct="1">
-              <a:defRPr sz="1800" kern="1200">
-                <a:solidFill>
-                  <a:schemeClr val="tx1"/>
-                </a:solidFill>
-                <a:latin typeface="+mn-lt"/>
-                <a:ea typeface="+mn-ea"/>
-                <a:cs typeface="+mn-cs"/>
-              </a:defRPr>
-            </a:lvl7pPr>
-            <a:lvl8pPr marL="3200400" algn="l" defTabSz="914400" rtl="0" eaLnBrk="1" latinLnBrk="0" hangingPunct="1">
-              <a:defRPr sz="1800" kern="1200">
-                <a:solidFill>
-                  <a:schemeClr val="tx1"/>
-                </a:solidFill>
-                <a:latin typeface="+mn-lt"/>
-                <a:ea typeface="+mn-ea"/>
-                <a:cs typeface="+mn-cs"/>
-              </a:defRPr>
-            </a:lvl8pPr>
-            <a:lvl9pPr marL="3657600" algn="l" defTabSz="914400" rtl="0" eaLnBrk="1" latinLnBrk="0" hangingPunct="1">
-              <a:defRPr sz="1800" kern="1200">
-                <a:solidFill>
-                  <a:schemeClr val="tx1"/>
-                </a:solidFill>
-                <a:latin typeface="+mn-lt"/>
-                <a:ea typeface="+mn-ea"/>
-                <a:cs typeface="+mn-cs"/>
-              </a:defRPr>
-            </a:lvl9pPr>
-          </a:lstStyle>
-          <a:p>
-            <a:pPr algn="l"/>
-            <a:r>
-              <a:rPr lang="en-CA" dirty="0" smtClean="0"/>
-              <a:t>The Generics Quiz</a:t>
-            </a:r>
-            <a:endParaRPr lang="en-US" dirty="0"/>
-          </a:p>
-        </p:txBody>
-      </p:sp>
-      <p:sp>
-        <p:nvSpPr>
-          <p:cNvPr id="12" name="TextBox 11"/>
-          <p:cNvSpPr txBox="1"/>
-          <p:nvPr/>
-        </p:nvSpPr>
-        <p:spPr>
-          <a:xfrm>
-            <a:off x="0" y="1447800"/>
-            <a:ext cx="9144000" cy="830997"/>
-          </a:xfrm>
-          <a:prstGeom prst="rect">
-            <a:avLst/>
-          </a:prstGeom>
-          <a:noFill/>
-        </p:spPr>
-        <p:txBody>
-          <a:bodyPr wrap="square" rtlCol="0">
-            <a:spAutoFit/>
-          </a:bodyPr>
-          <a:lstStyle/>
-          <a:p>
-            <a:pPr lvl="0" algn="ctr"/>
-            <a:r>
-              <a:rPr lang="en-CA" sz="4800" dirty="0" smtClean="0"/>
-              <a:t>Review</a:t>
-            </a:r>
-            <a:endParaRPr lang="en-CA" sz="4800" dirty="0"/>
-          </a:p>
-        </p:txBody>
-      </p:sp>
-      <p:sp>
-        <p:nvSpPr>
-          <p:cNvPr id="6" name="TextBox 5"/>
-          <p:cNvSpPr txBox="1"/>
-          <p:nvPr/>
-        </p:nvSpPr>
-        <p:spPr>
-          <a:xfrm>
-            <a:off x="381000" y="2743200"/>
-            <a:ext cx="8601075" cy="1569660"/>
-          </a:xfrm>
-          <a:prstGeom prst="rect">
-            <a:avLst/>
-          </a:prstGeom>
-          <a:noFill/>
-        </p:spPr>
-        <p:txBody>
-          <a:bodyPr wrap="square" rtlCol="0">
-            <a:spAutoFit/>
-          </a:bodyPr>
-          <a:lstStyle/>
-          <a:p>
-            <a:pPr algn="ctr"/>
-            <a:r>
-              <a:rPr lang="en-US" sz="3200" dirty="0" smtClean="0"/>
-              <a:t>While static </a:t>
-            </a:r>
-            <a:r>
-              <a:rPr lang="en-US" sz="3200" dirty="0"/>
-              <a:t>typing is </a:t>
-            </a:r>
-            <a:r>
-              <a:rPr lang="en-US" sz="3200" dirty="0" smtClean="0"/>
-              <a:t>great, there is a price to pay:</a:t>
-            </a:r>
-          </a:p>
-          <a:p>
-            <a:pPr algn="ctr"/>
-            <a:endParaRPr lang="en-US" sz="3200" dirty="0" smtClean="0"/>
-          </a:p>
-          <a:p>
-            <a:pPr algn="ctr"/>
-            <a:r>
-              <a:rPr lang="en-US" sz="3200" i="1" dirty="0" smtClean="0"/>
-              <a:t>Generics </a:t>
-            </a:r>
-            <a:r>
-              <a:rPr lang="en-US" sz="3200" i="1" dirty="0"/>
-              <a:t>are </a:t>
-            </a:r>
-            <a:r>
-              <a:rPr lang="en-US" sz="3200" i="1" dirty="0" smtClean="0"/>
-              <a:t>not intuitive.</a:t>
-            </a:r>
-            <a:endParaRPr lang="en-US" sz="3200" i="1" dirty="0"/>
-          </a:p>
-        </p:txBody>
-      </p:sp>
-    </p:spTree>
-    <p:extLst>
-      <p:ext uri="{BB962C8B-B14F-4D97-AF65-F5344CB8AC3E}">
-        <p14:creationId xmlns:p14="http://schemas.microsoft.com/office/powerpoint/2010/main" val="3832506127"/>
-      </p:ext>
-    </p:extLst>
-  </p:cSld>
-  <p:clrMapOvr>
-    <a:masterClrMapping/>
-  </p:clrMapOvr>
-  <mc:AlternateContent xmlns:mc="http://schemas.openxmlformats.org/markup-compatibility/2006" xmlns:p14="http://schemas.microsoft.com/office/powerpoint/2010/main">
-    <mc:Choice Requires="p14">
-      <p:transition p14:dur="0"/>
-    </mc:Choice>
-    <mc:Fallback xmlns="">
-      <p:transition xmlns:p14="http://schemas.microsoft.com/office/powerpoint/2010/main"/>
-    </mc:Fallback>
-  </mc:AlternateContent>
-  <p:timing>
-    <p:tnLst>
-      <p:par>
-        <p:cTn id="1" dur="indefinite" restart="never" nodeType="tmRoot"/>
-      </p:par>
-    </p:tnLst>
-  </p:timing>
-</p:sld>
-</file>
-
-<file path=ppt/slides/slide30.xml><?xml version="1.0" encoding="utf-8"?>
-<p:sld xmlns:a="http://schemas.openxmlformats.org/drawingml/2006/main" xmlns:r="http://schemas.openxmlformats.org/officeDocument/2006/relationships" xmlns:p="http://schemas.openxmlformats.org/presentationml/2006/main">
-  <p:cSld>
-    <p:spTree>
-      <p:nvGrpSpPr>
-        <p:cNvPr id="1" name=""/>
-        <p:cNvGrpSpPr/>
-        <p:nvPr/>
-      </p:nvGrpSpPr>
-      <p:grpSpPr>
-        <a:xfrm>
-          <a:off x="0" y="0"/>
-          <a:ext cx="0" cy="0"/>
-          <a:chOff x="0" y="0"/>
-          <a:chExt cx="0" cy="0"/>
-        </a:xfrm>
-      </p:grpSpPr>
-      <p:sp>
-        <p:nvSpPr>
           <p:cNvPr id="6" name="TextBox 5"/>
           <p:cNvSpPr txBox="1"/>
           <p:nvPr/>
@@ -12273,11 +12323,10 @@
               <a:rPr lang="en-US" sz="2800" dirty="0"/>
               <a:t> = null; </a:t>
             </a:r>
-            <a:endParaRPr lang="en-US" sz="2800" dirty="0" smtClean="0"/>
-          </a:p>
-          <a:p>
-            <a:r>
-              <a:rPr lang="en-US" sz="2800" dirty="0" err="1" smtClean="0"/>
+          </a:p>
+          <a:p>
+            <a:r>
+              <a:rPr lang="en-US" sz="2800" dirty="0" err="1"/>
               <a:t>ArrayList</a:t>
             </a:r>
             <a:r>
@@ -12360,7 +12409,7 @@
             <a:fld id="{9DAB3369-7666-44EB-AEA9-5FA9440DB40A}" type="slidenum">
               <a:rPr lang="en-US" smtClean="0"/>
               <a:pPr/>
-              <a:t>30</a:t>
+              <a:t>31</a:t>
             </a:fld>
             <a:endParaRPr lang="en-US"/>
           </a:p>
@@ -12516,10 +12565,9 @@
           <a:p>
             <a:pPr lvl="0" algn="ctr"/>
             <a:r>
-              <a:rPr lang="en-CA" sz="4800" dirty="0" smtClean="0"/>
+              <a:rPr lang="en-CA" sz="4800" dirty="0"/>
               <a:t>Question 10</a:t>
             </a:r>
-            <a:endParaRPr lang="en-CA" sz="4800" dirty="0"/>
           </a:p>
         </p:txBody>
       </p:sp>
@@ -12533,14 +12581,6 @@
   <p:clrMapOvr>
     <a:masterClrMapping/>
   </p:clrMapOvr>
-  <mc:AlternateContent xmlns:mc="http://schemas.openxmlformats.org/markup-compatibility/2006" xmlns:p14="http://schemas.microsoft.com/office/powerpoint/2010/main">
-    <mc:Choice Requires="p14">
-      <p:transition p14:dur="0"/>
-    </mc:Choice>
-    <mc:Fallback xmlns="">
-      <p:transition xmlns:p14="http://schemas.microsoft.com/office/powerpoint/2010/main"/>
-    </mc:Fallback>
-  </mc:AlternateContent>
   <p:timing>
     <p:tnLst>
       <p:par>
@@ -12648,7 +12688,7 @@
 </p:sld>
 </file>
 
-<file path=ppt/slides/slide31.xml><?xml version="1.0" encoding="utf-8"?>
+<file path=ppt/slides/slide32.xml><?xml version="1.0" encoding="utf-8"?>
 <p:sld xmlns:a="http://schemas.openxmlformats.org/drawingml/2006/main" xmlns:r="http://schemas.openxmlformats.org/officeDocument/2006/relationships" xmlns:p="http://schemas.openxmlformats.org/presentationml/2006/main">
   <p:cSld>
     <p:spTree>
@@ -12683,7 +12723,7 @@
             <a:fld id="{9DAB3369-7666-44EB-AEA9-5FA9440DB40A}" type="slidenum">
               <a:rPr lang="en-US" smtClean="0"/>
               <a:pPr/>
-              <a:t>31</a:t>
+              <a:t>32</a:t>
             </a:fld>
             <a:endParaRPr lang="en-US"/>
           </a:p>
@@ -12839,10 +12879,9 @@
           <a:p>
             <a:pPr lvl="0" algn="ctr"/>
             <a:r>
-              <a:rPr lang="en-CA" sz="4800" dirty="0" smtClean="0"/>
+              <a:rPr lang="en-CA" sz="4800" dirty="0"/>
               <a:t>Question 11</a:t>
             </a:r>
-            <a:endParaRPr lang="en-CA" sz="4800" dirty="0"/>
           </a:p>
         </p:txBody>
       </p:sp>
@@ -12882,16 +12921,12 @@
             </a:r>
             <a:r>
               <a:rPr lang="en-US" sz="2600" dirty="0"/>
-              <a:t> = null</a:t>
-            </a:r>
-            <a:r>
-              <a:rPr lang="en-US" sz="2600" dirty="0" smtClean="0"/>
-              <a:t>;</a:t>
-            </a:r>
-          </a:p>
-          <a:p>
-            <a:r>
-              <a:rPr lang="en-US" sz="2600" dirty="0" err="1" smtClean="0"/>
+              <a:t> = null;</a:t>
+            </a:r>
+          </a:p>
+          <a:p>
+            <a:r>
+              <a:rPr lang="en-US" sz="2600" dirty="0" err="1"/>
               <a:t>ArrayList</a:t>
             </a:r>
             <a:r>
@@ -13070,7 +13105,7 @@
 </p:sld>
 </file>
 
-<file path=ppt/slides/slide32.xml><?xml version="1.0" encoding="utf-8"?>
+<file path=ppt/slides/slide33.xml><?xml version="1.0" encoding="utf-8"?>
 <p:sld xmlns:a="http://schemas.openxmlformats.org/drawingml/2006/main" xmlns:r="http://schemas.openxmlformats.org/officeDocument/2006/relationships" xmlns:p="http://schemas.openxmlformats.org/presentationml/2006/main">
   <p:cSld>
     <p:spTree>
@@ -13105,7 +13140,7 @@
             <a:fld id="{9DAB3369-7666-44EB-AEA9-5FA9440DB40A}" type="slidenum">
               <a:rPr lang="en-US" smtClean="0"/>
               <a:pPr/>
-              <a:t>32</a:t>
+              <a:t>33</a:t>
             </a:fld>
             <a:endParaRPr lang="en-US"/>
           </a:p>
@@ -13261,10 +13296,9 @@
           <a:p>
             <a:pPr lvl="0" algn="ctr"/>
             <a:r>
-              <a:rPr lang="en-CA" sz="4800" dirty="0" smtClean="0"/>
+              <a:rPr lang="en-CA" sz="4800" dirty="0"/>
               <a:t>Question 12</a:t>
             </a:r>
-            <a:endParaRPr lang="en-CA" sz="4800" dirty="0"/>
           </a:p>
         </p:txBody>
       </p:sp>
@@ -13470,7 +13504,7 @@
 </p:sld>
 </file>
 
-<file path=ppt/slides/slide33.xml><?xml version="1.0" encoding="utf-8"?>
+<file path=ppt/slides/slide34.xml><?xml version="1.0" encoding="utf-8"?>
 <p:sld xmlns:a="http://schemas.openxmlformats.org/drawingml/2006/main" xmlns:r="http://schemas.openxmlformats.org/officeDocument/2006/relationships" xmlns:p="http://schemas.openxmlformats.org/presentationml/2006/main">
   <p:cSld>
     <p:spTree>
@@ -13557,7 +13591,7 @@
             <a:fld id="{9DAB3369-7666-44EB-AEA9-5FA9440DB40A}" type="slidenum">
               <a:rPr lang="en-US" smtClean="0"/>
               <a:pPr/>
-              <a:t>33</a:t>
+              <a:t>34</a:t>
             </a:fld>
             <a:endParaRPr lang="en-US"/>
           </a:p>
@@ -13713,10 +13747,9 @@
           <a:p>
             <a:pPr lvl="0" algn="ctr"/>
             <a:r>
-              <a:rPr lang="en-CA" sz="4800" dirty="0" smtClean="0"/>
+              <a:rPr lang="en-CA" sz="4800" dirty="0"/>
               <a:t>Question 13</a:t>
             </a:r>
-            <a:endParaRPr lang="en-CA" sz="4800" dirty="0"/>
           </a:p>
         </p:txBody>
       </p:sp>
@@ -13742,17 +13775,10 @@
       </p:transition>
     </mc:Fallback>
   </mc:AlternateContent>
-  <p:timing>
-    <p:tnLst>
-      <p:par>
-        <p:cTn id="1" dur="indefinite" restart="never" nodeType="tmRoot"/>
-      </p:par>
-    </p:tnLst>
-  </p:timing>
 </p:sld>
 </file>
 
-<file path=ppt/slides/slide34.xml><?xml version="1.0" encoding="utf-8"?>
+<file path=ppt/slides/slide35.xml><?xml version="1.0" encoding="utf-8"?>
 <p:sld xmlns:a="http://schemas.openxmlformats.org/drawingml/2006/main" xmlns:r="http://schemas.openxmlformats.org/officeDocument/2006/relationships" xmlns:p="http://schemas.openxmlformats.org/presentationml/2006/main">
   <p:cSld>
     <p:spTree>
@@ -13883,7 +13909,7 @@
             <a:fld id="{9DAB3369-7666-44EB-AEA9-5FA9440DB40A}" type="slidenum">
               <a:rPr lang="en-US" smtClean="0"/>
               <a:pPr/>
-              <a:t>34</a:t>
+              <a:t>35</a:t>
             </a:fld>
             <a:endParaRPr lang="en-US"/>
           </a:p>
@@ -14039,10 +14065,9 @@
           <a:p>
             <a:pPr lvl="0" algn="ctr"/>
             <a:r>
-              <a:rPr lang="en-CA" sz="4800" dirty="0" smtClean="0"/>
+              <a:rPr lang="en-CA" sz="4800" dirty="0"/>
               <a:t>Question 13</a:t>
             </a:r>
-            <a:endParaRPr lang="en-CA" sz="4800" dirty="0"/>
           </a:p>
         </p:txBody>
       </p:sp>
@@ -14056,14 +14081,6 @@
   <p:clrMapOvr>
     <a:masterClrMapping/>
   </p:clrMapOvr>
-  <mc:AlternateContent xmlns:mc="http://schemas.openxmlformats.org/markup-compatibility/2006" xmlns:p14="http://schemas.microsoft.com/office/powerpoint/2010/main">
-    <mc:Choice Requires="p14">
-      <p:transition p14:dur="0"/>
-    </mc:Choice>
-    <mc:Fallback xmlns="">
-      <p:transition xmlns:p14="http://schemas.microsoft.com/office/powerpoint/2010/main"/>
-    </mc:Fallback>
-  </mc:AlternateContent>
   <p:timing>
     <p:tnLst>
       <p:par>
@@ -14171,7 +14188,7 @@
 </p:sld>
 </file>
 
-<file path=ppt/slides/slide35.xml><?xml version="1.0" encoding="utf-8"?>
+<file path=ppt/slides/slide36.xml><?xml version="1.0" encoding="utf-8"?>
 <p:sld xmlns:a="http://schemas.openxmlformats.org/drawingml/2006/main" xmlns:r="http://schemas.openxmlformats.org/officeDocument/2006/relationships" xmlns:p="http://schemas.openxmlformats.org/presentationml/2006/main">
   <p:cSld>
     <p:spTree>
@@ -14206,7 +14223,7 @@
             <a:fld id="{9DAB3369-7666-44EB-AEA9-5FA9440DB40A}" type="slidenum">
               <a:rPr lang="en-US" smtClean="0"/>
               <a:pPr/>
-              <a:t>35</a:t>
+              <a:t>36</a:t>
             </a:fld>
             <a:endParaRPr lang="en-US"/>
           </a:p>
@@ -14362,10 +14379,9 @@
           <a:p>
             <a:pPr lvl="0" algn="ctr"/>
             <a:r>
-              <a:rPr lang="en-CA" sz="4800" dirty="0" smtClean="0"/>
+              <a:rPr lang="en-CA" sz="4800" dirty="0"/>
               <a:t>Question 14</a:t>
             </a:r>
-            <a:endParaRPr lang="en-CA" sz="4800" dirty="0"/>
           </a:p>
         </p:txBody>
       </p:sp>
@@ -14573,7 +14589,7 @@
 </p:sld>
 </file>
 
-<file path=ppt/slides/slide36.xml><?xml version="1.0" encoding="utf-8"?>
+<file path=ppt/slides/slide37.xml><?xml version="1.0" encoding="utf-8"?>
 <p:sld xmlns:a="http://schemas.openxmlformats.org/drawingml/2006/main" xmlns:r="http://schemas.openxmlformats.org/officeDocument/2006/relationships" xmlns:p="http://schemas.openxmlformats.org/presentationml/2006/main">
   <p:cSld>
     <p:spTree>
@@ -14628,11 +14644,10 @@
               <a:rPr lang="en-US" sz="2400" dirty="0"/>
               <a:t>&lt;Integer&gt;(); </a:t>
             </a:r>
-            <a:endParaRPr lang="en-US" sz="2400" dirty="0" smtClean="0"/>
-          </a:p>
-          <a:p>
-            <a:r>
-              <a:rPr lang="en-US" sz="2400" dirty="0" err="1" smtClean="0"/>
+          </a:p>
+          <a:p>
+            <a:r>
+              <a:rPr lang="en-US" sz="2400" dirty="0" err="1"/>
               <a:t>list.addAll</a:t>
             </a:r>
             <a:r>
@@ -14671,7 +14686,7 @@
             <a:fld id="{9DAB3369-7666-44EB-AEA9-5FA9440DB40A}" type="slidenum">
               <a:rPr lang="en-US" smtClean="0"/>
               <a:pPr/>
-              <a:t>36</a:t>
+              <a:t>37</a:t>
             </a:fld>
             <a:endParaRPr lang="en-US"/>
           </a:p>
@@ -14827,10 +14842,9 @@
           <a:p>
             <a:pPr lvl="0" algn="ctr"/>
             <a:r>
-              <a:rPr lang="en-CA" sz="4800" dirty="0" smtClean="0"/>
+              <a:rPr lang="en-CA" sz="4800" dirty="0"/>
               <a:t>Question 15</a:t>
             </a:r>
-            <a:endParaRPr lang="en-CA" sz="4800" dirty="0"/>
           </a:p>
         </p:txBody>
       </p:sp>
@@ -14856,17 +14870,10 @@
       </p:transition>
     </mc:Fallback>
   </mc:AlternateContent>
-  <p:timing>
-    <p:tnLst>
-      <p:par>
-        <p:cTn id="1" dur="indefinite" restart="never" nodeType="tmRoot"/>
-      </p:par>
-    </p:tnLst>
-  </p:timing>
 </p:sld>
 </file>
 
-<file path=ppt/slides/slide37.xml><?xml version="1.0" encoding="utf-8"?>
+<file path=ppt/slides/slide38.xml><?xml version="1.0" encoding="utf-8"?>
 <p:sld xmlns:a="http://schemas.openxmlformats.org/drawingml/2006/main" xmlns:r="http://schemas.openxmlformats.org/officeDocument/2006/relationships" xmlns:p="http://schemas.openxmlformats.org/presentationml/2006/main">
   <p:cSld>
     <p:spTree>
@@ -14933,15 +14940,14 @@
               <a:rPr lang="en-US" sz="2400" dirty="0"/>
               <a:t>&lt;Integer&gt;(); </a:t>
             </a:r>
-            <a:endParaRPr lang="en-US" sz="2400" dirty="0" smtClean="0"/>
-          </a:p>
-          <a:p>
-            <a:r>
-              <a:rPr lang="en-US" sz="2400" dirty="0" err="1" smtClean="0"/>
+          </a:p>
+          <a:p>
+            <a:r>
+              <a:rPr lang="en-US" sz="2400" dirty="0" err="1"/>
               <a:t>list.</a:t>
             </a:r>
             <a:r>
-              <a:rPr lang="en-US" sz="2400" dirty="0" err="1" smtClean="0">
+              <a:rPr lang="en-US" sz="2400" dirty="0" err="1">
                 <a:solidFill>
                   <a:srgbClr val="FF0000"/>
                 </a:solidFill>
@@ -15008,7 +15014,7 @@
             <a:fld id="{9DAB3369-7666-44EB-AEA9-5FA9440DB40A}" type="slidenum">
               <a:rPr lang="en-US" smtClean="0"/>
               <a:pPr/>
-              <a:t>37</a:t>
+              <a:t>38</a:t>
             </a:fld>
             <a:endParaRPr lang="en-US"/>
           </a:p>
@@ -15164,10 +15170,9 @@
           <a:p>
             <a:pPr lvl="0" algn="ctr"/>
             <a:r>
-              <a:rPr lang="en-CA" sz="4800" dirty="0" smtClean="0"/>
+              <a:rPr lang="en-CA" sz="4800" dirty="0"/>
               <a:t>Question 15</a:t>
             </a:r>
-            <a:endParaRPr lang="en-CA" sz="4800" dirty="0"/>
           </a:p>
         </p:txBody>
       </p:sp>
@@ -15181,14 +15186,6 @@
   <p:clrMapOvr>
     <a:masterClrMapping/>
   </p:clrMapOvr>
-  <mc:AlternateContent xmlns:mc="http://schemas.openxmlformats.org/markup-compatibility/2006" xmlns:p14="http://schemas.microsoft.com/office/powerpoint/2010/main">
-    <mc:Choice Requires="p14">
-      <p:transition p14:dur="0"/>
-    </mc:Choice>
-    <mc:Fallback xmlns="">
-      <p:transition xmlns:p14="http://schemas.microsoft.com/office/powerpoint/2010/main"/>
-    </mc:Fallback>
-  </mc:AlternateContent>
   <p:timing>
     <p:tnLst>
       <p:par>
@@ -15296,7 +15293,7 @@
 </p:sld>
 </file>
 
-<file path=ppt/slides/slide38.xml><?xml version="1.0" encoding="utf-8"?>
+<file path=ppt/slides/slide39.xml><?xml version="1.0" encoding="utf-8"?>
 <p:sld xmlns:a="http://schemas.openxmlformats.org/drawingml/2006/main" xmlns:r="http://schemas.openxmlformats.org/officeDocument/2006/relationships" xmlns:p="http://schemas.openxmlformats.org/presentationml/2006/main">
   <p:cSld>
     <p:spTree>
@@ -15357,16 +15354,12 @@
             </a:r>
             <a:r>
               <a:rPr lang="en-US" sz="2000" dirty="0"/>
-              <a:t>&lt;Number&gt;()</a:t>
-            </a:r>
-            <a:r>
-              <a:rPr lang="en-US" sz="2000" dirty="0" smtClean="0"/>
-              <a:t>;</a:t>
-            </a:r>
-          </a:p>
-          <a:p>
-            <a:r>
-              <a:rPr lang="en-US" sz="2000" dirty="0" err="1" smtClean="0"/>
+              <a:t>&lt;Number&gt;();</a:t>
+            </a:r>
+          </a:p>
+          <a:p>
+            <a:r>
+              <a:rPr lang="en-US" sz="2000" dirty="0" err="1"/>
               <a:t>ArrayList</a:t>
             </a:r>
             <a:r>
@@ -15429,7 +15422,7 @@
             <a:fld id="{9DAB3369-7666-44EB-AEA9-5FA9440DB40A}" type="slidenum">
               <a:rPr lang="en-US" smtClean="0"/>
               <a:pPr/>
-              <a:t>38</a:t>
+              <a:t>39</a:t>
             </a:fld>
             <a:endParaRPr lang="en-US"/>
           </a:p>
@@ -15585,10 +15578,9 @@
           <a:p>
             <a:pPr lvl="0" algn="ctr"/>
             <a:r>
-              <a:rPr lang="en-CA" sz="4800" dirty="0" smtClean="0"/>
+              <a:rPr lang="en-CA" sz="4800" dirty="0"/>
               <a:t>Question 16</a:t>
             </a:r>
-            <a:endParaRPr lang="en-CA" sz="4800" dirty="0"/>
           </a:p>
         </p:txBody>
       </p:sp>
@@ -15614,17 +15606,10 @@
       </p:transition>
     </mc:Fallback>
   </mc:AlternateContent>
-  <p:timing>
-    <p:tnLst>
-      <p:par>
-        <p:cTn id="1" dur="indefinite" restart="never" nodeType="tmRoot"/>
-      </p:par>
-    </p:tnLst>
-  </p:timing>
 </p:sld>
 </file>
 
-<file path=ppt/slides/slide39.xml><?xml version="1.0" encoding="utf-8"?>
+<file path=ppt/slides/slide4.xml><?xml version="1.0" encoding="utf-8"?>
 <p:sld xmlns:a="http://schemas.openxmlformats.org/drawingml/2006/main" xmlns:r="http://schemas.openxmlformats.org/officeDocument/2006/relationships" xmlns:p="http://schemas.openxmlformats.org/presentationml/2006/main">
   <p:cSld>
     <p:spTree>
@@ -15643,6 +15628,294 @@
       </p:grpSpPr>
       <p:sp>
         <p:nvSpPr>
+          <p:cNvPr id="3" name="Slide Number Placeholder 2"/>
+          <p:cNvSpPr>
+            <a:spLocks noGrp="1"/>
+          </p:cNvSpPr>
+          <p:nvPr>
+            <p:ph type="sldNum" sz="quarter" idx="12"/>
+          </p:nvPr>
+        </p:nvSpPr>
+        <p:spPr/>
+        <p:txBody>
+          <a:bodyPr/>
+          <a:lstStyle/>
+          <a:p>
+            <a:fld id="{9DAB3369-7666-44EB-AEA9-5FA9440DB40A}" type="slidenum">
+              <a:rPr lang="en-US" smtClean="0"/>
+              <a:pPr/>
+              <a:t>4</a:t>
+            </a:fld>
+            <a:endParaRPr lang="en-US"/>
+          </a:p>
+        </p:txBody>
+      </p:sp>
+      <p:sp>
+        <p:nvSpPr>
+          <p:cNvPr id="5" name="Footer Placeholder 1"/>
+          <p:cNvSpPr txBox="1">
+            <a:spLocks/>
+          </p:cNvSpPr>
+          <p:nvPr/>
+        </p:nvSpPr>
+        <p:spPr>
+          <a:xfrm>
+            <a:off x="0" y="6336000"/>
+            <a:ext cx="9144000" cy="365125"/>
+          </a:xfrm>
+          <a:prstGeom prst="rect">
+            <a:avLst/>
+          </a:prstGeom>
+        </p:spPr>
+        <p:txBody>
+          <a:bodyPr vert="horz" lIns="91440" tIns="45720" rIns="91440" bIns="45720" rtlCol="0" anchor="ctr"/>
+          <a:lstStyle>
+            <a:defPPr>
+              <a:defRPr lang="en-US"/>
+            </a:defPPr>
+            <a:lvl1pPr marL="0" algn="ctr" defTabSz="914400" rtl="0" eaLnBrk="1" latinLnBrk="0" hangingPunct="1">
+              <a:defRPr sz="1200" kern="1200">
+                <a:solidFill>
+                  <a:schemeClr val="tx1">
+                    <a:tint val="75000"/>
+                  </a:schemeClr>
+                </a:solidFill>
+                <a:latin typeface="+mn-lt"/>
+                <a:ea typeface="+mn-ea"/>
+                <a:cs typeface="+mn-cs"/>
+              </a:defRPr>
+            </a:lvl1pPr>
+            <a:lvl2pPr marL="457200" algn="l" defTabSz="914400" rtl="0" eaLnBrk="1" latinLnBrk="0" hangingPunct="1">
+              <a:defRPr sz="1800" kern="1200">
+                <a:solidFill>
+                  <a:schemeClr val="tx1"/>
+                </a:solidFill>
+                <a:latin typeface="+mn-lt"/>
+                <a:ea typeface="+mn-ea"/>
+                <a:cs typeface="+mn-cs"/>
+              </a:defRPr>
+            </a:lvl2pPr>
+            <a:lvl3pPr marL="914400" algn="l" defTabSz="914400" rtl="0" eaLnBrk="1" latinLnBrk="0" hangingPunct="1">
+              <a:defRPr sz="1800" kern="1200">
+                <a:solidFill>
+                  <a:schemeClr val="tx1"/>
+                </a:solidFill>
+                <a:latin typeface="+mn-lt"/>
+                <a:ea typeface="+mn-ea"/>
+                <a:cs typeface="+mn-cs"/>
+              </a:defRPr>
+            </a:lvl3pPr>
+            <a:lvl4pPr marL="1371600" algn="l" defTabSz="914400" rtl="0" eaLnBrk="1" latinLnBrk="0" hangingPunct="1">
+              <a:defRPr sz="1800" kern="1200">
+                <a:solidFill>
+                  <a:schemeClr val="tx1"/>
+                </a:solidFill>
+                <a:latin typeface="+mn-lt"/>
+                <a:ea typeface="+mn-ea"/>
+                <a:cs typeface="+mn-cs"/>
+              </a:defRPr>
+            </a:lvl4pPr>
+            <a:lvl5pPr marL="1828800" algn="l" defTabSz="914400" rtl="0" eaLnBrk="1" latinLnBrk="0" hangingPunct="1">
+              <a:defRPr sz="1800" kern="1200">
+                <a:solidFill>
+                  <a:schemeClr val="tx1"/>
+                </a:solidFill>
+                <a:latin typeface="+mn-lt"/>
+                <a:ea typeface="+mn-ea"/>
+                <a:cs typeface="+mn-cs"/>
+              </a:defRPr>
+            </a:lvl5pPr>
+            <a:lvl6pPr marL="2286000" algn="l" defTabSz="914400" rtl="0" eaLnBrk="1" latinLnBrk="0" hangingPunct="1">
+              <a:defRPr sz="1800" kern="1200">
+                <a:solidFill>
+                  <a:schemeClr val="tx1"/>
+                </a:solidFill>
+                <a:latin typeface="+mn-lt"/>
+                <a:ea typeface="+mn-ea"/>
+                <a:cs typeface="+mn-cs"/>
+              </a:defRPr>
+            </a:lvl6pPr>
+            <a:lvl7pPr marL="2743200" algn="l" defTabSz="914400" rtl="0" eaLnBrk="1" latinLnBrk="0" hangingPunct="1">
+              <a:defRPr sz="1800" kern="1200">
+                <a:solidFill>
+                  <a:schemeClr val="tx1"/>
+                </a:solidFill>
+                <a:latin typeface="+mn-lt"/>
+                <a:ea typeface="+mn-ea"/>
+                <a:cs typeface="+mn-cs"/>
+              </a:defRPr>
+            </a:lvl7pPr>
+            <a:lvl8pPr marL="3200400" algn="l" defTabSz="914400" rtl="0" eaLnBrk="1" latinLnBrk="0" hangingPunct="1">
+              <a:defRPr sz="1800" kern="1200">
+                <a:solidFill>
+                  <a:schemeClr val="tx1"/>
+                </a:solidFill>
+                <a:latin typeface="+mn-lt"/>
+                <a:ea typeface="+mn-ea"/>
+                <a:cs typeface="+mn-cs"/>
+              </a:defRPr>
+            </a:lvl8pPr>
+            <a:lvl9pPr marL="3657600" algn="l" defTabSz="914400" rtl="0" eaLnBrk="1" latinLnBrk="0" hangingPunct="1">
+              <a:defRPr sz="1800" kern="1200">
+                <a:solidFill>
+                  <a:schemeClr val="tx1"/>
+                </a:solidFill>
+                <a:latin typeface="+mn-lt"/>
+                <a:ea typeface="+mn-ea"/>
+                <a:cs typeface="+mn-cs"/>
+              </a:defRPr>
+            </a:lvl9pPr>
+          </a:lstStyle>
+          <a:p>
+            <a:pPr algn="l"/>
+            <a:r>
+              <a:rPr lang="en-CA" dirty="0"/>
+              <a:t>The Generics Quiz</a:t>
+            </a:r>
+            <a:endParaRPr lang="en-US" dirty="0"/>
+          </a:p>
+        </p:txBody>
+      </p:sp>
+      <p:sp>
+        <p:nvSpPr>
+          <p:cNvPr id="12" name="TextBox 11"/>
+          <p:cNvSpPr txBox="1"/>
+          <p:nvPr/>
+        </p:nvSpPr>
+        <p:spPr>
+          <a:xfrm>
+            <a:off x="0" y="1447800"/>
+            <a:ext cx="9144000" cy="830997"/>
+          </a:xfrm>
+          <a:prstGeom prst="rect">
+            <a:avLst/>
+          </a:prstGeom>
+          <a:noFill/>
+        </p:spPr>
+        <p:txBody>
+          <a:bodyPr wrap="square" rtlCol="0">
+            <a:spAutoFit/>
+          </a:bodyPr>
+          <a:lstStyle/>
+          <a:p>
+            <a:pPr lvl="0" algn="ctr"/>
+            <a:r>
+              <a:rPr lang="en-CA" sz="4800" dirty="0"/>
+              <a:t>Review</a:t>
+            </a:r>
+          </a:p>
+        </p:txBody>
+      </p:sp>
+      <p:sp>
+        <p:nvSpPr>
+          <p:cNvPr id="6" name="TextBox 5"/>
+          <p:cNvSpPr txBox="1"/>
+          <p:nvPr/>
+        </p:nvSpPr>
+        <p:spPr>
+          <a:xfrm>
+            <a:off x="381000" y="2743200"/>
+            <a:ext cx="8601075" cy="2985433"/>
+          </a:xfrm>
+          <a:prstGeom prst="rect">
+            <a:avLst/>
+          </a:prstGeom>
+          <a:noFill/>
+        </p:spPr>
+        <p:txBody>
+          <a:bodyPr wrap="square" rtlCol="0">
+            <a:spAutoFit/>
+          </a:bodyPr>
+          <a:lstStyle/>
+          <a:p>
+            <a:pPr algn="ctr"/>
+            <a:r>
+              <a:rPr lang="en-US" sz="3200" dirty="0"/>
+              <a:t>Sometimes, this complexity gets in the way:</a:t>
+            </a:r>
+          </a:p>
+          <a:p>
+            <a:endParaRPr lang="en-US" sz="3200" dirty="0"/>
+          </a:p>
+          <a:p>
+            <a:pPr algn="ctr"/>
+            <a:r>
+              <a:rPr lang="en-US" sz="3200" i="1" dirty="0"/>
+              <a:t>You may not care about the parameterized type </a:t>
+            </a:r>
+          </a:p>
+          <a:p>
+            <a:pPr algn="ctr"/>
+            <a:r>
+              <a:rPr lang="en-US" sz="3200" i="1" dirty="0"/>
+              <a:t>but it still gets in the way.</a:t>
+            </a:r>
+          </a:p>
+          <a:p>
+            <a:pPr marL="914400" lvl="1" indent="-457200">
+              <a:buFont typeface="Arial"/>
+              <a:buChar char="•"/>
+            </a:pPr>
+            <a:endParaRPr lang="en-US" sz="2800" dirty="0"/>
+          </a:p>
+          <a:p>
+            <a:pPr algn="ctr"/>
+            <a:r>
+              <a:rPr lang="en-US" sz="3200" dirty="0">
+                <a:solidFill>
+                  <a:srgbClr val="FF0000"/>
+                </a:solidFill>
+              </a:rPr>
+              <a:t>And this is where the funs begins</a:t>
+            </a:r>
+            <a:r>
+              <a:rPr lang="mr-IN" sz="3200" dirty="0">
+                <a:solidFill>
+                  <a:srgbClr val="FF0000"/>
+                </a:solidFill>
+              </a:rPr>
+              <a:t>…</a:t>
+            </a:r>
+            <a:endParaRPr lang="en-US" sz="3200" dirty="0">
+              <a:solidFill>
+                <a:srgbClr val="FF0000"/>
+              </a:solidFill>
+            </a:endParaRPr>
+          </a:p>
+        </p:txBody>
+      </p:sp>
+    </p:spTree>
+    <p:extLst>
+      <p:ext uri="{BB962C8B-B14F-4D97-AF65-F5344CB8AC3E}">
+        <p14:creationId xmlns:p14="http://schemas.microsoft.com/office/powerpoint/2010/main" val="2673188912"/>
+      </p:ext>
+    </p:extLst>
+  </p:cSld>
+  <p:clrMapOvr>
+    <a:masterClrMapping/>
+  </p:clrMapOvr>
+</p:sld>
+</file>
+
+<file path=ppt/slides/slide40.xml><?xml version="1.0" encoding="utf-8"?>
+<p:sld xmlns:a="http://schemas.openxmlformats.org/drawingml/2006/main" xmlns:r="http://schemas.openxmlformats.org/officeDocument/2006/relationships" xmlns:p="http://schemas.openxmlformats.org/presentationml/2006/main">
+  <p:cSld>
+    <p:spTree>
+      <p:nvGrpSpPr>
+        <p:cNvPr id="1" name=""/>
+        <p:cNvGrpSpPr/>
+        <p:nvPr/>
+      </p:nvGrpSpPr>
+      <p:grpSpPr>
+        <a:xfrm>
+          <a:off x="0" y="0"/>
+          <a:ext cx="0" cy="0"/>
+          <a:chOff x="0" y="0"/>
+          <a:chExt cx="0" cy="0"/>
+        </a:xfrm>
+      </p:grpSpPr>
+      <p:sp>
+        <p:nvSpPr>
           <p:cNvPr id="6" name="TextBox 5"/>
           <p:cNvSpPr txBox="1"/>
           <p:nvPr/>
@@ -15685,16 +15958,12 @@
             </a:r>
             <a:r>
               <a:rPr lang="en-US" sz="2000" dirty="0"/>
-              <a:t>&lt;Number&gt;()</a:t>
-            </a:r>
-            <a:r>
-              <a:rPr lang="en-US" sz="2000" dirty="0" smtClean="0"/>
-              <a:t>;</a:t>
-            </a:r>
-          </a:p>
-          <a:p>
-            <a:r>
-              <a:rPr lang="en-US" sz="2000" dirty="0" err="1" smtClean="0"/>
+              <a:t>&lt;Number&gt;();</a:t>
+            </a:r>
+          </a:p>
+          <a:p>
+            <a:r>
+              <a:rPr lang="en-US" sz="2000" dirty="0" err="1"/>
               <a:t>ArrayList</a:t>
             </a:r>
             <a:r>
@@ -15801,7 +16070,7 @@
             <a:fld id="{9DAB3369-7666-44EB-AEA9-5FA9440DB40A}" type="slidenum">
               <a:rPr lang="en-US" smtClean="0"/>
               <a:pPr/>
-              <a:t>39</a:t>
+              <a:t>40</a:t>
             </a:fld>
             <a:endParaRPr lang="en-US"/>
           </a:p>
@@ -15957,10 +16226,9 @@
           <a:p>
             <a:pPr lvl="0" algn="ctr"/>
             <a:r>
-              <a:rPr lang="en-CA" sz="4800" dirty="0" smtClean="0"/>
+              <a:rPr lang="en-CA" sz="4800" dirty="0"/>
               <a:t>Question 16</a:t>
             </a:r>
-            <a:endParaRPr lang="en-CA" sz="4800" dirty="0"/>
           </a:p>
         </p:txBody>
       </p:sp>
@@ -15974,14 +16242,6 @@
   <p:clrMapOvr>
     <a:masterClrMapping/>
   </p:clrMapOvr>
-  <mc:AlternateContent xmlns:mc="http://schemas.openxmlformats.org/markup-compatibility/2006" xmlns:p14="http://schemas.microsoft.com/office/powerpoint/2010/main">
-    <mc:Choice Requires="p14">
-      <p:transition p14:dur="0"/>
-    </mc:Choice>
-    <mc:Fallback xmlns="">
-      <p:transition xmlns:p14="http://schemas.microsoft.com/office/powerpoint/2010/main"/>
-    </mc:Fallback>
-  </mc:AlternateContent>
   <p:timing>
     <p:tnLst>
       <p:par>
@@ -16089,7 +16349,7 @@
 </p:sld>
 </file>
 
-<file path=ppt/slides/slide4.xml><?xml version="1.0" encoding="utf-8"?>
+<file path=ppt/slides/slide41.xml><?xml version="1.0" encoding="utf-8"?>
 <p:sld xmlns:a="http://schemas.openxmlformats.org/drawingml/2006/main" xmlns:r="http://schemas.openxmlformats.org/officeDocument/2006/relationships" xmlns:p="http://schemas.openxmlformats.org/presentationml/2006/main">
   <p:cSld>
     <p:spTree>
@@ -16108,6 +16368,109 @@
       </p:grpSpPr>
       <p:sp>
         <p:nvSpPr>
+          <p:cNvPr id="6" name="TextBox 5"/>
+          <p:cNvSpPr txBox="1"/>
+          <p:nvPr/>
+        </p:nvSpPr>
+        <p:spPr>
+          <a:xfrm>
+            <a:off x="381000" y="2743200"/>
+            <a:ext cx="8601075" cy="1569660"/>
+          </a:xfrm>
+          <a:prstGeom prst="rect">
+            <a:avLst/>
+          </a:prstGeom>
+          <a:noFill/>
+        </p:spPr>
+        <p:txBody>
+          <a:bodyPr wrap="square" rtlCol="0">
+            <a:spAutoFit/>
+          </a:bodyPr>
+          <a:lstStyle/>
+          <a:p>
+            <a:r>
+              <a:rPr lang="en-US" sz="2400" dirty="0" err="1"/>
+              <a:t>ArrayList</a:t>
+            </a:r>
+            <a:r>
+              <a:rPr lang="en-US" sz="2400" dirty="0"/>
+              <a:t>&lt;Integer&gt; </a:t>
+            </a:r>
+            <a:r>
+              <a:rPr lang="en-US" sz="2400" dirty="0" err="1"/>
+              <a:t>intList</a:t>
+            </a:r>
+            <a:r>
+              <a:rPr lang="en-US" sz="2400" dirty="0"/>
+              <a:t> = new </a:t>
+            </a:r>
+            <a:r>
+              <a:rPr lang="en-US" sz="2400" dirty="0" err="1"/>
+              <a:t>ArrayList</a:t>
+            </a:r>
+            <a:r>
+              <a:rPr lang="en-US" sz="2400" dirty="0"/>
+              <a:t>&lt;Integer&gt;();</a:t>
+            </a:r>
+          </a:p>
+          <a:p>
+            <a:r>
+              <a:rPr lang="en-US" sz="2400" dirty="0" err="1"/>
+              <a:t>intList.add</a:t>
+            </a:r>
+            <a:r>
+              <a:rPr lang="en-US" sz="2400" dirty="0"/>
+              <a:t>(new Integer(1));</a:t>
+            </a:r>
+            <a:br>
+              <a:rPr lang="en-US" sz="2400" dirty="0"/>
+            </a:br>
+            <a:r>
+              <a:rPr lang="en-US" sz="2400" dirty="0" err="1"/>
+              <a:t>ArrayList</a:t>
+            </a:r>
+            <a:r>
+              <a:rPr lang="en-US" sz="2400" dirty="0"/>
+              <a:t>&lt;? extends Number&gt; </a:t>
+            </a:r>
+            <a:r>
+              <a:rPr lang="en-US" sz="2400" dirty="0" err="1"/>
+              <a:t>extendsNumList</a:t>
+            </a:r>
+            <a:r>
+              <a:rPr lang="en-US" sz="2400" dirty="0"/>
+              <a:t>= </a:t>
+            </a:r>
+            <a:r>
+              <a:rPr lang="en-US" sz="2400" dirty="0" err="1"/>
+              <a:t>intList</a:t>
+            </a:r>
+            <a:r>
+              <a:rPr lang="en-US" sz="2400" dirty="0"/>
+              <a:t>; </a:t>
+            </a:r>
+          </a:p>
+          <a:p>
+            <a:r>
+              <a:rPr lang="en-US" sz="2400" dirty="0"/>
+              <a:t>Integer integer = </a:t>
+            </a:r>
+            <a:r>
+              <a:rPr lang="en-US" sz="2400" dirty="0" err="1"/>
+              <a:t>extendsNumList.get</a:t>
+            </a:r>
+            <a:r>
+              <a:rPr lang="en-US" sz="2400" dirty="0"/>
+              <a:t>(0); </a:t>
+            </a:r>
+            <a:endParaRPr lang="en-US" sz="2400" dirty="0">
+              <a:effectLst/>
+            </a:endParaRPr>
+          </a:p>
+        </p:txBody>
+      </p:sp>
+      <p:sp>
+        <p:nvSpPr>
           <p:cNvPr id="3" name="Slide Number Placeholder 2"/>
           <p:cNvSpPr>
             <a:spLocks noGrp="1"/>
@@ -16124,7 +16487,7 @@
             <a:fld id="{9DAB3369-7666-44EB-AEA9-5FA9440DB40A}" type="slidenum">
               <a:rPr lang="en-US" smtClean="0"/>
               <a:pPr/>
-              <a:t>4</a:t>
+              <a:t>41</a:t>
             </a:fld>
             <a:endParaRPr lang="en-US"/>
           </a:p>
@@ -16249,7 +16612,7 @@
           <a:p>
             <a:pPr algn="l"/>
             <a:r>
-              <a:rPr lang="en-CA" dirty="0" smtClean="0"/>
+              <a:rPr lang="en-CA" dirty="0"/>
               <a:t>The Generics Quiz</a:t>
             </a:r>
             <a:endParaRPr lang="en-US" dirty="0"/>
@@ -16280,423 +16643,9 @@
           <a:p>
             <a:pPr lvl="0" algn="ctr"/>
             <a:r>
-              <a:rPr lang="en-CA" sz="4800" dirty="0" smtClean="0"/>
-              <a:t>Review</a:t>
-            </a:r>
-            <a:endParaRPr lang="en-CA" sz="4800" dirty="0"/>
-          </a:p>
-        </p:txBody>
-      </p:sp>
-      <p:sp>
-        <p:nvSpPr>
-          <p:cNvPr id="6" name="TextBox 5"/>
-          <p:cNvSpPr txBox="1"/>
-          <p:nvPr/>
-        </p:nvSpPr>
-        <p:spPr>
-          <a:xfrm>
-            <a:off x="381000" y="2743200"/>
-            <a:ext cx="8601075" cy="2985433"/>
-          </a:xfrm>
-          <a:prstGeom prst="rect">
-            <a:avLst/>
-          </a:prstGeom>
-          <a:noFill/>
-        </p:spPr>
-        <p:txBody>
-          <a:bodyPr wrap="square" rtlCol="0">
-            <a:spAutoFit/>
-          </a:bodyPr>
-          <a:lstStyle/>
-          <a:p>
-            <a:pPr algn="ctr"/>
-            <a:r>
-              <a:rPr lang="en-US" sz="3200" dirty="0" smtClean="0"/>
-              <a:t>Sometimes, this complexity gets in the way:</a:t>
-            </a:r>
-            <a:endParaRPr lang="en-US" sz="3200" dirty="0"/>
-          </a:p>
-          <a:p>
-            <a:endParaRPr lang="en-US" sz="3200" dirty="0" smtClean="0"/>
-          </a:p>
-          <a:p>
-            <a:pPr algn="ctr"/>
-            <a:r>
-              <a:rPr lang="en-US" sz="3200" i="1" dirty="0" smtClean="0"/>
-              <a:t>You may not care about the parameterized type </a:t>
-            </a:r>
-            <a:endParaRPr lang="en-US" sz="3200" i="1" dirty="0"/>
-          </a:p>
-          <a:p>
-            <a:pPr algn="ctr"/>
-            <a:r>
-              <a:rPr lang="en-US" sz="3200" i="1" dirty="0" smtClean="0"/>
-              <a:t>but it still gets in the way.</a:t>
-            </a:r>
-          </a:p>
-          <a:p>
-            <a:pPr marL="914400" lvl="1" indent="-457200">
-              <a:buFont typeface="Arial"/>
-              <a:buChar char="•"/>
-            </a:pPr>
-            <a:endParaRPr lang="en-US" sz="2800" dirty="0"/>
-          </a:p>
-          <a:p>
-            <a:pPr algn="ctr"/>
-            <a:r>
-              <a:rPr lang="en-US" sz="3200" dirty="0" smtClean="0">
-                <a:solidFill>
-                  <a:srgbClr val="FF0000"/>
-                </a:solidFill>
-              </a:rPr>
-              <a:t>And this is where the funs begins</a:t>
-            </a:r>
-            <a:r>
-              <a:rPr lang="mr-IN" sz="3200" dirty="0" smtClean="0">
-                <a:solidFill>
-                  <a:srgbClr val="FF0000"/>
-                </a:solidFill>
-              </a:rPr>
-              <a:t>…</a:t>
-            </a:r>
-            <a:endParaRPr lang="en-US" sz="3200" dirty="0">
-              <a:solidFill>
-                <a:srgbClr val="FF0000"/>
-              </a:solidFill>
-            </a:endParaRPr>
-          </a:p>
-        </p:txBody>
-      </p:sp>
-    </p:spTree>
-    <p:extLst>
-      <p:ext uri="{BB962C8B-B14F-4D97-AF65-F5344CB8AC3E}">
-        <p14:creationId xmlns:p14="http://schemas.microsoft.com/office/powerpoint/2010/main" val="2673188912"/>
-      </p:ext>
-    </p:extLst>
-  </p:cSld>
-  <p:clrMapOvr>
-    <a:masterClrMapping/>
-  </p:clrMapOvr>
-  <mc:AlternateContent xmlns:mc="http://schemas.openxmlformats.org/markup-compatibility/2006" xmlns:p14="http://schemas.microsoft.com/office/powerpoint/2010/main">
-    <mc:Choice Requires="p14">
-      <p:transition p14:dur="0"/>
-    </mc:Choice>
-    <mc:Fallback xmlns="">
-      <p:transition xmlns:p14="http://schemas.microsoft.com/office/powerpoint/2010/main"/>
-    </mc:Fallback>
-  </mc:AlternateContent>
-  <p:timing>
-    <p:tnLst>
-      <p:par>
-        <p:cTn id="1" dur="indefinite" restart="never" nodeType="tmRoot"/>
-      </p:par>
-    </p:tnLst>
-  </p:timing>
-</p:sld>
-</file>
-
-<file path=ppt/slides/slide40.xml><?xml version="1.0" encoding="utf-8"?>
-<p:sld xmlns:a="http://schemas.openxmlformats.org/drawingml/2006/main" xmlns:r="http://schemas.openxmlformats.org/officeDocument/2006/relationships" xmlns:p="http://schemas.openxmlformats.org/presentationml/2006/main">
-  <p:cSld>
-    <p:spTree>
-      <p:nvGrpSpPr>
-        <p:cNvPr id="1" name=""/>
-        <p:cNvGrpSpPr/>
-        <p:nvPr/>
-      </p:nvGrpSpPr>
-      <p:grpSpPr>
-        <a:xfrm>
-          <a:off x="0" y="0"/>
-          <a:ext cx="0" cy="0"/>
-          <a:chOff x="0" y="0"/>
-          <a:chExt cx="0" cy="0"/>
-        </a:xfrm>
-      </p:grpSpPr>
-      <p:sp>
-        <p:nvSpPr>
-          <p:cNvPr id="6" name="TextBox 5"/>
-          <p:cNvSpPr txBox="1"/>
-          <p:nvPr/>
-        </p:nvSpPr>
-        <p:spPr>
-          <a:xfrm>
-            <a:off x="381000" y="2743200"/>
-            <a:ext cx="8601075" cy="1569660"/>
-          </a:xfrm>
-          <a:prstGeom prst="rect">
-            <a:avLst/>
-          </a:prstGeom>
-          <a:noFill/>
-        </p:spPr>
-        <p:txBody>
-          <a:bodyPr wrap="square" rtlCol="0">
-            <a:spAutoFit/>
-          </a:bodyPr>
-          <a:lstStyle/>
-          <a:p>
-            <a:r>
-              <a:rPr lang="en-US" sz="2400" dirty="0" err="1"/>
-              <a:t>ArrayList</a:t>
-            </a:r>
-            <a:r>
-              <a:rPr lang="en-US" sz="2400" dirty="0"/>
-              <a:t>&lt;Integer&gt; </a:t>
-            </a:r>
-            <a:r>
-              <a:rPr lang="en-US" sz="2400" dirty="0" err="1"/>
-              <a:t>intList</a:t>
-            </a:r>
-            <a:r>
-              <a:rPr lang="en-US" sz="2400" dirty="0"/>
-              <a:t> = new </a:t>
-            </a:r>
-            <a:r>
-              <a:rPr lang="en-US" sz="2400" dirty="0" err="1"/>
-              <a:t>ArrayList</a:t>
-            </a:r>
-            <a:r>
-              <a:rPr lang="en-US" sz="2400" dirty="0"/>
-              <a:t>&lt;Integer&gt;()</a:t>
-            </a:r>
-            <a:r>
-              <a:rPr lang="en-US" sz="2400" dirty="0" smtClean="0"/>
-              <a:t>;</a:t>
-            </a:r>
-          </a:p>
-          <a:p>
-            <a:r>
-              <a:rPr lang="en-US" sz="2400" dirty="0" err="1" smtClean="0"/>
-              <a:t>intList.add</a:t>
-            </a:r>
-            <a:r>
-              <a:rPr lang="en-US" sz="2400" dirty="0"/>
-              <a:t>(new Integer(1));</a:t>
-            </a:r>
-            <a:br>
-              <a:rPr lang="en-US" sz="2400" dirty="0"/>
-            </a:br>
-            <a:r>
-              <a:rPr lang="en-US" sz="2400" dirty="0" err="1"/>
-              <a:t>ArrayList</a:t>
-            </a:r>
-            <a:r>
-              <a:rPr lang="en-US" sz="2400" dirty="0"/>
-              <a:t>&lt;? extends Number&gt; </a:t>
-            </a:r>
-            <a:r>
-              <a:rPr lang="en-US" sz="2400" dirty="0" err="1"/>
-              <a:t>extendsNumList</a:t>
-            </a:r>
-            <a:r>
-              <a:rPr lang="en-US" sz="2400" dirty="0"/>
-              <a:t>= </a:t>
-            </a:r>
-            <a:r>
-              <a:rPr lang="en-US" sz="2400" dirty="0" err="1"/>
-              <a:t>intList</a:t>
-            </a:r>
-            <a:r>
-              <a:rPr lang="en-US" sz="2400" dirty="0"/>
-              <a:t>; </a:t>
-            </a:r>
-          </a:p>
-          <a:p>
-            <a:r>
-              <a:rPr lang="en-US" sz="2400" dirty="0"/>
-              <a:t>Integer integer = </a:t>
-            </a:r>
-            <a:r>
-              <a:rPr lang="en-US" sz="2400" dirty="0" err="1"/>
-              <a:t>extendsNumList.get</a:t>
-            </a:r>
-            <a:r>
-              <a:rPr lang="en-US" sz="2400" dirty="0"/>
-              <a:t>(0); </a:t>
-            </a:r>
-            <a:endParaRPr lang="en-US" sz="2400" dirty="0">
-              <a:effectLst/>
-            </a:endParaRPr>
-          </a:p>
-        </p:txBody>
-      </p:sp>
-      <p:sp>
-        <p:nvSpPr>
-          <p:cNvPr id="3" name="Slide Number Placeholder 2"/>
-          <p:cNvSpPr>
-            <a:spLocks noGrp="1"/>
-          </p:cNvSpPr>
-          <p:nvPr>
-            <p:ph type="sldNum" sz="quarter" idx="12"/>
-          </p:nvPr>
-        </p:nvSpPr>
-        <p:spPr/>
-        <p:txBody>
-          <a:bodyPr/>
-          <a:lstStyle/>
-          <a:p>
-            <a:fld id="{9DAB3369-7666-44EB-AEA9-5FA9440DB40A}" type="slidenum">
-              <a:rPr lang="en-US" smtClean="0"/>
-              <a:pPr/>
-              <a:t>40</a:t>
-            </a:fld>
-            <a:endParaRPr lang="en-US"/>
-          </a:p>
-        </p:txBody>
-      </p:sp>
-      <p:sp>
-        <p:nvSpPr>
-          <p:cNvPr id="5" name="Footer Placeholder 1"/>
-          <p:cNvSpPr txBox="1">
-            <a:spLocks/>
-          </p:cNvSpPr>
-          <p:nvPr/>
-        </p:nvSpPr>
-        <p:spPr>
-          <a:xfrm>
-            <a:off x="0" y="6336000"/>
-            <a:ext cx="9144000" cy="365125"/>
-          </a:xfrm>
-          <a:prstGeom prst="rect">
-            <a:avLst/>
-          </a:prstGeom>
-        </p:spPr>
-        <p:txBody>
-          <a:bodyPr vert="horz" lIns="91440" tIns="45720" rIns="91440" bIns="45720" rtlCol="0" anchor="ctr"/>
-          <a:lstStyle>
-            <a:defPPr>
-              <a:defRPr lang="en-US"/>
-            </a:defPPr>
-            <a:lvl1pPr marL="0" algn="ctr" defTabSz="914400" rtl="0" eaLnBrk="1" latinLnBrk="0" hangingPunct="1">
-              <a:defRPr sz="1200" kern="1200">
-                <a:solidFill>
-                  <a:schemeClr val="tx1">
-                    <a:tint val="75000"/>
-                  </a:schemeClr>
-                </a:solidFill>
-                <a:latin typeface="+mn-lt"/>
-                <a:ea typeface="+mn-ea"/>
-                <a:cs typeface="+mn-cs"/>
-              </a:defRPr>
-            </a:lvl1pPr>
-            <a:lvl2pPr marL="457200" algn="l" defTabSz="914400" rtl="0" eaLnBrk="1" latinLnBrk="0" hangingPunct="1">
-              <a:defRPr sz="1800" kern="1200">
-                <a:solidFill>
-                  <a:schemeClr val="tx1"/>
-                </a:solidFill>
-                <a:latin typeface="+mn-lt"/>
-                <a:ea typeface="+mn-ea"/>
-                <a:cs typeface="+mn-cs"/>
-              </a:defRPr>
-            </a:lvl2pPr>
-            <a:lvl3pPr marL="914400" algn="l" defTabSz="914400" rtl="0" eaLnBrk="1" latinLnBrk="0" hangingPunct="1">
-              <a:defRPr sz="1800" kern="1200">
-                <a:solidFill>
-                  <a:schemeClr val="tx1"/>
-                </a:solidFill>
-                <a:latin typeface="+mn-lt"/>
-                <a:ea typeface="+mn-ea"/>
-                <a:cs typeface="+mn-cs"/>
-              </a:defRPr>
-            </a:lvl3pPr>
-            <a:lvl4pPr marL="1371600" algn="l" defTabSz="914400" rtl="0" eaLnBrk="1" latinLnBrk="0" hangingPunct="1">
-              <a:defRPr sz="1800" kern="1200">
-                <a:solidFill>
-                  <a:schemeClr val="tx1"/>
-                </a:solidFill>
-                <a:latin typeface="+mn-lt"/>
-                <a:ea typeface="+mn-ea"/>
-                <a:cs typeface="+mn-cs"/>
-              </a:defRPr>
-            </a:lvl4pPr>
-            <a:lvl5pPr marL="1828800" algn="l" defTabSz="914400" rtl="0" eaLnBrk="1" latinLnBrk="0" hangingPunct="1">
-              <a:defRPr sz="1800" kern="1200">
-                <a:solidFill>
-                  <a:schemeClr val="tx1"/>
-                </a:solidFill>
-                <a:latin typeface="+mn-lt"/>
-                <a:ea typeface="+mn-ea"/>
-                <a:cs typeface="+mn-cs"/>
-              </a:defRPr>
-            </a:lvl5pPr>
-            <a:lvl6pPr marL="2286000" algn="l" defTabSz="914400" rtl="0" eaLnBrk="1" latinLnBrk="0" hangingPunct="1">
-              <a:defRPr sz="1800" kern="1200">
-                <a:solidFill>
-                  <a:schemeClr val="tx1"/>
-                </a:solidFill>
-                <a:latin typeface="+mn-lt"/>
-                <a:ea typeface="+mn-ea"/>
-                <a:cs typeface="+mn-cs"/>
-              </a:defRPr>
-            </a:lvl6pPr>
-            <a:lvl7pPr marL="2743200" algn="l" defTabSz="914400" rtl="0" eaLnBrk="1" latinLnBrk="0" hangingPunct="1">
-              <a:defRPr sz="1800" kern="1200">
-                <a:solidFill>
-                  <a:schemeClr val="tx1"/>
-                </a:solidFill>
-                <a:latin typeface="+mn-lt"/>
-                <a:ea typeface="+mn-ea"/>
-                <a:cs typeface="+mn-cs"/>
-              </a:defRPr>
-            </a:lvl7pPr>
-            <a:lvl8pPr marL="3200400" algn="l" defTabSz="914400" rtl="0" eaLnBrk="1" latinLnBrk="0" hangingPunct="1">
-              <a:defRPr sz="1800" kern="1200">
-                <a:solidFill>
-                  <a:schemeClr val="tx1"/>
-                </a:solidFill>
-                <a:latin typeface="+mn-lt"/>
-                <a:ea typeface="+mn-ea"/>
-                <a:cs typeface="+mn-cs"/>
-              </a:defRPr>
-            </a:lvl8pPr>
-            <a:lvl9pPr marL="3657600" algn="l" defTabSz="914400" rtl="0" eaLnBrk="1" latinLnBrk="0" hangingPunct="1">
-              <a:defRPr sz="1800" kern="1200">
-                <a:solidFill>
-                  <a:schemeClr val="tx1"/>
-                </a:solidFill>
-                <a:latin typeface="+mn-lt"/>
-                <a:ea typeface="+mn-ea"/>
-                <a:cs typeface="+mn-cs"/>
-              </a:defRPr>
-            </a:lvl9pPr>
-          </a:lstStyle>
-          <a:p>
-            <a:pPr algn="l"/>
-            <a:r>
-              <a:rPr lang="en-CA" dirty="0"/>
-              <a:t>The Generics Quiz</a:t>
-            </a:r>
-            <a:endParaRPr lang="en-US" dirty="0"/>
-          </a:p>
-        </p:txBody>
-      </p:sp>
-      <p:sp>
-        <p:nvSpPr>
-          <p:cNvPr id="12" name="TextBox 11"/>
-          <p:cNvSpPr txBox="1"/>
-          <p:nvPr/>
-        </p:nvSpPr>
-        <p:spPr>
-          <a:xfrm>
-            <a:off x="0" y="1447800"/>
-            <a:ext cx="9144000" cy="830997"/>
-          </a:xfrm>
-          <a:prstGeom prst="rect">
-            <a:avLst/>
-          </a:prstGeom>
-          <a:noFill/>
-        </p:spPr>
-        <p:txBody>
-          <a:bodyPr wrap="square" rtlCol="0">
-            <a:spAutoFit/>
-          </a:bodyPr>
-          <a:lstStyle/>
-          <a:p>
-            <a:pPr lvl="0" algn="ctr"/>
-            <a:r>
-              <a:rPr lang="en-CA" sz="4800" dirty="0" smtClean="0"/>
+              <a:rPr lang="en-CA" sz="4800" dirty="0"/>
               <a:t>Question 17</a:t>
             </a:r>
-            <a:endParaRPr lang="en-CA" sz="4800" dirty="0"/>
           </a:p>
         </p:txBody>
       </p:sp>
@@ -16722,17 +16671,10 @@
       </p:transition>
     </mc:Fallback>
   </mc:AlternateContent>
-  <p:timing>
-    <p:tnLst>
-      <p:par>
-        <p:cTn id="1" dur="indefinite" restart="never" nodeType="tmRoot"/>
-      </p:par>
-    </p:tnLst>
-  </p:timing>
 </p:sld>
 </file>
 
-<file path=ppt/slides/slide41.xml><?xml version="1.0" encoding="utf-8"?>
+<file path=ppt/slides/slide42.xml><?xml version="1.0" encoding="utf-8"?>
 <p:sld xmlns:a="http://schemas.openxmlformats.org/drawingml/2006/main" xmlns:r="http://schemas.openxmlformats.org/officeDocument/2006/relationships" xmlns:p="http://schemas.openxmlformats.org/presentationml/2006/main">
   <p:cSld>
     <p:spTree>
@@ -16793,16 +16735,12 @@
             </a:r>
             <a:r>
               <a:rPr lang="en-US" sz="2400" dirty="0"/>
-              <a:t>&lt;Integer&gt;()</a:t>
-            </a:r>
-            <a:r>
-              <a:rPr lang="en-US" sz="2400" dirty="0" smtClean="0"/>
-              <a:t>;</a:t>
-            </a:r>
-          </a:p>
-          <a:p>
-            <a:r>
-              <a:rPr lang="en-US" sz="2400" dirty="0" err="1" smtClean="0"/>
+              <a:t>&lt;Integer&gt;();</a:t>
+            </a:r>
+          </a:p>
+          <a:p>
+            <a:r>
+              <a:rPr lang="en-US" sz="2400" dirty="0" err="1"/>
               <a:t>intList.add</a:t>
             </a:r>
             <a:r>
@@ -16906,7 +16844,7 @@
             <a:fld id="{9DAB3369-7666-44EB-AEA9-5FA9440DB40A}" type="slidenum">
               <a:rPr lang="en-US" smtClean="0"/>
               <a:pPr/>
-              <a:t>41</a:t>
+              <a:t>42</a:t>
             </a:fld>
             <a:endParaRPr lang="en-US"/>
           </a:p>
@@ -17062,10 +17000,9 @@
           <a:p>
             <a:pPr lvl="0" algn="ctr"/>
             <a:r>
-              <a:rPr lang="en-CA" sz="4800" dirty="0" smtClean="0"/>
+              <a:rPr lang="en-CA" sz="4800" dirty="0"/>
               <a:t>Question 17</a:t>
             </a:r>
-            <a:endParaRPr lang="en-CA" sz="4800" dirty="0"/>
           </a:p>
         </p:txBody>
       </p:sp>
@@ -17079,14 +17016,6 @@
   <p:clrMapOvr>
     <a:masterClrMapping/>
   </p:clrMapOvr>
-  <mc:AlternateContent xmlns:mc="http://schemas.openxmlformats.org/markup-compatibility/2006" xmlns:p14="http://schemas.microsoft.com/office/powerpoint/2010/main">
-    <mc:Choice Requires="p14">
-      <p:transition p14:dur="0"/>
-    </mc:Choice>
-    <mc:Fallback xmlns="">
-      <p:transition xmlns:p14="http://schemas.microsoft.com/office/powerpoint/2010/main"/>
-    </mc:Fallback>
-  </mc:AlternateContent>
   <p:timing>
     <p:tnLst>
       <p:par>
@@ -17194,7 +17123,7 @@
 </p:sld>
 </file>
 
-<file path=ppt/slides/slide42.xml><?xml version="1.0" encoding="utf-8"?>
+<file path=ppt/slides/slide43.xml><?xml version="1.0" encoding="utf-8"?>
 <p:sld xmlns:a="http://schemas.openxmlformats.org/drawingml/2006/main" xmlns:r="http://schemas.openxmlformats.org/officeDocument/2006/relationships" xmlns:p="http://schemas.openxmlformats.org/presentationml/2006/main">
   <p:cSld>
     <p:spTree>
@@ -17281,7 +17210,7 @@
             <a:fld id="{9DAB3369-7666-44EB-AEA9-5FA9440DB40A}" type="slidenum">
               <a:rPr lang="en-US" smtClean="0"/>
               <a:pPr/>
-              <a:t>42</a:t>
+              <a:t>43</a:t>
             </a:fld>
             <a:endParaRPr lang="en-US"/>
           </a:p>
@@ -17437,10 +17366,9 @@
           <a:p>
             <a:pPr lvl="0" algn="ctr"/>
             <a:r>
-              <a:rPr lang="en-CA" sz="4800" dirty="0" smtClean="0"/>
+              <a:rPr lang="en-CA" sz="4800" dirty="0"/>
               <a:t>Question 18</a:t>
             </a:r>
-            <a:endParaRPr lang="en-CA" sz="4800" dirty="0"/>
           </a:p>
         </p:txBody>
       </p:sp>
@@ -17466,17 +17394,10 @@
       </p:transition>
     </mc:Fallback>
   </mc:AlternateContent>
-  <p:timing>
-    <p:tnLst>
-      <p:par>
-        <p:cTn id="1" dur="indefinite" restart="never" nodeType="tmRoot"/>
-      </p:par>
-    </p:tnLst>
-  </p:timing>
 </p:sld>
 </file>
 
-<file path=ppt/slides/slide43.xml><?xml version="1.0" encoding="utf-8"?>
+<file path=ppt/slides/slide44.xml><?xml version="1.0" encoding="utf-8"?>
 <p:sld xmlns:a="http://schemas.openxmlformats.org/drawingml/2006/main" xmlns:r="http://schemas.openxmlformats.org/officeDocument/2006/relationships" xmlns:p="http://schemas.openxmlformats.org/presentationml/2006/main">
   <p:cSld>
     <p:spTree>
@@ -17599,7 +17520,7 @@
             <a:fld id="{9DAB3369-7666-44EB-AEA9-5FA9440DB40A}" type="slidenum">
               <a:rPr lang="en-US" smtClean="0"/>
               <a:pPr/>
-              <a:t>43</a:t>
+              <a:t>44</a:t>
             </a:fld>
             <a:endParaRPr lang="en-US"/>
           </a:p>
@@ -17755,10 +17676,9 @@
           <a:p>
             <a:pPr lvl="0" algn="ctr"/>
             <a:r>
-              <a:rPr lang="en-CA" sz="4800" dirty="0" smtClean="0"/>
+              <a:rPr lang="en-CA" sz="4800" dirty="0"/>
               <a:t>Question 18</a:t>
             </a:r>
-            <a:endParaRPr lang="en-CA" sz="4800" dirty="0"/>
           </a:p>
         </p:txBody>
       </p:sp>
@@ -17772,14 +17692,6 @@
   <p:clrMapOvr>
     <a:masterClrMapping/>
   </p:clrMapOvr>
-  <mc:AlternateContent xmlns:mc="http://schemas.openxmlformats.org/markup-compatibility/2006" xmlns:p14="http://schemas.microsoft.com/office/powerpoint/2010/main">
-    <mc:Choice Requires="p14">
-      <p:transition p14:dur="0"/>
-    </mc:Choice>
-    <mc:Fallback xmlns="">
-      <p:transition xmlns:p14="http://schemas.microsoft.com/office/powerpoint/2010/main"/>
-    </mc:Fallback>
-  </mc:AlternateContent>
   <p:timing>
     <p:tnLst>
       <p:par>
@@ -17887,7 +17799,7 @@
 </p:sld>
 </file>
 
-<file path=ppt/slides/slide44.xml><?xml version="1.0" encoding="utf-8"?>
+<file path=ppt/slides/slide45.xml><?xml version="1.0" encoding="utf-8"?>
 <p:sld xmlns:a="http://schemas.openxmlformats.org/drawingml/2006/main" xmlns:r="http://schemas.openxmlformats.org/officeDocument/2006/relationships" xmlns:p="http://schemas.openxmlformats.org/presentationml/2006/main">
   <p:cSld>
     <p:spTree>
@@ -17922,7 +17834,7 @@
             <a:fld id="{9DAB3369-7666-44EB-AEA9-5FA9440DB40A}" type="slidenum">
               <a:rPr lang="en-US" smtClean="0"/>
               <a:pPr/>
-              <a:t>44</a:t>
+              <a:t>45</a:t>
             </a:fld>
             <a:endParaRPr lang="en-US"/>
           </a:p>
@@ -18078,10 +17990,9 @@
           <a:p>
             <a:pPr lvl="0" algn="ctr"/>
             <a:r>
-              <a:rPr lang="en-CA" sz="4800" dirty="0" smtClean="0"/>
+              <a:rPr lang="en-CA" sz="4800" dirty="0"/>
               <a:t>Question 19</a:t>
             </a:r>
-            <a:endParaRPr lang="en-CA" sz="4800" dirty="0"/>
           </a:p>
         </p:txBody>
       </p:sp>
@@ -18109,21 +18020,13 @@
           <a:p>
             <a:r>
               <a:rPr lang="en-US" sz="3200" dirty="0"/>
-              <a:t>Pair&lt;String, String&gt;[] array = new Pair[2]</a:t>
-            </a:r>
-            <a:r>
-              <a:rPr lang="en-US" sz="3200" dirty="0" smtClean="0"/>
-              <a:t>;</a:t>
-            </a:r>
-          </a:p>
-          <a:p>
-            <a:r>
-              <a:rPr lang="en-US" sz="3200" dirty="0" smtClean="0"/>
-              <a:t>array</a:t>
-            </a:r>
+              <a:t>Pair&lt;String, String&gt;[] array = new Pair[2];</a:t>
+            </a:r>
+          </a:p>
+          <a:p>
             <a:r>
               <a:rPr lang="en-US" sz="3200" dirty="0"/>
-              <a:t>[0] = new Pair&lt;String, String&gt;(“1′′, “y”); array[1] = new Pair(true, false); </a:t>
+              <a:t>array[0] = new Pair&lt;String, String&gt;(“1′′, “y”); array[1] = new Pair(true, false); </a:t>
             </a:r>
             <a:endParaRPr lang="en-US" sz="3200" dirty="0">
               <a:effectLst/>
@@ -18281,7 +18184,7 @@
 </p:sld>
 </file>
 
-<file path=ppt/slides/slide45.xml><?xml version="1.0" encoding="utf-8"?>
+<file path=ppt/slides/slide46.xml><?xml version="1.0" encoding="utf-8"?>
 <p:sld xmlns:a="http://schemas.openxmlformats.org/drawingml/2006/main" xmlns:r="http://schemas.openxmlformats.org/officeDocument/2006/relationships" xmlns:p="http://schemas.openxmlformats.org/presentationml/2006/main">
   <p:cSld>
     <p:spTree>
@@ -18316,7 +18219,7 @@
             <a:fld id="{9DAB3369-7666-44EB-AEA9-5FA9440DB40A}" type="slidenum">
               <a:rPr lang="en-US" smtClean="0"/>
               <a:pPr/>
-              <a:t>45</a:t>
+              <a:t>46</a:t>
             </a:fld>
             <a:endParaRPr lang="en-US"/>
           </a:p>
@@ -18472,10 +18375,9 @@
           <a:p>
             <a:pPr lvl="0" algn="ctr"/>
             <a:r>
-              <a:rPr lang="en-CA" sz="4800" dirty="0" smtClean="0"/>
+              <a:rPr lang="en-CA" sz="4800" dirty="0"/>
               <a:t>Question 20</a:t>
             </a:r>
-            <a:endParaRPr lang="en-CA" sz="4800" dirty="0"/>
           </a:p>
         </p:txBody>
       </p:sp>
@@ -18859,7 +18761,7 @@
           <a:p>
             <a:pPr algn="l"/>
             <a:r>
-              <a:rPr lang="en-CA" dirty="0" smtClean="0"/>
+              <a:rPr lang="en-CA" dirty="0"/>
               <a:t>The Generics Quiz</a:t>
             </a:r>
             <a:endParaRPr lang="en-US" dirty="0"/>
@@ -18890,10 +18792,9 @@
           <a:p>
             <a:pPr lvl="0" algn="ctr"/>
             <a:r>
-              <a:rPr lang="en-CA" sz="4800" dirty="0" smtClean="0"/>
+              <a:rPr lang="en-CA" sz="4800" dirty="0"/>
               <a:t>Review</a:t>
             </a:r>
-            <a:endParaRPr lang="en-CA" sz="4800" dirty="0"/>
           </a:p>
         </p:txBody>
       </p:sp>
@@ -18920,22 +18821,22 @@
           <a:lstStyle/>
           <a:p>
             <a:r>
-              <a:rPr lang="en-CA" sz="3200" dirty="0" smtClean="0"/>
+              <a:rPr lang="en-CA" sz="3200" dirty="0"/>
               <a:t>Suppose this</a:t>
             </a:r>
             <a:r>
-              <a:rPr lang="mr-IN" sz="3200" dirty="0" smtClean="0"/>
+              <a:rPr lang="mr-IN" sz="3200" dirty="0"/>
               <a:t>…</a:t>
             </a:r>
-            <a:endParaRPr lang="en-CA" sz="3200" dirty="0" smtClean="0"/>
+            <a:endParaRPr lang="en-CA" sz="3200" dirty="0"/>
           </a:p>
           <a:p>
             <a:pPr algn="ctr"/>
-            <a:endParaRPr lang="en-CA" sz="2400" dirty="0" smtClean="0"/>
+            <a:endParaRPr lang="en-CA" sz="2400" dirty="0"/>
           </a:p>
           <a:p>
             <a:pPr algn="ctr"/>
-            <a:endParaRPr lang="en-CA" sz="2400" dirty="0" smtClean="0"/>
+            <a:endParaRPr lang="en-CA" sz="2400" dirty="0"/>
           </a:p>
         </p:txBody>
       </p:sp>
@@ -18974,7 +18875,7 @@
           <a:p>
             <a:pPr algn="ctr"/>
             <a:r>
-              <a:rPr lang="en-US" dirty="0" err="1" smtClean="0"/>
+              <a:rPr lang="en-US" dirty="0" err="1"/>
               <a:t>ParentClass</a:t>
             </a:r>
             <a:endParaRPr lang="en-US" dirty="0"/>
@@ -19016,7 +18917,7 @@
           <a:p>
             <a:pPr algn="ctr"/>
             <a:r>
-              <a:rPr lang="en-US" dirty="0" err="1" smtClean="0"/>
+              <a:rPr lang="en-US" dirty="0" err="1"/>
               <a:t>ChildClass</a:t>
             </a:r>
             <a:endParaRPr lang="en-US" dirty="0"/>
@@ -19067,8 +18968,8 @@
         </p:nvSpPr>
         <p:spPr>
           <a:xfrm>
-            <a:off x="4724400" y="4038600"/>
-            <a:ext cx="2209800" cy="1600200"/>
+            <a:off x="4724399" y="4038600"/>
+            <a:ext cx="2438399" cy="1800462"/>
           </a:xfrm>
           <a:prstGeom prst="roundRect">
             <a:avLst/>
@@ -19094,67 +18995,68 @@
           <a:p>
             <a:pPr algn="ctr"/>
             <a:r>
-              <a:rPr lang="en-US" sz="1600" dirty="0" err="1" smtClean="0"/>
+              <a:rPr lang="en-US" sz="1600" dirty="0" err="1"/>
               <a:t>GenericClass</a:t>
             </a:r>
             <a:r>
-              <a:rPr lang="en-US" sz="1600" dirty="0" smtClean="0"/>
+              <a:rPr lang="en-US" sz="1600" dirty="0"/>
               <a:t>&lt;T&gt;</a:t>
             </a:r>
           </a:p>
           <a:p>
             <a:pPr algn="ctr"/>
-            <a:endParaRPr lang="en-US" sz="1600" dirty="0" smtClean="0"/>
+            <a:endParaRPr lang="en-US" sz="1600" dirty="0"/>
           </a:p>
           <a:p>
             <a:r>
               <a:rPr lang="en-US" sz="1600" dirty="0"/>
-              <a:t>p</a:t>
-            </a:r>
-            <a:r>
-              <a:rPr lang="en-US" sz="1600" dirty="0" smtClean="0"/>
-              <a:t>rivate T t;</a:t>
-            </a:r>
-          </a:p>
-          <a:p>
-            <a:endParaRPr lang="en-US" sz="1600" dirty="0" smtClean="0"/>
+              <a:t>private T t;</a:t>
+            </a:r>
+          </a:p>
+          <a:p>
+            <a:endParaRPr lang="en-US" sz="1600" dirty="0"/>
           </a:p>
           <a:p>
             <a:r>
               <a:rPr lang="en-US" sz="1600" dirty="0"/>
-              <a:t>p</a:t>
-            </a:r>
-            <a:r>
-              <a:rPr lang="en-US" sz="1600" dirty="0" smtClean="0"/>
-              <a:t>ublic void </a:t>
-            </a:r>
-            <a:r>
-              <a:rPr lang="en-US" sz="1600" dirty="0" err="1" smtClean="0"/>
+              <a:t>public void </a:t>
+            </a:r>
+            <a:r>
+              <a:rPr lang="en-US" sz="1600" dirty="0" err="1"/>
               <a:t>setT</a:t>
             </a:r>
             <a:r>
-              <a:rPr lang="en-US" sz="1600" dirty="0" smtClean="0"/>
+              <a:rPr lang="en-US" sz="1600" dirty="0"/>
               <a:t>(T t) {}</a:t>
             </a:r>
           </a:p>
           <a:p>
             <a:r>
               <a:rPr lang="en-US" sz="1600" dirty="0"/>
-              <a:t>p</a:t>
-            </a:r>
-            <a:r>
-              <a:rPr lang="en-US" sz="1600" dirty="0" smtClean="0"/>
-              <a:t>ublic T </a:t>
-            </a:r>
-            <a:r>
-              <a:rPr lang="en-US" sz="1600" dirty="0" err="1" smtClean="0"/>
+              <a:t>public T </a:t>
+            </a:r>
+            <a:r>
+              <a:rPr lang="en-US" sz="1600" dirty="0" err="1"/>
               <a:t>getT</a:t>
             </a:r>
             <a:r>
-              <a:rPr lang="en-US" sz="1600" dirty="0" smtClean="0"/>
+              <a:rPr lang="en-US" sz="1600" dirty="0"/>
               <a:t>() {}</a:t>
             </a:r>
-            <a:endParaRPr lang="en-US" sz="1600" dirty="0"/>
+          </a:p>
+          <a:p>
+            <a:r>
+              <a:rPr lang="en-US" sz="1600" dirty="0"/>
+              <a:t>public String </a:t>
+            </a:r>
+            <a:r>
+              <a:rPr lang="en-US" sz="1600" dirty="0" err="1"/>
+              <a:t>toString</a:t>
+            </a:r>
+            <a:r>
+              <a:rPr lang="en-US" sz="1600" dirty="0"/>
+              <a:t>();</a:t>
+            </a:r>
           </a:p>
         </p:txBody>
       </p:sp>
@@ -19268,10 +19170,9 @@
           <a:p>
             <a:pPr algn="ctr"/>
             <a:r>
-              <a:rPr lang="en-US" smtClean="0"/>
+              <a:rPr lang="en-US"/>
               <a:t>Class type</a:t>
             </a:r>
-            <a:endParaRPr lang="en-US"/>
           </a:p>
         </p:txBody>
       </p:sp>
@@ -19299,14 +19200,13 @@
           <a:p>
             <a:pPr algn="ctr"/>
             <a:r>
-              <a:rPr lang="en-US" smtClean="0"/>
+              <a:rPr lang="en-US"/>
               <a:t>Parameterized </a:t>
             </a:r>
             <a:r>
-              <a:rPr lang="en-US" dirty="0" smtClean="0"/>
+              <a:rPr lang="en-US" dirty="0"/>
               <a:t>type</a:t>
             </a:r>
-            <a:endParaRPr lang="en-US" dirty="0"/>
           </a:p>
         </p:txBody>
       </p:sp>
@@ -19320,14 +19220,6 @@
   <p:clrMapOvr>
     <a:masterClrMapping/>
   </p:clrMapOvr>
-  <mc:AlternateContent xmlns:mc="http://schemas.openxmlformats.org/markup-compatibility/2006" xmlns:p14="http://schemas.microsoft.com/office/powerpoint/2010/main">
-    <mc:Choice Requires="p14">
-      <p:transition p14:dur="0"/>
-    </mc:Choice>
-    <mc:Fallback xmlns="">
-      <p:transition xmlns:p14="http://schemas.microsoft.com/office/powerpoint/2010/main"/>
-    </mc:Fallback>
-  </mc:AlternateContent>
   <p:timing>
     <p:tnLst>
       <p:par>
@@ -19671,7 +19563,7 @@
           <a:p>
             <a:pPr algn="l"/>
             <a:r>
-              <a:rPr lang="en-CA" dirty="0" smtClean="0"/>
+              <a:rPr lang="en-CA" dirty="0"/>
               <a:t>The Generics Quiz</a:t>
             </a:r>
             <a:endParaRPr lang="en-US" dirty="0"/>
@@ -19702,10 +19594,9 @@
           <a:p>
             <a:pPr lvl="0" algn="ctr"/>
             <a:r>
-              <a:rPr lang="en-CA" sz="4800" dirty="0" smtClean="0"/>
+              <a:rPr lang="en-CA" sz="4800" dirty="0"/>
               <a:t>Review</a:t>
             </a:r>
-            <a:endParaRPr lang="en-CA" sz="4800" dirty="0"/>
           </a:p>
         </p:txBody>
       </p:sp>
@@ -19733,7 +19624,7 @@
           <a:p>
             <a:pPr algn="ctr"/>
             <a:r>
-              <a:rPr lang="en-CA" sz="3200" dirty="0" smtClean="0"/>
+              <a:rPr lang="en-CA" sz="3200" dirty="0"/>
               <a:t>While this works for Objects</a:t>
             </a:r>
           </a:p>
@@ -19741,28 +19632,24 @@
             <a:pPr algn="ctr"/>
             <a:r>
               <a:rPr lang="en-CA" sz="3200" i="1" dirty="0"/>
-              <a:t>(</a:t>
-            </a:r>
-            <a:r>
-              <a:rPr lang="en-CA" sz="3200" i="1" dirty="0" smtClean="0"/>
-              <a:t>Good old polymorphism)</a:t>
+              <a:t>(Good old polymorphism)</a:t>
             </a:r>
           </a:p>
           <a:p>
             <a:pPr algn="ctr"/>
-            <a:endParaRPr lang="en-CA" sz="2400" dirty="0" smtClean="0"/>
+            <a:endParaRPr lang="en-CA" sz="2400" dirty="0"/>
           </a:p>
           <a:p>
             <a:pPr lvl="1"/>
             <a:r>
-              <a:rPr lang="en-CA" sz="2400" dirty="0" err="1" smtClean="0">
+              <a:rPr lang="en-CA" sz="2400" dirty="0" err="1">
                 <a:latin typeface="Courier"/>
                 <a:cs typeface="Courier"/>
               </a:rPr>
               <a:t>ParentClass</a:t>
             </a:r>
             <a:r>
-              <a:rPr lang="en-CA" sz="2400" dirty="0" smtClean="0">
+              <a:rPr lang="en-CA" sz="2400" dirty="0">
                 <a:latin typeface="Courier"/>
                 <a:cs typeface="Courier"/>
               </a:rPr>
@@ -19780,33 +19667,22 @@
                 <a:latin typeface="Courier"/>
                 <a:cs typeface="Courier"/>
               </a:rPr>
-              <a:t> = </a:t>
-            </a:r>
-            <a:r>
-              <a:rPr lang="en-CA" sz="2400" dirty="0" smtClean="0">
-                <a:latin typeface="Courier"/>
-                <a:cs typeface="Courier"/>
-              </a:rPr>
-              <a:t>new </a:t>
-            </a:r>
-            <a:r>
-              <a:rPr lang="en-CA" sz="2400" dirty="0" err="1" smtClean="0">
+              <a:t> = new </a:t>
+            </a:r>
+            <a:r>
+              <a:rPr lang="en-CA" sz="2400" dirty="0" err="1">
                 <a:latin typeface="Courier"/>
                 <a:cs typeface="Courier"/>
               </a:rPr>
               <a:t>ChildClass</a:t>
             </a:r>
             <a:r>
-              <a:rPr lang="en-CA" sz="2400" dirty="0" smtClean="0">
+              <a:rPr lang="en-CA" sz="2400" dirty="0">
                 <a:latin typeface="Courier"/>
                 <a:cs typeface="Courier"/>
               </a:rPr>
               <a:t>();</a:t>
             </a:r>
-            <a:endParaRPr lang="en-CA" sz="2400" dirty="0">
-              <a:latin typeface="Courier"/>
-              <a:cs typeface="Courier"/>
-            </a:endParaRPr>
           </a:p>
         </p:txBody>
       </p:sp>
@@ -19820,21 +19696,6 @@
   <p:clrMapOvr>
     <a:masterClrMapping/>
   </p:clrMapOvr>
-  <mc:AlternateContent xmlns:mc="http://schemas.openxmlformats.org/markup-compatibility/2006" xmlns:p14="http://schemas.microsoft.com/office/powerpoint/2010/main">
-    <mc:Choice Requires="p14">
-      <p:transition p14:dur="0"/>
-    </mc:Choice>
-    <mc:Fallback xmlns="">
-      <p:transition xmlns:p14="http://schemas.microsoft.com/office/powerpoint/2010/main"/>
-    </mc:Fallback>
-  </mc:AlternateContent>
-  <p:timing>
-    <p:tnLst>
-      <p:par>
-        <p:cTn id="1" dur="indefinite" restart="never" nodeType="tmRoot"/>
-      </p:par>
-    </p:tnLst>
-  </p:timing>
 </p:sld>
 </file>
 
@@ -19998,7 +19859,7 @@
           <a:p>
             <a:pPr algn="l"/>
             <a:r>
-              <a:rPr lang="en-CA" dirty="0" smtClean="0"/>
+              <a:rPr lang="en-CA" dirty="0"/>
               <a:t>The Generics Quiz</a:t>
             </a:r>
             <a:endParaRPr lang="en-US" dirty="0"/>
@@ -20029,10 +19890,9 @@
           <a:p>
             <a:pPr lvl="0" algn="ctr"/>
             <a:r>
-              <a:rPr lang="en-CA" sz="4800" dirty="0" smtClean="0"/>
+              <a:rPr lang="en-CA" sz="4800" dirty="0"/>
               <a:t>Review</a:t>
             </a:r>
-            <a:endParaRPr lang="en-CA" sz="4800" dirty="0"/>
           </a:p>
         </p:txBody>
       </p:sp>
@@ -20060,33 +19920,33 @@
           <a:p>
             <a:pPr algn="ctr"/>
             <a:r>
-              <a:rPr lang="mr-IN" sz="3200" dirty="0" smtClean="0"/>
+              <a:rPr lang="mr-IN" sz="3200" dirty="0"/>
               <a:t>…</a:t>
             </a:r>
             <a:r>
-              <a:rPr lang="en-CA" sz="3200" dirty="0" smtClean="0"/>
+              <a:rPr lang="en-CA" sz="3200" dirty="0"/>
               <a:t> Doesn’t work with generics</a:t>
             </a:r>
           </a:p>
           <a:p>
             <a:pPr algn="ctr"/>
             <a:r>
-              <a:rPr lang="en-CA" sz="3200" i="1" dirty="0" smtClean="0"/>
+              <a:rPr lang="en-CA" sz="3200" i="1" dirty="0"/>
               <a:t>(because parameterized types are not covariant</a:t>
             </a:r>
             <a:r>
-              <a:rPr lang="en-CA" sz="3200" dirty="0" smtClean="0"/>
+              <a:rPr lang="en-CA" sz="3200" dirty="0"/>
               <a:t>)</a:t>
             </a:r>
           </a:p>
           <a:p>
             <a:pPr algn="ctr"/>
-            <a:endParaRPr lang="en-CA" sz="2400" dirty="0" smtClean="0"/>
+            <a:endParaRPr lang="en-CA" sz="2400" dirty="0"/>
           </a:p>
           <a:p>
             <a:pPr lvl="1"/>
             <a:r>
-              <a:rPr lang="en-CA" sz="2400" dirty="0" err="1" smtClean="0">
+              <a:rPr lang="en-CA" sz="2400" dirty="0" err="1">
                 <a:latin typeface="Courier"/>
                 <a:cs typeface="Courier"/>
               </a:rPr>
@@ -20125,14 +19985,7 @@
                 <a:latin typeface="Courier"/>
                 <a:cs typeface="Courier"/>
               </a:rPr>
-              <a:t> </a:t>
-            </a:r>
-            <a:r>
-              <a:rPr lang="en-CA" sz="2400" dirty="0" smtClean="0">
-                <a:latin typeface="Courier"/>
-                <a:cs typeface="Courier"/>
-              </a:rPr>
-              <a:t>=</a:t>
+              <a:t> =</a:t>
             </a:r>
           </a:p>
           <a:p>
@@ -20142,38 +19995,31 @@
                 <a:latin typeface="Courier"/>
                 <a:cs typeface="Courier"/>
               </a:rPr>
-              <a:t>	</a:t>
-            </a:r>
-            <a:r>
-              <a:rPr lang="en-CA" sz="2400" dirty="0" smtClean="0">
-                <a:latin typeface="Courier"/>
-                <a:cs typeface="Courier"/>
-              </a:rPr>
-              <a:t>new </a:t>
-            </a:r>
-            <a:r>
-              <a:rPr lang="en-CA" sz="2400" dirty="0" err="1" smtClean="0">
+              <a:t>	new </a:t>
+            </a:r>
+            <a:r>
+              <a:rPr lang="en-CA" sz="2400" dirty="0" err="1">
                 <a:latin typeface="Courier"/>
                 <a:cs typeface="Courier"/>
               </a:rPr>
               <a:t>GenericClass</a:t>
             </a:r>
             <a:r>
-              <a:rPr lang="en-CA" sz="2400" dirty="0" smtClean="0">
+              <a:rPr lang="en-CA" sz="2400" dirty="0">
                 <a:latin typeface="Courier"/>
                 <a:cs typeface="Courier"/>
               </a:rPr>
               <a:t>&lt;</a:t>
             </a:r>
             <a:r>
-              <a:rPr lang="en-CA" sz="2400" dirty="0" err="1" smtClean="0">
+              <a:rPr lang="en-CA" sz="2400" dirty="0" err="1">
                 <a:latin typeface="Courier"/>
                 <a:cs typeface="Courier"/>
               </a:rPr>
               <a:t>ChildClass</a:t>
             </a:r>
             <a:r>
-              <a:rPr lang="en-CA" sz="2400" dirty="0" smtClean="0">
+              <a:rPr lang="en-CA" sz="2400" dirty="0">
                 <a:latin typeface="Courier"/>
                 <a:cs typeface="Courier"/>
               </a:rPr>
@@ -20196,21 +20042,6 @@
   <p:clrMapOvr>
     <a:masterClrMapping/>
   </p:clrMapOvr>
-  <mc:AlternateContent xmlns:mc="http://schemas.openxmlformats.org/markup-compatibility/2006" xmlns:p14="http://schemas.microsoft.com/office/powerpoint/2010/main">
-    <mc:Choice Requires="p14">
-      <p:transition p14:dur="0"/>
-    </mc:Choice>
-    <mc:Fallback xmlns="">
-      <p:transition xmlns:p14="http://schemas.microsoft.com/office/powerpoint/2010/main"/>
-    </mc:Fallback>
-  </mc:AlternateContent>
-  <p:timing>
-    <p:tnLst>
-      <p:par>
-        <p:cTn id="1" dur="indefinite" restart="never" nodeType="tmRoot"/>
-      </p:par>
-    </p:tnLst>
-  </p:timing>
 </p:sld>
 </file>
 
@@ -20374,7 +20205,7 @@
           <a:p>
             <a:pPr algn="l"/>
             <a:r>
-              <a:rPr lang="en-CA" dirty="0" smtClean="0"/>
+              <a:rPr lang="en-CA" dirty="0"/>
               <a:t>The Generics Quiz</a:t>
             </a:r>
             <a:endParaRPr lang="en-US" dirty="0"/>
@@ -20405,10 +20236,9 @@
           <a:p>
             <a:pPr lvl="0" algn="ctr"/>
             <a:r>
-              <a:rPr lang="en-CA" sz="4800" dirty="0" smtClean="0"/>
+              <a:rPr lang="en-CA" sz="4800" dirty="0"/>
               <a:t>Review</a:t>
             </a:r>
-            <a:endParaRPr lang="en-CA" sz="4800" dirty="0"/>
           </a:p>
         </p:txBody>
       </p:sp>
@@ -20436,33 +20266,33 @@
           <a:p>
             <a:pPr algn="ctr"/>
             <a:r>
-              <a:rPr lang="mr-IN" sz="3200" dirty="0" smtClean="0"/>
+              <a:rPr lang="mr-IN" sz="3200" dirty="0"/>
               <a:t>…</a:t>
             </a:r>
             <a:r>
-              <a:rPr lang="en-CA" sz="3200" dirty="0" smtClean="0"/>
+              <a:rPr lang="en-CA" sz="3200" dirty="0"/>
               <a:t> Doesn’t work with generics</a:t>
             </a:r>
           </a:p>
           <a:p>
             <a:pPr algn="ctr"/>
             <a:r>
-              <a:rPr lang="en-CA" sz="3200" i="1" dirty="0" smtClean="0"/>
+              <a:rPr lang="en-CA" sz="3200" i="1" dirty="0"/>
               <a:t>(because parameterized types are not covariant</a:t>
             </a:r>
             <a:r>
-              <a:rPr lang="en-CA" sz="3200" dirty="0" smtClean="0"/>
+              <a:rPr lang="en-CA" sz="3200" dirty="0"/>
               <a:t>)</a:t>
             </a:r>
           </a:p>
           <a:p>
             <a:pPr algn="ctr"/>
-            <a:endParaRPr lang="en-CA" sz="2400" dirty="0" smtClean="0"/>
+            <a:endParaRPr lang="en-CA" sz="2400" dirty="0"/>
           </a:p>
           <a:p>
             <a:pPr lvl="1"/>
             <a:r>
-              <a:rPr lang="en-CA" sz="2400" strike="sngStrike" dirty="0" err="1" smtClean="0">
+              <a:rPr lang="en-CA" sz="2400" strike="sngStrike" dirty="0" err="1">
                 <a:solidFill>
                   <a:srgbClr val="FF0000"/>
                 </a:solidFill>
@@ -20519,43 +20349,23 @@
                 <a:latin typeface="Courier"/>
                 <a:cs typeface="Courier"/>
               </a:rPr>
-              <a:t> </a:t>
-            </a:r>
-            <a:r>
-              <a:rPr lang="en-CA" sz="2400" strike="sngStrike" dirty="0" smtClean="0">
+              <a:t> =</a:t>
+            </a:r>
+          </a:p>
+          <a:p>
+            <a:pPr lvl="1"/>
+            <a:r>
+              <a:rPr lang="en-CA" sz="2400" strike="sngStrike" dirty="0">
                 <a:solidFill>
                   <a:srgbClr val="FF0000"/>
                 </a:solidFill>
                 <a:latin typeface="Courier"/>
                 <a:cs typeface="Courier"/>
               </a:rPr>
-              <a:t>=</a:t>
-            </a:r>
-          </a:p>
-          <a:p>
-            <a:pPr lvl="1"/>
-            <a:r>
-              <a:rPr lang="en-CA" sz="2400" strike="sngStrike" dirty="0">
-                <a:solidFill>
-                  <a:srgbClr val="FF0000"/>
-                </a:solidFill>
-                <a:latin typeface="Courier"/>
-                <a:cs typeface="Courier"/>
-              </a:rPr>
-              <a:t>	</a:t>
-            </a:r>
-            <a:r>
-              <a:rPr lang="en-CA" sz="2400" strike="sngStrike" dirty="0" smtClean="0">
-                <a:solidFill>
-                  <a:srgbClr val="FF0000"/>
-                </a:solidFill>
-                <a:latin typeface="Courier"/>
-                <a:cs typeface="Courier"/>
-              </a:rPr>
-              <a:t>new </a:t>
-            </a:r>
-            <a:r>
-              <a:rPr lang="en-CA" sz="2400" strike="sngStrike" dirty="0" err="1" smtClean="0">
+              <a:t>	new </a:t>
+            </a:r>
+            <a:r>
+              <a:rPr lang="en-CA" sz="2400" strike="sngStrike" dirty="0" err="1">
                 <a:solidFill>
                   <a:srgbClr val="FF0000"/>
                 </a:solidFill>
@@ -20565,7 +20375,7 @@
               <a:t>GenericClass</a:t>
             </a:r>
             <a:r>
-              <a:rPr lang="en-CA" sz="2400" strike="sngStrike" dirty="0" smtClean="0">
+              <a:rPr lang="en-CA" sz="2400" strike="sngStrike" dirty="0">
                 <a:solidFill>
                   <a:srgbClr val="FF0000"/>
                 </a:solidFill>
@@ -20575,7 +20385,7 @@
               <a:t>&lt;</a:t>
             </a:r>
             <a:r>
-              <a:rPr lang="en-CA" sz="2400" strike="sngStrike" dirty="0" err="1" smtClean="0">
+              <a:rPr lang="en-CA" sz="2400" strike="sngStrike" dirty="0" err="1">
                 <a:solidFill>
                   <a:srgbClr val="FF0000"/>
                 </a:solidFill>
@@ -20585,7 +20395,7 @@
               <a:t>ChildClass</a:t>
             </a:r>
             <a:r>
-              <a:rPr lang="en-CA" sz="2400" strike="sngStrike" dirty="0" smtClean="0">
+              <a:rPr lang="en-CA" sz="2400" strike="sngStrike" dirty="0">
                 <a:solidFill>
                   <a:srgbClr val="FF0000"/>
                 </a:solidFill>
@@ -20614,21 +20424,6 @@
   <p:clrMapOvr>
     <a:masterClrMapping/>
   </p:clrMapOvr>
-  <mc:AlternateContent xmlns:mc="http://schemas.openxmlformats.org/markup-compatibility/2006" xmlns:p14="http://schemas.microsoft.com/office/powerpoint/2010/main">
-    <mc:Choice Requires="p14">
-      <p:transition p14:dur="0"/>
-    </mc:Choice>
-    <mc:Fallback xmlns="">
-      <p:transition xmlns:p14="http://schemas.microsoft.com/office/powerpoint/2010/main"/>
-    </mc:Fallback>
-  </mc:AlternateContent>
-  <p:timing>
-    <p:tnLst>
-      <p:par>
-        <p:cTn id="1" dur="indefinite" restart="never" nodeType="tmRoot"/>
-      </p:par>
-    </p:tnLst>
-  </p:timing>
 </p:sld>
 </file>
 
@@ -20792,7 +20587,7 @@
           <a:p>
             <a:pPr algn="l"/>
             <a:r>
-              <a:rPr lang="en-CA" dirty="0" smtClean="0"/>
+              <a:rPr lang="en-CA" dirty="0"/>
               <a:t>The Generics Quiz</a:t>
             </a:r>
             <a:endParaRPr lang="en-US" dirty="0"/>
@@ -20823,10 +20618,9 @@
           <a:p>
             <a:pPr lvl="0" algn="ctr"/>
             <a:r>
-              <a:rPr lang="en-CA" sz="4800" dirty="0" smtClean="0"/>
+              <a:rPr lang="en-CA" sz="4800" dirty="0"/>
               <a:t>Review</a:t>
             </a:r>
-            <a:endParaRPr lang="en-CA" sz="4800" dirty="0"/>
           </a:p>
         </p:txBody>
       </p:sp>
@@ -20854,25 +20648,25 @@
           <a:p>
             <a:pPr algn="ctr"/>
             <a:r>
-              <a:rPr lang="en-CA" sz="3200" dirty="0" smtClean="0"/>
+              <a:rPr lang="en-CA" sz="3200" dirty="0"/>
               <a:t>How to make parameterized types covariant</a:t>
             </a:r>
           </a:p>
           <a:p>
             <a:pPr algn="ctr"/>
             <a:r>
-              <a:rPr lang="en-CA" sz="3200" dirty="0" smtClean="0"/>
+              <a:rPr lang="en-CA" sz="3200" dirty="0"/>
               <a:t>(Upper bounded)</a:t>
             </a:r>
           </a:p>
           <a:p>
             <a:pPr algn="ctr"/>
-            <a:endParaRPr lang="en-CA" sz="2400" dirty="0" smtClean="0"/>
+            <a:endParaRPr lang="en-CA" sz="2400" dirty="0"/>
           </a:p>
           <a:p>
             <a:pPr lvl="1"/>
             <a:r>
-              <a:rPr lang="en-CA" sz="2400" dirty="0" err="1" smtClean="0">
+              <a:rPr lang="en-CA" sz="2400" dirty="0" err="1">
                 <a:latin typeface="Courier"/>
                 <a:cs typeface="Courier"/>
               </a:rPr>
@@ -20893,20 +20687,10 @@
                 <a:latin typeface="Courier"/>
                 <a:cs typeface="Courier"/>
               </a:rPr>
-              <a:t>? e</a:t>
-            </a:r>
-            <a:r>
-              <a:rPr lang="en-CA" sz="2400" dirty="0" smtClean="0">
-                <a:solidFill>
-                  <a:srgbClr val="FF0000"/>
-                </a:solidFill>
-                <a:latin typeface="Courier"/>
-                <a:cs typeface="Courier"/>
-              </a:rPr>
-              <a:t>xtends </a:t>
-            </a:r>
-            <a:r>
-              <a:rPr lang="en-CA" sz="2400" dirty="0" err="1" smtClean="0">
+              <a:t>? extends </a:t>
+            </a:r>
+            <a:r>
+              <a:rPr lang="en-CA" sz="2400" dirty="0" err="1">
                 <a:solidFill>
                   <a:srgbClr val="FF0000"/>
                 </a:solidFill>
@@ -20916,21 +20700,21 @@
               <a:t>ParentClass</a:t>
             </a:r>
             <a:r>
-              <a:rPr lang="en-CA" sz="2400" dirty="0" smtClean="0">
+              <a:rPr lang="en-CA" sz="2400" dirty="0">
                 <a:latin typeface="Courier"/>
                 <a:cs typeface="Courier"/>
               </a:rPr>
               <a:t>&gt; 	</a:t>
             </a:r>
             <a:r>
-              <a:rPr lang="en-CA" sz="2400" dirty="0" err="1" smtClean="0">
+              <a:rPr lang="en-CA" sz="2400" dirty="0" err="1">
                 <a:latin typeface="Courier"/>
                 <a:cs typeface="Courier"/>
               </a:rPr>
               <a:t>genericOfExtendsParent</a:t>
             </a:r>
             <a:r>
-              <a:rPr lang="en-CA" sz="2400" dirty="0" smtClean="0">
+              <a:rPr lang="en-CA" sz="2400" dirty="0">
                 <a:latin typeface="Courier"/>
                 <a:cs typeface="Courier"/>
               </a:rPr>
@@ -20944,17 +20728,10 @@
                 <a:latin typeface="Courier"/>
                 <a:cs typeface="Courier"/>
               </a:rPr>
-              <a:t>	</a:t>
-            </a:r>
-            <a:r>
-              <a:rPr lang="en-CA" sz="2400" dirty="0" smtClean="0">
-                <a:latin typeface="Courier"/>
-                <a:cs typeface="Courier"/>
-              </a:rPr>
-              <a:t>	new </a:t>
-            </a:r>
-            <a:r>
-              <a:rPr lang="en-CA" sz="2400" dirty="0" err="1" smtClean="0">
+              <a:t>		new </a:t>
+            </a:r>
+            <a:r>
+              <a:rPr lang="en-CA" sz="2400" dirty="0" err="1">
                 <a:latin typeface="Courier"/>
                 <a:cs typeface="Courier"/>
               </a:rPr>
@@ -20979,19 +20756,8 @@
                 <a:latin typeface="Courier"/>
                 <a:cs typeface="Courier"/>
               </a:rPr>
-              <a:t>&gt;()</a:t>
-            </a:r>
-            <a:r>
-              <a:rPr lang="en-CA" sz="2400" dirty="0" smtClean="0">
-                <a:latin typeface="Courier"/>
-                <a:cs typeface="Courier"/>
-              </a:rPr>
-              <a:t>;</a:t>
-            </a:r>
-            <a:endParaRPr lang="en-CA" sz="2400" dirty="0">
-              <a:latin typeface="Courier"/>
-              <a:cs typeface="Courier"/>
-            </a:endParaRPr>
+              <a:t>&gt;();</a:t>
+            </a:r>
           </a:p>
         </p:txBody>
       </p:sp>
@@ -21005,21 +20771,6 @@
   <p:clrMapOvr>
     <a:masterClrMapping/>
   </p:clrMapOvr>
-  <mc:AlternateContent xmlns:mc="http://schemas.openxmlformats.org/markup-compatibility/2006" xmlns:p14="http://schemas.microsoft.com/office/powerpoint/2010/main">
-    <mc:Choice Requires="p14">
-      <p:transition p14:dur="0"/>
-    </mc:Choice>
-    <mc:Fallback xmlns="">
-      <p:transition xmlns:p14="http://schemas.microsoft.com/office/powerpoint/2010/main"/>
-    </mc:Fallback>
-  </mc:AlternateContent>
-  <p:timing>
-    <p:tnLst>
-      <p:par>
-        <p:cTn id="1" dur="indefinite" restart="never" nodeType="tmRoot"/>
-      </p:par>
-    </p:tnLst>
-  </p:timing>
 </p:sld>
 </file>
 
